--- a/Lesson 1/Section 1/Software Development Lifecyle.pptx
+++ b/Lesson 1/Section 1/Software Development Lifecyle.pptx
@@ -1547,6 +1547,159 @@
 </file>
 
 <file path=ppt/notesSlides/notesSlide2.xml><?xml version="1.0" encoding="utf-8"?>
+<p:notes xmlns:a="http://schemas.openxmlformats.org/drawingml/2006/main" xmlns:r="http://schemas.openxmlformats.org/officeDocument/2006/relationships" xmlns:p="http://schemas.openxmlformats.org/presentationml/2006/main">
+  <p:cSld>
+    <p:spTree>
+      <p:nvGrpSpPr>
+        <p:cNvPr id="1" name=""/>
+        <p:cNvGrpSpPr/>
+        <p:nvPr/>
+      </p:nvGrpSpPr>
+      <p:grpSpPr>
+        <a:xfrm>
+          <a:off x="0" y="0"/>
+          <a:ext cx="0" cy="0"/>
+          <a:chOff x="0" y="0"/>
+          <a:chExt cx="0" cy="0"/>
+        </a:xfrm>
+      </p:grpSpPr>
+      <p:sp>
+        <p:nvSpPr>
+          <p:cNvPr id="2" name="Slide Image Placeholder 1"/>
+          <p:cNvSpPr>
+            <a:spLocks noGrp="1" noRot="1" noChangeAspect="1"/>
+          </p:cNvSpPr>
+          <p:nvPr>
+            <p:ph type="sldImg"/>
+          </p:nvPr>
+        </p:nvSpPr>
+        <p:spPr/>
+      </p:sp>
+      <p:sp>
+        <p:nvSpPr>
+          <p:cNvPr id="3" name="Notes Placeholder 2"/>
+          <p:cNvSpPr>
+            <a:spLocks noGrp="1"/>
+          </p:cNvSpPr>
+          <p:nvPr>
+            <p:ph type="body" idx="1"/>
+          </p:nvPr>
+        </p:nvSpPr>
+        <p:spPr/>
+        <p:txBody>
+          <a:bodyPr/>
+          <a:lstStyle/>
+          <a:p>
+            <a:r>
+              <a:rPr lang="en-US" dirty="0"/>
+              <a:t>https://</a:t>
+            </a:r>
+            <a:r>
+              <a:rPr lang="en-US" dirty="0" err="1"/>
+              <a:t>prezi.com</a:t>
+            </a:r>
+            <a:r>
+              <a:rPr lang="en-US" dirty="0"/>
+              <a:t>/h1jbkhxx8yl2/?</a:t>
+            </a:r>
+            <a:r>
+              <a:rPr lang="en-US" dirty="0" err="1"/>
+              <a:t>utm_campaign</a:t>
+            </a:r>
+            <a:r>
+              <a:rPr lang="en-US" dirty="0"/>
+              <a:t>=</a:t>
+            </a:r>
+            <a:r>
+              <a:rPr lang="en-US" dirty="0" err="1"/>
+              <a:t>share&amp;utm_medium</a:t>
+            </a:r>
+            <a:r>
+              <a:rPr lang="en-US"/>
+              <a:t>=copy</a:t>
+            </a:r>
+            <a:endParaRPr kumimoji="0" lang="en-US" sz="1200" b="0" i="0" u="none" strike="noStrike" kern="0" cap="none" spc="0" normalizeH="0" baseline="0" noProof="0" dirty="0">
+              <a:ln>
+                <a:noFill/>
+              </a:ln>
+              <a:solidFill>
+                <a:srgbClr val="000000"/>
+              </a:solidFill>
+              <a:effectLst/>
+              <a:uLnTx/>
+              <a:uFillTx/>
+              <a:latin typeface="Calibri"/>
+              <a:cs typeface="Calibri"/>
+              <a:sym typeface="Calibri"/>
+            </a:endParaRPr>
+          </a:p>
+          <a:p>
+            <a:endParaRPr lang="en-US" dirty="0"/>
+          </a:p>
+        </p:txBody>
+      </p:sp>
+      <p:sp>
+        <p:nvSpPr>
+          <p:cNvPr id="4" name="Slide Number Placeholder 3"/>
+          <p:cNvSpPr>
+            <a:spLocks noGrp="1"/>
+          </p:cNvSpPr>
+          <p:nvPr>
+            <p:ph type="sldNum" idx="12"/>
+          </p:nvPr>
+        </p:nvSpPr>
+        <p:spPr/>
+        <p:txBody>
+          <a:bodyPr/>
+          <a:lstStyle/>
+          <a:p>
+            <a:pPr marL="0" marR="0" lvl="0" indent="0" algn="r" rtl="0">
+              <a:spcBef>
+                <a:spcPts val="0"/>
+              </a:spcBef>
+              <a:spcAft>
+                <a:spcPts val="0"/>
+              </a:spcAft>
+              <a:buNone/>
+            </a:pPr>
+            <a:fld id="{00000000-1234-1234-1234-123412341234}" type="slidenum">
+              <a:rPr lang="en-US" sz="1200" b="0" i="0" u="none" strike="noStrike" cap="none" smtClean="0">
+                <a:solidFill>
+                  <a:schemeClr val="dk1"/>
+                </a:solidFill>
+                <a:latin typeface="Calibri"/>
+                <a:ea typeface="Calibri"/>
+                <a:cs typeface="Calibri"/>
+                <a:sym typeface="Calibri"/>
+              </a:rPr>
+              <a:t>5</a:t>
+            </a:fld>
+            <a:endParaRPr lang="en-US" sz="1200" b="0" i="0" u="none" strike="noStrike" cap="none">
+              <a:solidFill>
+                <a:schemeClr val="dk1"/>
+              </a:solidFill>
+              <a:latin typeface="Calibri"/>
+              <a:ea typeface="Calibri"/>
+              <a:cs typeface="Calibri"/>
+              <a:sym typeface="Calibri"/>
+            </a:endParaRPr>
+          </a:p>
+        </p:txBody>
+      </p:sp>
+    </p:spTree>
+    <p:extLst>
+      <p:ext uri="{BB962C8B-B14F-4D97-AF65-F5344CB8AC3E}">
+        <p14:creationId xmlns:p14="http://schemas.microsoft.com/office/powerpoint/2010/main" val="3224811629"/>
+      </p:ext>
+    </p:extLst>
+  </p:cSld>
+  <p:clrMapOvr>
+    <a:masterClrMapping/>
+  </p:clrMapOvr>
+</p:notes>
+</file>
+
+<file path=ppt/notesSlides/notesSlide3.xml><?xml version="1.0" encoding="utf-8"?>
 <p:notes xmlns:a="http://schemas.openxmlformats.org/drawingml/2006/main" xmlns:r="http://schemas.openxmlformats.org/officeDocument/2006/relationships" xmlns:p="http://schemas.openxmlformats.org/presentationml/2006/main" showMasterSp="0" showMasterPhAnim="0">
   <p:cSld>
     <p:spTree>
@@ -1738,7 +1891,7 @@
 </p:notes>
 </file>
 
-<file path=ppt/notesSlides/notesSlide3.xml><?xml version="1.0" encoding="utf-8"?>
+<file path=ppt/notesSlides/notesSlide4.xml><?xml version="1.0" encoding="utf-8"?>
 <p:notes xmlns:a="http://schemas.openxmlformats.org/drawingml/2006/main" xmlns:r="http://schemas.openxmlformats.org/officeDocument/2006/relationships" xmlns:p="http://schemas.openxmlformats.org/presentationml/2006/main" showMasterSp="0" showMasterPhAnim="0">
   <p:cSld>
     <p:spTree>
@@ -2632,7 +2785,7 @@
 </p:notes>
 </file>
 
-<file path=ppt/notesSlides/notesSlide4.xml><?xml version="1.0" encoding="utf-8"?>
+<file path=ppt/notesSlides/notesSlide5.xml><?xml version="1.0" encoding="utf-8"?>
 <p:notes xmlns:a="http://schemas.openxmlformats.org/drawingml/2006/main" xmlns:r="http://schemas.openxmlformats.org/officeDocument/2006/relationships" xmlns:p="http://schemas.openxmlformats.org/presentationml/2006/main" showMasterSp="0" showMasterPhAnim="0">
   <p:cSld>
     <p:spTree>
@@ -21019,7 +21172,7 @@
           </p:nvPr>
         </p:nvPicPr>
         <p:blipFill>
-          <a:blip r:embed="rId3"/>
+          <a:blip r:embed="rId4"/>
           <a:stretch>
             <a:fillRect/>
           </a:stretch>

--- a/Lesson 1/Section 1/Software Development Lifecyle.pptx
+++ b/Lesson 1/Section 1/Software Development Lifecyle.pptx
@@ -6,7 +6,7 @@
     <p:sldMasterId id="2147483661" r:id="rId2"/>
   </p:sldMasterIdLst>
   <p:notesMasterIdLst>
-    <p:notesMasterId r:id="rId11"/>
+    <p:notesMasterId r:id="rId12"/>
   </p:notesMasterIdLst>
   <p:sldIdLst>
     <p:sldId id="256" r:id="rId3"/>
@@ -17,6 +17,7 @@
     <p:sldId id="257" r:id="rId8"/>
     <p:sldId id="258" r:id="rId9"/>
     <p:sldId id="259" r:id="rId10"/>
+    <p:sldId id="264" r:id="rId11"/>
   </p:sldIdLst>
   <p:sldSz cx="12192000" cy="6858000"/>
   <p:notesSz cx="6858000" cy="9144000"/>
@@ -1615,7 +1616,7 @@
               <a:t>share&amp;utm_medium</a:t>
             </a:r>
             <a:r>
-              <a:rPr lang="en-US"/>
+              <a:rPr lang="en-US" dirty="0"/>
               <a:t>=copy</a:t>
             </a:r>
             <a:endParaRPr kumimoji="0" lang="en-US" sz="1200" b="0" i="0" u="none" strike="noStrike" kern="0" cap="none" spc="0" normalizeH="0" baseline="0" noProof="0" dirty="0">
@@ -3118,6 +3119,339 @@
 </p:notes>
 </file>
 
+<file path=ppt/notesSlides/notesSlide6.xml><?xml version="1.0" encoding="utf-8"?>
+<p:notes xmlns:a="http://schemas.openxmlformats.org/drawingml/2006/main" xmlns:r="http://schemas.openxmlformats.org/officeDocument/2006/relationships" xmlns:p="http://schemas.openxmlformats.org/presentationml/2006/main" showMasterSp="0" showMasterPhAnim="0">
+  <p:cSld>
+    <p:spTree>
+      <p:nvGrpSpPr>
+        <p:cNvPr id="1" name="Shape 117"/>
+        <p:cNvGrpSpPr/>
+        <p:nvPr/>
+      </p:nvGrpSpPr>
+      <p:grpSpPr>
+        <a:xfrm>
+          <a:off x="0" y="0"/>
+          <a:ext cx="0" cy="0"/>
+          <a:chOff x="0" y="0"/>
+          <a:chExt cx="0" cy="0"/>
+        </a:xfrm>
+      </p:grpSpPr>
+      <p:sp>
+        <p:nvSpPr>
+          <p:cNvPr id="118" name="Google Shape;118;p3:notes"/>
+          <p:cNvSpPr>
+            <a:spLocks noGrp="1" noRot="1" noChangeAspect="1"/>
+          </p:cNvSpPr>
+          <p:nvPr>
+            <p:ph type="sldImg" idx="2"/>
+          </p:nvPr>
+        </p:nvSpPr>
+        <p:spPr>
+          <a:xfrm>
+            <a:off x="685800" y="1143000"/>
+            <a:ext cx="5486400" cy="3086100"/>
+          </a:xfrm>
+          <a:custGeom>
+            <a:avLst/>
+            <a:gdLst/>
+            <a:ahLst/>
+            <a:cxnLst/>
+            <a:rect l="l" t="t" r="r" b="b"/>
+            <a:pathLst>
+              <a:path w="120000" h="120000" extrusionOk="0">
+                <a:moveTo>
+                  <a:pt x="0" y="0"/>
+                </a:moveTo>
+                <a:lnTo>
+                  <a:pt x="120000" y="0"/>
+                </a:lnTo>
+                <a:lnTo>
+                  <a:pt x="120000" y="120000"/>
+                </a:lnTo>
+                <a:lnTo>
+                  <a:pt x="0" y="120000"/>
+                </a:lnTo>
+                <a:close/>
+              </a:path>
+            </a:pathLst>
+          </a:custGeom>
+          <a:noFill/>
+          <a:ln w="12700" cap="flat" cmpd="sng">
+            <a:solidFill>
+              <a:srgbClr val="000000"/>
+            </a:solidFill>
+            <a:prstDash val="solid"/>
+            <a:round/>
+            <a:headEnd type="none" w="sm" len="sm"/>
+            <a:tailEnd type="none" w="sm" len="sm"/>
+          </a:ln>
+        </p:spPr>
+      </p:sp>
+      <p:sp>
+        <p:nvSpPr>
+          <p:cNvPr id="119" name="Google Shape;119;p3:notes"/>
+          <p:cNvSpPr txBox="1">
+            <a:spLocks noGrp="1"/>
+          </p:cNvSpPr>
+          <p:nvPr>
+            <p:ph type="body" idx="1"/>
+          </p:nvPr>
+        </p:nvSpPr>
+        <p:spPr>
+          <a:xfrm>
+            <a:off x="685800" y="4400550"/>
+            <a:ext cx="5486400" cy="3600450"/>
+          </a:xfrm>
+          <a:prstGeom prst="rect">
+            <a:avLst/>
+          </a:prstGeom>
+          <a:noFill/>
+          <a:ln>
+            <a:noFill/>
+          </a:ln>
+        </p:spPr>
+        <p:txBody>
+          <a:bodyPr spcFirstLastPara="1" wrap="square" lIns="91425" tIns="45700" rIns="91425" bIns="45700" anchor="t" anchorCtr="0">
+            <a:noAutofit/>
+          </a:bodyPr>
+          <a:lstStyle/>
+          <a:p>
+            <a:pPr marL="0" marR="0" lvl="0" indent="0" algn="l" rtl="0">
+              <a:spcBef>
+                <a:spcPts val="0"/>
+              </a:spcBef>
+              <a:spcAft>
+                <a:spcPts val="0"/>
+              </a:spcAft>
+              <a:buNone/>
+            </a:pPr>
+            <a:r>
+              <a:rPr lang="en-US" sz="1200" b="0" i="0" u="none" strike="noStrike" cap="none" dirty="0">
+                <a:solidFill>
+                  <a:schemeClr val="dk1"/>
+                </a:solidFill>
+                <a:latin typeface="Calibri"/>
+                <a:ea typeface="Calibri"/>
+                <a:cs typeface="Calibri"/>
+                <a:sym typeface="Calibri"/>
+              </a:rPr>
+              <a:t>We are following the material from the book “App Development with swift”</a:t>
+            </a:r>
+          </a:p>
+          <a:p>
+            <a:pPr marL="0" marR="0" lvl="0" indent="0" algn="l" rtl="0">
+              <a:spcBef>
+                <a:spcPts val="0"/>
+              </a:spcBef>
+              <a:spcAft>
+                <a:spcPts val="0"/>
+              </a:spcAft>
+              <a:buNone/>
+            </a:pPr>
+            <a:endParaRPr lang="en-US" sz="1200" b="0" i="0" u="none" strike="noStrike" cap="none" dirty="0">
+              <a:solidFill>
+                <a:schemeClr val="dk1"/>
+              </a:solidFill>
+              <a:latin typeface="Calibri"/>
+              <a:ea typeface="Calibri"/>
+              <a:cs typeface="Calibri"/>
+              <a:sym typeface="Calibri"/>
+            </a:endParaRPr>
+          </a:p>
+          <a:p>
+            <a:pPr marL="0" marR="0" lvl="0" indent="0" algn="l" rtl="0">
+              <a:spcBef>
+                <a:spcPts val="0"/>
+              </a:spcBef>
+              <a:spcAft>
+                <a:spcPts val="0"/>
+              </a:spcAft>
+              <a:buNone/>
+            </a:pPr>
+            <a:endParaRPr lang="en-US" sz="1200" b="0" i="0" u="none" strike="noStrike" cap="none" dirty="0">
+              <a:solidFill>
+                <a:schemeClr val="dk1"/>
+              </a:solidFill>
+              <a:latin typeface="Calibri"/>
+              <a:ea typeface="Calibri"/>
+              <a:cs typeface="Calibri"/>
+              <a:sym typeface="Calibri"/>
+            </a:endParaRPr>
+          </a:p>
+          <a:p>
+            <a:pPr marL="0" marR="0" lvl="0" indent="0" algn="l" rtl="0">
+              <a:spcBef>
+                <a:spcPts val="0"/>
+              </a:spcBef>
+              <a:spcAft>
+                <a:spcPts val="0"/>
+              </a:spcAft>
+              <a:buNone/>
+            </a:pPr>
+            <a:r>
+              <a:rPr lang="en-NZ" sz="1200" b="0" i="0" u="none" strike="noStrike" cap="none" dirty="0">
+                <a:solidFill>
+                  <a:schemeClr val="dk1"/>
+                </a:solidFill>
+                <a:latin typeface="Calibri"/>
+                <a:ea typeface="Calibri"/>
+                <a:cs typeface="Calibri"/>
+                <a:sym typeface="Calibri"/>
+              </a:rPr>
+              <a:t>Used some programming before, but we will cover a lot of the basics at the start as a refresher. </a:t>
+            </a:r>
+          </a:p>
+          <a:p>
+            <a:pPr marL="0" marR="0" lvl="0" indent="0" algn="l" rtl="0">
+              <a:spcBef>
+                <a:spcPts val="0"/>
+              </a:spcBef>
+              <a:spcAft>
+                <a:spcPts val="0"/>
+              </a:spcAft>
+              <a:buNone/>
+            </a:pPr>
+            <a:br>
+              <a:rPr lang="en-NZ" sz="1200" b="0" i="0" u="none" strike="noStrike" cap="none" dirty="0">
+                <a:solidFill>
+                  <a:schemeClr val="dk1"/>
+                </a:solidFill>
+                <a:latin typeface="Calibri"/>
+                <a:ea typeface="Calibri"/>
+                <a:cs typeface="Calibri"/>
+                <a:sym typeface="Calibri"/>
+              </a:rPr>
+            </a:br>
+            <a:endParaRPr lang="en-NZ" sz="1200" b="0" i="0" u="none" strike="noStrike" cap="none" dirty="0">
+              <a:solidFill>
+                <a:schemeClr val="dk1"/>
+              </a:solidFill>
+              <a:latin typeface="Calibri"/>
+              <a:ea typeface="Calibri"/>
+              <a:cs typeface="Calibri"/>
+              <a:sym typeface="Calibri"/>
+            </a:endParaRPr>
+          </a:p>
+          <a:p>
+            <a:pPr marL="0" marR="0" lvl="0" indent="0" algn="l" rtl="0">
+              <a:spcBef>
+                <a:spcPts val="0"/>
+              </a:spcBef>
+              <a:spcAft>
+                <a:spcPts val="0"/>
+              </a:spcAft>
+              <a:buNone/>
+            </a:pPr>
+            <a:r>
+              <a:rPr lang="en-NZ" sz="1200" b="0" i="0" u="none" strike="noStrike" cap="none" dirty="0">
+                <a:solidFill>
+                  <a:schemeClr val="dk1"/>
+                </a:solidFill>
+                <a:latin typeface="Calibri"/>
+                <a:ea typeface="Calibri"/>
+                <a:cs typeface="Calibri"/>
+                <a:sym typeface="Calibri"/>
+              </a:rPr>
+              <a:t>Reading the theory from book, we cover it in a more practical sense </a:t>
+            </a:r>
+          </a:p>
+          <a:p>
+            <a:pPr marL="0" marR="0" lvl="0" indent="0" algn="l" rtl="0">
+              <a:spcBef>
+                <a:spcPts val="0"/>
+              </a:spcBef>
+              <a:spcAft>
+                <a:spcPts val="0"/>
+              </a:spcAft>
+              <a:buNone/>
+            </a:pPr>
+            <a:endParaRPr sz="1200" b="0" i="0" u="none" strike="noStrike" cap="none" dirty="0">
+              <a:solidFill>
+                <a:schemeClr val="dk1"/>
+              </a:solidFill>
+              <a:latin typeface="Calibri"/>
+              <a:ea typeface="Calibri"/>
+              <a:cs typeface="Calibri"/>
+              <a:sym typeface="Calibri"/>
+            </a:endParaRPr>
+          </a:p>
+        </p:txBody>
+      </p:sp>
+      <p:sp>
+        <p:nvSpPr>
+          <p:cNvPr id="120" name="Google Shape;120;p3:notes"/>
+          <p:cNvSpPr txBox="1">
+            <a:spLocks noGrp="1"/>
+          </p:cNvSpPr>
+          <p:nvPr>
+            <p:ph type="sldNum" idx="12"/>
+          </p:nvPr>
+        </p:nvSpPr>
+        <p:spPr>
+          <a:xfrm>
+            <a:off x="3884613" y="8685213"/>
+            <a:ext cx="2971800" cy="458787"/>
+          </a:xfrm>
+          <a:prstGeom prst="rect">
+            <a:avLst/>
+          </a:prstGeom>
+          <a:noFill/>
+          <a:ln>
+            <a:noFill/>
+          </a:ln>
+        </p:spPr>
+        <p:txBody>
+          <a:bodyPr spcFirstLastPara="1" wrap="square" lIns="91425" tIns="45700" rIns="91425" bIns="45700" anchor="b" anchorCtr="0">
+            <a:noAutofit/>
+          </a:bodyPr>
+          <a:lstStyle/>
+          <a:p>
+            <a:pPr marL="0" marR="0" lvl="0" indent="0" algn="r" rtl="0">
+              <a:spcBef>
+                <a:spcPts val="0"/>
+              </a:spcBef>
+              <a:spcAft>
+                <a:spcPts val="0"/>
+              </a:spcAft>
+              <a:buNone/>
+            </a:pPr>
+            <a:fld id="{00000000-1234-1234-1234-123412341234}" type="slidenum">
+              <a:rPr lang="en-US" sz="1200" b="0" i="0" u="none" strike="noStrike" cap="none">
+                <a:solidFill>
+                  <a:schemeClr val="dk1"/>
+                </a:solidFill>
+                <a:latin typeface="Calibri"/>
+                <a:ea typeface="Calibri"/>
+                <a:cs typeface="Calibri"/>
+                <a:sym typeface="Calibri"/>
+              </a:rPr>
+              <a:t>9</a:t>
+            </a:fld>
+            <a:endParaRPr sz="1200" b="0" i="0" u="none" strike="noStrike" cap="none">
+              <a:solidFill>
+                <a:schemeClr val="dk1"/>
+              </a:solidFill>
+              <a:latin typeface="Calibri"/>
+              <a:ea typeface="Calibri"/>
+              <a:cs typeface="Calibri"/>
+              <a:sym typeface="Calibri"/>
+            </a:endParaRPr>
+          </a:p>
+        </p:txBody>
+      </p:sp>
+    </p:spTree>
+    <p:extLst>
+      <p:ext uri="{BB962C8B-B14F-4D97-AF65-F5344CB8AC3E}">
+        <p14:creationId xmlns:p14="http://schemas.microsoft.com/office/powerpoint/2010/main" val="2813182458"/>
+      </p:ext>
+    </p:extLst>
+  </p:cSld>
+  <p:clrMapOvr>
+    <a:masterClrMapping/>
+  </p:clrMapOvr>
+</p:notes>
+</file>
+
 <file path=ppt/slideLayouts/slideLayout1.xml><?xml version="1.0" encoding="utf-8"?>
 <p:sldLayout xmlns:a="http://schemas.openxmlformats.org/drawingml/2006/main" xmlns:r="http://schemas.openxmlformats.org/officeDocument/2006/relationships" xmlns:p="http://schemas.openxmlformats.org/presentationml/2006/main" matchingName="Title and Content" type="obj">
   <p:cSld name="OBJECT">
@@ -4144,1031 +4478,6 @@
 </file>
 
 <file path=ppt/slideLayouts/slideLayout10.xml><?xml version="1.0" encoding="utf-8"?>
-<p:sldLayout xmlns:a="http://schemas.openxmlformats.org/drawingml/2006/main" xmlns:r="http://schemas.openxmlformats.org/officeDocument/2006/relationships" xmlns:p="http://schemas.openxmlformats.org/presentationml/2006/main" matchingName="Title and Vertical Text" type="vertTx">
-  <p:cSld name="VERTICAL_TEXT">
-    <p:spTree>
-      <p:nvGrpSpPr>
-        <p:cNvPr id="1" name="Shape 84"/>
-        <p:cNvGrpSpPr/>
-        <p:nvPr/>
-      </p:nvGrpSpPr>
-      <p:grpSpPr>
-        <a:xfrm>
-          <a:off x="0" y="0"/>
-          <a:ext cx="0" cy="0"/>
-          <a:chOff x="0" y="0"/>
-          <a:chExt cx="0" cy="0"/>
-        </a:xfrm>
-      </p:grpSpPr>
-      <p:sp>
-        <p:nvSpPr>
-          <p:cNvPr id="85" name="Google Shape;85;p13"/>
-          <p:cNvSpPr txBox="1">
-            <a:spLocks noGrp="1"/>
-          </p:cNvSpPr>
-          <p:nvPr>
-            <p:ph type="title"/>
-          </p:nvPr>
-        </p:nvSpPr>
-        <p:spPr>
-          <a:xfrm>
-            <a:off x="838200" y="365125"/>
-            <a:ext cx="10515600" cy="1325700"/>
-          </a:xfrm>
-          <a:prstGeom prst="rect">
-            <a:avLst/>
-          </a:prstGeom>
-          <a:noFill/>
-          <a:ln>
-            <a:noFill/>
-          </a:ln>
-        </p:spPr>
-        <p:txBody>
-          <a:bodyPr spcFirstLastPara="1" wrap="square" lIns="91425" tIns="45700" rIns="91425" bIns="45700" anchor="ctr" anchorCtr="0"/>
-          <a:lstStyle>
-            <a:lvl1pPr marR="0" lvl="0" algn="l" rtl="0">
-              <a:lnSpc>
-                <a:spcPct val="90000"/>
-              </a:lnSpc>
-              <a:spcBef>
-                <a:spcPts val="0"/>
-              </a:spcBef>
-              <a:spcAft>
-                <a:spcPts val="0"/>
-              </a:spcAft>
-              <a:buClr>
-                <a:schemeClr val="dk1"/>
-              </a:buClr>
-              <a:buSzPts val="4400"/>
-              <a:buFont typeface="Calibri"/>
-              <a:buNone/>
-              <a:defRPr sz="4400" b="0" i="0" u="none" strike="noStrike" cap="none">
-                <a:solidFill>
-                  <a:schemeClr val="dk1"/>
-                </a:solidFill>
-                <a:latin typeface="Calibri"/>
-                <a:ea typeface="Calibri"/>
-                <a:cs typeface="Calibri"/>
-                <a:sym typeface="Calibri"/>
-              </a:defRPr>
-            </a:lvl1pPr>
-            <a:lvl2pPr lvl="1" rtl="0">
-              <a:spcBef>
-                <a:spcPts val="0"/>
-              </a:spcBef>
-              <a:spcAft>
-                <a:spcPts val="0"/>
-              </a:spcAft>
-              <a:buSzPts val="1400"/>
-              <a:buNone/>
-              <a:defRPr sz="1800"/>
-            </a:lvl2pPr>
-            <a:lvl3pPr lvl="2" rtl="0">
-              <a:spcBef>
-                <a:spcPts val="0"/>
-              </a:spcBef>
-              <a:spcAft>
-                <a:spcPts val="0"/>
-              </a:spcAft>
-              <a:buSzPts val="1400"/>
-              <a:buNone/>
-              <a:defRPr sz="1800"/>
-            </a:lvl3pPr>
-            <a:lvl4pPr lvl="3" rtl="0">
-              <a:spcBef>
-                <a:spcPts val="0"/>
-              </a:spcBef>
-              <a:spcAft>
-                <a:spcPts val="0"/>
-              </a:spcAft>
-              <a:buSzPts val="1400"/>
-              <a:buNone/>
-              <a:defRPr sz="1800"/>
-            </a:lvl4pPr>
-            <a:lvl5pPr lvl="4" rtl="0">
-              <a:spcBef>
-                <a:spcPts val="0"/>
-              </a:spcBef>
-              <a:spcAft>
-                <a:spcPts val="0"/>
-              </a:spcAft>
-              <a:buSzPts val="1400"/>
-              <a:buNone/>
-              <a:defRPr sz="1800"/>
-            </a:lvl5pPr>
-            <a:lvl6pPr lvl="5" rtl="0">
-              <a:spcBef>
-                <a:spcPts val="0"/>
-              </a:spcBef>
-              <a:spcAft>
-                <a:spcPts val="0"/>
-              </a:spcAft>
-              <a:buSzPts val="1400"/>
-              <a:buNone/>
-              <a:defRPr sz="1800"/>
-            </a:lvl6pPr>
-            <a:lvl7pPr lvl="6" rtl="0">
-              <a:spcBef>
-                <a:spcPts val="0"/>
-              </a:spcBef>
-              <a:spcAft>
-                <a:spcPts val="0"/>
-              </a:spcAft>
-              <a:buSzPts val="1400"/>
-              <a:buNone/>
-              <a:defRPr sz="1800"/>
-            </a:lvl7pPr>
-            <a:lvl8pPr lvl="7" rtl="0">
-              <a:spcBef>
-                <a:spcPts val="0"/>
-              </a:spcBef>
-              <a:spcAft>
-                <a:spcPts val="0"/>
-              </a:spcAft>
-              <a:buSzPts val="1400"/>
-              <a:buNone/>
-              <a:defRPr sz="1800"/>
-            </a:lvl8pPr>
-            <a:lvl9pPr lvl="8" rtl="0">
-              <a:spcBef>
-                <a:spcPts val="0"/>
-              </a:spcBef>
-              <a:spcAft>
-                <a:spcPts val="0"/>
-              </a:spcAft>
-              <a:buSzPts val="1400"/>
-              <a:buNone/>
-              <a:defRPr sz="1800"/>
-            </a:lvl9pPr>
-          </a:lstStyle>
-          <a:p>
-            <a:endParaRPr/>
-          </a:p>
-        </p:txBody>
-      </p:sp>
-      <p:sp>
-        <p:nvSpPr>
-          <p:cNvPr id="86" name="Google Shape;86;p13"/>
-          <p:cNvSpPr txBox="1">
-            <a:spLocks noGrp="1"/>
-          </p:cNvSpPr>
-          <p:nvPr>
-            <p:ph type="body" idx="1"/>
-          </p:nvPr>
-        </p:nvSpPr>
-        <p:spPr>
-          <a:xfrm rot="5400000">
-            <a:off x="3920400" y="-1256575"/>
-            <a:ext cx="4351200" cy="10515600"/>
-          </a:xfrm>
-          <a:prstGeom prst="rect">
-            <a:avLst/>
-          </a:prstGeom>
-          <a:noFill/>
-          <a:ln>
-            <a:noFill/>
-          </a:ln>
-        </p:spPr>
-        <p:txBody>
-          <a:bodyPr spcFirstLastPara="1" wrap="square" lIns="91425" tIns="45700" rIns="91425" bIns="45700" anchor="t" anchorCtr="0"/>
-          <a:lstStyle>
-            <a:lvl1pPr marL="457200" marR="0" lvl="0" indent="-406400" algn="l" rtl="0">
-              <a:lnSpc>
-                <a:spcPct val="90000"/>
-              </a:lnSpc>
-              <a:spcBef>
-                <a:spcPts val="1000"/>
-              </a:spcBef>
-              <a:spcAft>
-                <a:spcPts val="0"/>
-              </a:spcAft>
-              <a:buClr>
-                <a:schemeClr val="dk1"/>
-              </a:buClr>
-              <a:buSzPts val="2800"/>
-              <a:buFont typeface="Arial"/>
-              <a:buChar char="•"/>
-              <a:defRPr sz="2800" b="0" i="0" u="none" strike="noStrike" cap="none">
-                <a:solidFill>
-                  <a:schemeClr val="dk1"/>
-                </a:solidFill>
-                <a:latin typeface="Calibri"/>
-                <a:ea typeface="Calibri"/>
-                <a:cs typeface="Calibri"/>
-                <a:sym typeface="Calibri"/>
-              </a:defRPr>
-            </a:lvl1pPr>
-            <a:lvl2pPr marL="914400" marR="0" lvl="1" indent="-381000" algn="l" rtl="0">
-              <a:lnSpc>
-                <a:spcPct val="90000"/>
-              </a:lnSpc>
-              <a:spcBef>
-                <a:spcPts val="500"/>
-              </a:spcBef>
-              <a:spcAft>
-                <a:spcPts val="0"/>
-              </a:spcAft>
-              <a:buClr>
-                <a:schemeClr val="dk1"/>
-              </a:buClr>
-              <a:buSzPts val="2400"/>
-              <a:buFont typeface="Arial"/>
-              <a:buChar char="•"/>
-              <a:defRPr sz="2400" b="0" i="0" u="none" strike="noStrike" cap="none">
-                <a:solidFill>
-                  <a:schemeClr val="dk1"/>
-                </a:solidFill>
-                <a:latin typeface="Calibri"/>
-                <a:ea typeface="Calibri"/>
-                <a:cs typeface="Calibri"/>
-                <a:sym typeface="Calibri"/>
-              </a:defRPr>
-            </a:lvl2pPr>
-            <a:lvl3pPr marL="1371600" marR="0" lvl="2" indent="-355600" algn="l" rtl="0">
-              <a:lnSpc>
-                <a:spcPct val="90000"/>
-              </a:lnSpc>
-              <a:spcBef>
-                <a:spcPts val="500"/>
-              </a:spcBef>
-              <a:spcAft>
-                <a:spcPts val="0"/>
-              </a:spcAft>
-              <a:buClr>
-                <a:schemeClr val="dk1"/>
-              </a:buClr>
-              <a:buSzPts val="2000"/>
-              <a:buFont typeface="Arial"/>
-              <a:buChar char="•"/>
-              <a:defRPr sz="2000" b="0" i="0" u="none" strike="noStrike" cap="none">
-                <a:solidFill>
-                  <a:schemeClr val="dk1"/>
-                </a:solidFill>
-                <a:latin typeface="Calibri"/>
-                <a:ea typeface="Calibri"/>
-                <a:cs typeface="Calibri"/>
-                <a:sym typeface="Calibri"/>
-              </a:defRPr>
-            </a:lvl3pPr>
-            <a:lvl4pPr marL="1828800" marR="0" lvl="3" indent="-342900" algn="l" rtl="0">
-              <a:lnSpc>
-                <a:spcPct val="90000"/>
-              </a:lnSpc>
-              <a:spcBef>
-                <a:spcPts val="500"/>
-              </a:spcBef>
-              <a:spcAft>
-                <a:spcPts val="0"/>
-              </a:spcAft>
-              <a:buClr>
-                <a:schemeClr val="dk1"/>
-              </a:buClr>
-              <a:buSzPts val="1800"/>
-              <a:buFont typeface="Arial"/>
-              <a:buChar char="•"/>
-              <a:defRPr sz="1800" b="0" i="0" u="none" strike="noStrike" cap="none">
-                <a:solidFill>
-                  <a:schemeClr val="dk1"/>
-                </a:solidFill>
-                <a:latin typeface="Calibri"/>
-                <a:ea typeface="Calibri"/>
-                <a:cs typeface="Calibri"/>
-                <a:sym typeface="Calibri"/>
-              </a:defRPr>
-            </a:lvl4pPr>
-            <a:lvl5pPr marL="2286000" marR="0" lvl="4" indent="-342900" algn="l" rtl="0">
-              <a:lnSpc>
-                <a:spcPct val="90000"/>
-              </a:lnSpc>
-              <a:spcBef>
-                <a:spcPts val="500"/>
-              </a:spcBef>
-              <a:spcAft>
-                <a:spcPts val="0"/>
-              </a:spcAft>
-              <a:buClr>
-                <a:schemeClr val="dk1"/>
-              </a:buClr>
-              <a:buSzPts val="1800"/>
-              <a:buFont typeface="Arial"/>
-              <a:buChar char="•"/>
-              <a:defRPr sz="1800" b="0" i="0" u="none" strike="noStrike" cap="none">
-                <a:solidFill>
-                  <a:schemeClr val="dk1"/>
-                </a:solidFill>
-                <a:latin typeface="Calibri"/>
-                <a:ea typeface="Calibri"/>
-                <a:cs typeface="Calibri"/>
-                <a:sym typeface="Calibri"/>
-              </a:defRPr>
-            </a:lvl5pPr>
-            <a:lvl6pPr marL="2743200" marR="0" lvl="5" indent="-342900" algn="l" rtl="0">
-              <a:lnSpc>
-                <a:spcPct val="90000"/>
-              </a:lnSpc>
-              <a:spcBef>
-                <a:spcPts val="500"/>
-              </a:spcBef>
-              <a:spcAft>
-                <a:spcPts val="0"/>
-              </a:spcAft>
-              <a:buClr>
-                <a:schemeClr val="dk1"/>
-              </a:buClr>
-              <a:buSzPts val="1800"/>
-              <a:buFont typeface="Arial"/>
-              <a:buChar char="•"/>
-              <a:defRPr sz="1800" b="0" i="0" u="none" strike="noStrike" cap="none">
-                <a:solidFill>
-                  <a:schemeClr val="dk1"/>
-                </a:solidFill>
-                <a:latin typeface="Calibri"/>
-                <a:ea typeface="Calibri"/>
-                <a:cs typeface="Calibri"/>
-                <a:sym typeface="Calibri"/>
-              </a:defRPr>
-            </a:lvl6pPr>
-            <a:lvl7pPr marL="3200400" marR="0" lvl="6" indent="-342900" algn="l" rtl="0">
-              <a:lnSpc>
-                <a:spcPct val="90000"/>
-              </a:lnSpc>
-              <a:spcBef>
-                <a:spcPts val="500"/>
-              </a:spcBef>
-              <a:spcAft>
-                <a:spcPts val="0"/>
-              </a:spcAft>
-              <a:buClr>
-                <a:schemeClr val="dk1"/>
-              </a:buClr>
-              <a:buSzPts val="1800"/>
-              <a:buFont typeface="Arial"/>
-              <a:buChar char="•"/>
-              <a:defRPr sz="1800" b="0" i="0" u="none" strike="noStrike" cap="none">
-                <a:solidFill>
-                  <a:schemeClr val="dk1"/>
-                </a:solidFill>
-                <a:latin typeface="Calibri"/>
-                <a:ea typeface="Calibri"/>
-                <a:cs typeface="Calibri"/>
-                <a:sym typeface="Calibri"/>
-              </a:defRPr>
-            </a:lvl7pPr>
-            <a:lvl8pPr marL="3657600" marR="0" lvl="7" indent="-342900" algn="l" rtl="0">
-              <a:lnSpc>
-                <a:spcPct val="90000"/>
-              </a:lnSpc>
-              <a:spcBef>
-                <a:spcPts val="500"/>
-              </a:spcBef>
-              <a:spcAft>
-                <a:spcPts val="0"/>
-              </a:spcAft>
-              <a:buClr>
-                <a:schemeClr val="dk1"/>
-              </a:buClr>
-              <a:buSzPts val="1800"/>
-              <a:buFont typeface="Arial"/>
-              <a:buChar char="•"/>
-              <a:defRPr sz="1800" b="0" i="0" u="none" strike="noStrike" cap="none">
-                <a:solidFill>
-                  <a:schemeClr val="dk1"/>
-                </a:solidFill>
-                <a:latin typeface="Calibri"/>
-                <a:ea typeface="Calibri"/>
-                <a:cs typeface="Calibri"/>
-                <a:sym typeface="Calibri"/>
-              </a:defRPr>
-            </a:lvl8pPr>
-            <a:lvl9pPr marL="4114800" marR="0" lvl="8" indent="-342900" algn="l" rtl="0">
-              <a:lnSpc>
-                <a:spcPct val="90000"/>
-              </a:lnSpc>
-              <a:spcBef>
-                <a:spcPts val="500"/>
-              </a:spcBef>
-              <a:spcAft>
-                <a:spcPts val="0"/>
-              </a:spcAft>
-              <a:buClr>
-                <a:schemeClr val="dk1"/>
-              </a:buClr>
-              <a:buSzPts val="1800"/>
-              <a:buFont typeface="Arial"/>
-              <a:buChar char="•"/>
-              <a:defRPr sz="1800" b="0" i="0" u="none" strike="noStrike" cap="none">
-                <a:solidFill>
-                  <a:schemeClr val="dk1"/>
-                </a:solidFill>
-                <a:latin typeface="Calibri"/>
-                <a:ea typeface="Calibri"/>
-                <a:cs typeface="Calibri"/>
-                <a:sym typeface="Calibri"/>
-              </a:defRPr>
-            </a:lvl9pPr>
-          </a:lstStyle>
-          <a:p>
-            <a:endParaRPr/>
-          </a:p>
-        </p:txBody>
-      </p:sp>
-      <p:sp>
-        <p:nvSpPr>
-          <p:cNvPr id="87" name="Google Shape;87;p13"/>
-          <p:cNvSpPr txBox="1">
-            <a:spLocks noGrp="1"/>
-          </p:cNvSpPr>
-          <p:nvPr>
-            <p:ph type="dt" idx="10"/>
-          </p:nvPr>
-        </p:nvSpPr>
-        <p:spPr>
-          <a:xfrm>
-            <a:off x="838200" y="6356350"/>
-            <a:ext cx="2743200" cy="365100"/>
-          </a:xfrm>
-          <a:prstGeom prst="rect">
-            <a:avLst/>
-          </a:prstGeom>
-          <a:noFill/>
-          <a:ln>
-            <a:noFill/>
-          </a:ln>
-        </p:spPr>
-        <p:txBody>
-          <a:bodyPr spcFirstLastPara="1" wrap="square" lIns="91425" tIns="45700" rIns="91425" bIns="45700" anchor="ctr" anchorCtr="0"/>
-          <a:lstStyle>
-            <a:lvl1pPr marR="0" lvl="0" algn="l" rtl="0">
-              <a:spcBef>
-                <a:spcPts val="0"/>
-              </a:spcBef>
-              <a:spcAft>
-                <a:spcPts val="0"/>
-              </a:spcAft>
-              <a:buSzPts val="1400"/>
-              <a:buNone/>
-              <a:defRPr sz="1200" b="0" i="0" u="none" strike="noStrike" cap="none">
-                <a:solidFill>
-                  <a:srgbClr val="888888"/>
-                </a:solidFill>
-                <a:latin typeface="Calibri"/>
-                <a:ea typeface="Calibri"/>
-                <a:cs typeface="Calibri"/>
-                <a:sym typeface="Calibri"/>
-              </a:defRPr>
-            </a:lvl1pPr>
-            <a:lvl2pPr marR="0" lvl="1" algn="l" rtl="0">
-              <a:spcBef>
-                <a:spcPts val="0"/>
-              </a:spcBef>
-              <a:spcAft>
-                <a:spcPts val="0"/>
-              </a:spcAft>
-              <a:buSzPts val="1400"/>
-              <a:buNone/>
-              <a:defRPr sz="1800" b="0" i="0" u="none" strike="noStrike" cap="none">
-                <a:solidFill>
-                  <a:schemeClr val="dk1"/>
-                </a:solidFill>
-                <a:latin typeface="Calibri"/>
-                <a:ea typeface="Calibri"/>
-                <a:cs typeface="Calibri"/>
-                <a:sym typeface="Calibri"/>
-              </a:defRPr>
-            </a:lvl2pPr>
-            <a:lvl3pPr marR="0" lvl="2" algn="l" rtl="0">
-              <a:spcBef>
-                <a:spcPts val="0"/>
-              </a:spcBef>
-              <a:spcAft>
-                <a:spcPts val="0"/>
-              </a:spcAft>
-              <a:buSzPts val="1400"/>
-              <a:buNone/>
-              <a:defRPr sz="1800" b="0" i="0" u="none" strike="noStrike" cap="none">
-                <a:solidFill>
-                  <a:schemeClr val="dk1"/>
-                </a:solidFill>
-                <a:latin typeface="Calibri"/>
-                <a:ea typeface="Calibri"/>
-                <a:cs typeface="Calibri"/>
-                <a:sym typeface="Calibri"/>
-              </a:defRPr>
-            </a:lvl3pPr>
-            <a:lvl4pPr marR="0" lvl="3" algn="l" rtl="0">
-              <a:spcBef>
-                <a:spcPts val="0"/>
-              </a:spcBef>
-              <a:spcAft>
-                <a:spcPts val="0"/>
-              </a:spcAft>
-              <a:buSzPts val="1400"/>
-              <a:buNone/>
-              <a:defRPr sz="1800" b="0" i="0" u="none" strike="noStrike" cap="none">
-                <a:solidFill>
-                  <a:schemeClr val="dk1"/>
-                </a:solidFill>
-                <a:latin typeface="Calibri"/>
-                <a:ea typeface="Calibri"/>
-                <a:cs typeface="Calibri"/>
-                <a:sym typeface="Calibri"/>
-              </a:defRPr>
-            </a:lvl4pPr>
-            <a:lvl5pPr marR="0" lvl="4" algn="l" rtl="0">
-              <a:spcBef>
-                <a:spcPts val="0"/>
-              </a:spcBef>
-              <a:spcAft>
-                <a:spcPts val="0"/>
-              </a:spcAft>
-              <a:buSzPts val="1400"/>
-              <a:buNone/>
-              <a:defRPr sz="1800" b="0" i="0" u="none" strike="noStrike" cap="none">
-                <a:solidFill>
-                  <a:schemeClr val="dk1"/>
-                </a:solidFill>
-                <a:latin typeface="Calibri"/>
-                <a:ea typeface="Calibri"/>
-                <a:cs typeface="Calibri"/>
-                <a:sym typeface="Calibri"/>
-              </a:defRPr>
-            </a:lvl5pPr>
-            <a:lvl6pPr marR="0" lvl="5" algn="l" rtl="0">
-              <a:spcBef>
-                <a:spcPts val="0"/>
-              </a:spcBef>
-              <a:spcAft>
-                <a:spcPts val="0"/>
-              </a:spcAft>
-              <a:buSzPts val="1400"/>
-              <a:buNone/>
-              <a:defRPr sz="1800" b="0" i="0" u="none" strike="noStrike" cap="none">
-                <a:solidFill>
-                  <a:schemeClr val="dk1"/>
-                </a:solidFill>
-                <a:latin typeface="Calibri"/>
-                <a:ea typeface="Calibri"/>
-                <a:cs typeface="Calibri"/>
-                <a:sym typeface="Calibri"/>
-              </a:defRPr>
-            </a:lvl6pPr>
-            <a:lvl7pPr marR="0" lvl="6" algn="l" rtl="0">
-              <a:spcBef>
-                <a:spcPts val="0"/>
-              </a:spcBef>
-              <a:spcAft>
-                <a:spcPts val="0"/>
-              </a:spcAft>
-              <a:buSzPts val="1400"/>
-              <a:buNone/>
-              <a:defRPr sz="1800" b="0" i="0" u="none" strike="noStrike" cap="none">
-                <a:solidFill>
-                  <a:schemeClr val="dk1"/>
-                </a:solidFill>
-                <a:latin typeface="Calibri"/>
-                <a:ea typeface="Calibri"/>
-                <a:cs typeface="Calibri"/>
-                <a:sym typeface="Calibri"/>
-              </a:defRPr>
-            </a:lvl7pPr>
-            <a:lvl8pPr marR="0" lvl="7" algn="l" rtl="0">
-              <a:spcBef>
-                <a:spcPts val="0"/>
-              </a:spcBef>
-              <a:spcAft>
-                <a:spcPts val="0"/>
-              </a:spcAft>
-              <a:buSzPts val="1400"/>
-              <a:buNone/>
-              <a:defRPr sz="1800" b="0" i="0" u="none" strike="noStrike" cap="none">
-                <a:solidFill>
-                  <a:schemeClr val="dk1"/>
-                </a:solidFill>
-                <a:latin typeface="Calibri"/>
-                <a:ea typeface="Calibri"/>
-                <a:cs typeface="Calibri"/>
-                <a:sym typeface="Calibri"/>
-              </a:defRPr>
-            </a:lvl8pPr>
-            <a:lvl9pPr marR="0" lvl="8" algn="l" rtl="0">
-              <a:spcBef>
-                <a:spcPts val="0"/>
-              </a:spcBef>
-              <a:spcAft>
-                <a:spcPts val="0"/>
-              </a:spcAft>
-              <a:buSzPts val="1400"/>
-              <a:buNone/>
-              <a:defRPr sz="1800" b="0" i="0" u="none" strike="noStrike" cap="none">
-                <a:solidFill>
-                  <a:schemeClr val="dk1"/>
-                </a:solidFill>
-                <a:latin typeface="Calibri"/>
-                <a:ea typeface="Calibri"/>
-                <a:cs typeface="Calibri"/>
-                <a:sym typeface="Calibri"/>
-              </a:defRPr>
-            </a:lvl9pPr>
-          </a:lstStyle>
-          <a:p>
-            <a:endParaRPr/>
-          </a:p>
-        </p:txBody>
-      </p:sp>
-      <p:sp>
-        <p:nvSpPr>
-          <p:cNvPr id="88" name="Google Shape;88;p13"/>
-          <p:cNvSpPr txBox="1">
-            <a:spLocks noGrp="1"/>
-          </p:cNvSpPr>
-          <p:nvPr>
-            <p:ph type="ftr" idx="11"/>
-          </p:nvPr>
-        </p:nvSpPr>
-        <p:spPr>
-          <a:xfrm>
-            <a:off x="4038600" y="6356350"/>
-            <a:ext cx="4114800" cy="365100"/>
-          </a:xfrm>
-          <a:prstGeom prst="rect">
-            <a:avLst/>
-          </a:prstGeom>
-          <a:noFill/>
-          <a:ln>
-            <a:noFill/>
-          </a:ln>
-        </p:spPr>
-        <p:txBody>
-          <a:bodyPr spcFirstLastPara="1" wrap="square" lIns="91425" tIns="45700" rIns="91425" bIns="45700" anchor="ctr" anchorCtr="0"/>
-          <a:lstStyle>
-            <a:lvl1pPr marR="0" lvl="0" algn="ctr" rtl="0">
-              <a:spcBef>
-                <a:spcPts val="0"/>
-              </a:spcBef>
-              <a:spcAft>
-                <a:spcPts val="0"/>
-              </a:spcAft>
-              <a:buSzPts val="1400"/>
-              <a:buNone/>
-              <a:defRPr sz="1200" b="0" i="0" u="none" strike="noStrike" cap="none">
-                <a:solidFill>
-                  <a:srgbClr val="888888"/>
-                </a:solidFill>
-                <a:latin typeface="Calibri"/>
-                <a:ea typeface="Calibri"/>
-                <a:cs typeface="Calibri"/>
-                <a:sym typeface="Calibri"/>
-              </a:defRPr>
-            </a:lvl1pPr>
-            <a:lvl2pPr marR="0" lvl="1" algn="l" rtl="0">
-              <a:spcBef>
-                <a:spcPts val="0"/>
-              </a:spcBef>
-              <a:spcAft>
-                <a:spcPts val="0"/>
-              </a:spcAft>
-              <a:buSzPts val="1400"/>
-              <a:buNone/>
-              <a:defRPr sz="1800" b="0" i="0" u="none" strike="noStrike" cap="none">
-                <a:solidFill>
-                  <a:schemeClr val="dk1"/>
-                </a:solidFill>
-                <a:latin typeface="Calibri"/>
-                <a:ea typeface="Calibri"/>
-                <a:cs typeface="Calibri"/>
-                <a:sym typeface="Calibri"/>
-              </a:defRPr>
-            </a:lvl2pPr>
-            <a:lvl3pPr marR="0" lvl="2" algn="l" rtl="0">
-              <a:spcBef>
-                <a:spcPts val="0"/>
-              </a:spcBef>
-              <a:spcAft>
-                <a:spcPts val="0"/>
-              </a:spcAft>
-              <a:buSzPts val="1400"/>
-              <a:buNone/>
-              <a:defRPr sz="1800" b="0" i="0" u="none" strike="noStrike" cap="none">
-                <a:solidFill>
-                  <a:schemeClr val="dk1"/>
-                </a:solidFill>
-                <a:latin typeface="Calibri"/>
-                <a:ea typeface="Calibri"/>
-                <a:cs typeface="Calibri"/>
-                <a:sym typeface="Calibri"/>
-              </a:defRPr>
-            </a:lvl3pPr>
-            <a:lvl4pPr marR="0" lvl="3" algn="l" rtl="0">
-              <a:spcBef>
-                <a:spcPts val="0"/>
-              </a:spcBef>
-              <a:spcAft>
-                <a:spcPts val="0"/>
-              </a:spcAft>
-              <a:buSzPts val="1400"/>
-              <a:buNone/>
-              <a:defRPr sz="1800" b="0" i="0" u="none" strike="noStrike" cap="none">
-                <a:solidFill>
-                  <a:schemeClr val="dk1"/>
-                </a:solidFill>
-                <a:latin typeface="Calibri"/>
-                <a:ea typeface="Calibri"/>
-                <a:cs typeface="Calibri"/>
-                <a:sym typeface="Calibri"/>
-              </a:defRPr>
-            </a:lvl4pPr>
-            <a:lvl5pPr marR="0" lvl="4" algn="l" rtl="0">
-              <a:spcBef>
-                <a:spcPts val="0"/>
-              </a:spcBef>
-              <a:spcAft>
-                <a:spcPts val="0"/>
-              </a:spcAft>
-              <a:buSzPts val="1400"/>
-              <a:buNone/>
-              <a:defRPr sz="1800" b="0" i="0" u="none" strike="noStrike" cap="none">
-                <a:solidFill>
-                  <a:schemeClr val="dk1"/>
-                </a:solidFill>
-                <a:latin typeface="Calibri"/>
-                <a:ea typeface="Calibri"/>
-                <a:cs typeface="Calibri"/>
-                <a:sym typeface="Calibri"/>
-              </a:defRPr>
-            </a:lvl5pPr>
-            <a:lvl6pPr marR="0" lvl="5" algn="l" rtl="0">
-              <a:spcBef>
-                <a:spcPts val="0"/>
-              </a:spcBef>
-              <a:spcAft>
-                <a:spcPts val="0"/>
-              </a:spcAft>
-              <a:buSzPts val="1400"/>
-              <a:buNone/>
-              <a:defRPr sz="1800" b="0" i="0" u="none" strike="noStrike" cap="none">
-                <a:solidFill>
-                  <a:schemeClr val="dk1"/>
-                </a:solidFill>
-                <a:latin typeface="Calibri"/>
-                <a:ea typeface="Calibri"/>
-                <a:cs typeface="Calibri"/>
-                <a:sym typeface="Calibri"/>
-              </a:defRPr>
-            </a:lvl6pPr>
-            <a:lvl7pPr marR="0" lvl="6" algn="l" rtl="0">
-              <a:spcBef>
-                <a:spcPts val="0"/>
-              </a:spcBef>
-              <a:spcAft>
-                <a:spcPts val="0"/>
-              </a:spcAft>
-              <a:buSzPts val="1400"/>
-              <a:buNone/>
-              <a:defRPr sz="1800" b="0" i="0" u="none" strike="noStrike" cap="none">
-                <a:solidFill>
-                  <a:schemeClr val="dk1"/>
-                </a:solidFill>
-                <a:latin typeface="Calibri"/>
-                <a:ea typeface="Calibri"/>
-                <a:cs typeface="Calibri"/>
-                <a:sym typeface="Calibri"/>
-              </a:defRPr>
-            </a:lvl7pPr>
-            <a:lvl8pPr marR="0" lvl="7" algn="l" rtl="0">
-              <a:spcBef>
-                <a:spcPts val="0"/>
-              </a:spcBef>
-              <a:spcAft>
-                <a:spcPts val="0"/>
-              </a:spcAft>
-              <a:buSzPts val="1400"/>
-              <a:buNone/>
-              <a:defRPr sz="1800" b="0" i="0" u="none" strike="noStrike" cap="none">
-                <a:solidFill>
-                  <a:schemeClr val="dk1"/>
-                </a:solidFill>
-                <a:latin typeface="Calibri"/>
-                <a:ea typeface="Calibri"/>
-                <a:cs typeface="Calibri"/>
-                <a:sym typeface="Calibri"/>
-              </a:defRPr>
-            </a:lvl8pPr>
-            <a:lvl9pPr marR="0" lvl="8" algn="l" rtl="0">
-              <a:spcBef>
-                <a:spcPts val="0"/>
-              </a:spcBef>
-              <a:spcAft>
-                <a:spcPts val="0"/>
-              </a:spcAft>
-              <a:buSzPts val="1400"/>
-              <a:buNone/>
-              <a:defRPr sz="1800" b="0" i="0" u="none" strike="noStrike" cap="none">
-                <a:solidFill>
-                  <a:schemeClr val="dk1"/>
-                </a:solidFill>
-                <a:latin typeface="Calibri"/>
-                <a:ea typeface="Calibri"/>
-                <a:cs typeface="Calibri"/>
-                <a:sym typeface="Calibri"/>
-              </a:defRPr>
-            </a:lvl9pPr>
-          </a:lstStyle>
-          <a:p>
-            <a:endParaRPr/>
-          </a:p>
-        </p:txBody>
-      </p:sp>
-      <p:sp>
-        <p:nvSpPr>
-          <p:cNvPr id="89" name="Google Shape;89;p13"/>
-          <p:cNvSpPr txBox="1">
-            <a:spLocks noGrp="1"/>
-          </p:cNvSpPr>
-          <p:nvPr>
-            <p:ph type="sldNum" idx="12"/>
-          </p:nvPr>
-        </p:nvSpPr>
-        <p:spPr>
-          <a:xfrm>
-            <a:off x="8610600" y="6356350"/>
-            <a:ext cx="2743200" cy="365100"/>
-          </a:xfrm>
-          <a:prstGeom prst="rect">
-            <a:avLst/>
-          </a:prstGeom>
-          <a:noFill/>
-          <a:ln>
-            <a:noFill/>
-          </a:ln>
-        </p:spPr>
-        <p:txBody>
-          <a:bodyPr spcFirstLastPara="1" wrap="square" lIns="91425" tIns="45700" rIns="91425" bIns="45700" anchor="ctr" anchorCtr="0">
-            <a:noAutofit/>
-          </a:bodyPr>
-          <a:lstStyle>
-            <a:lvl1pPr marL="0" marR="0" lvl="0" indent="0" algn="r" rtl="0">
-              <a:spcBef>
-                <a:spcPts val="0"/>
-              </a:spcBef>
-              <a:buNone/>
-              <a:defRPr sz="1200" b="0" i="0" u="none" strike="noStrike" cap="none">
-                <a:solidFill>
-                  <a:srgbClr val="888888"/>
-                </a:solidFill>
-                <a:latin typeface="Calibri"/>
-                <a:ea typeface="Calibri"/>
-                <a:cs typeface="Calibri"/>
-                <a:sym typeface="Calibri"/>
-              </a:defRPr>
-            </a:lvl1pPr>
-            <a:lvl2pPr marL="0" marR="0" lvl="1" indent="0" algn="r" rtl="0">
-              <a:spcBef>
-                <a:spcPts val="0"/>
-              </a:spcBef>
-              <a:buNone/>
-              <a:defRPr sz="1200" b="0" i="0" u="none" strike="noStrike" cap="none">
-                <a:solidFill>
-                  <a:srgbClr val="888888"/>
-                </a:solidFill>
-                <a:latin typeface="Calibri"/>
-                <a:ea typeface="Calibri"/>
-                <a:cs typeface="Calibri"/>
-                <a:sym typeface="Calibri"/>
-              </a:defRPr>
-            </a:lvl2pPr>
-            <a:lvl3pPr marL="0" marR="0" lvl="2" indent="0" algn="r" rtl="0">
-              <a:spcBef>
-                <a:spcPts val="0"/>
-              </a:spcBef>
-              <a:buNone/>
-              <a:defRPr sz="1200" b="0" i="0" u="none" strike="noStrike" cap="none">
-                <a:solidFill>
-                  <a:srgbClr val="888888"/>
-                </a:solidFill>
-                <a:latin typeface="Calibri"/>
-                <a:ea typeface="Calibri"/>
-                <a:cs typeface="Calibri"/>
-                <a:sym typeface="Calibri"/>
-              </a:defRPr>
-            </a:lvl3pPr>
-            <a:lvl4pPr marL="0" marR="0" lvl="3" indent="0" algn="r" rtl="0">
-              <a:spcBef>
-                <a:spcPts val="0"/>
-              </a:spcBef>
-              <a:buNone/>
-              <a:defRPr sz="1200" b="0" i="0" u="none" strike="noStrike" cap="none">
-                <a:solidFill>
-                  <a:srgbClr val="888888"/>
-                </a:solidFill>
-                <a:latin typeface="Calibri"/>
-                <a:ea typeface="Calibri"/>
-                <a:cs typeface="Calibri"/>
-                <a:sym typeface="Calibri"/>
-              </a:defRPr>
-            </a:lvl4pPr>
-            <a:lvl5pPr marL="0" marR="0" lvl="4" indent="0" algn="r" rtl="0">
-              <a:spcBef>
-                <a:spcPts val="0"/>
-              </a:spcBef>
-              <a:buNone/>
-              <a:defRPr sz="1200" b="0" i="0" u="none" strike="noStrike" cap="none">
-                <a:solidFill>
-                  <a:srgbClr val="888888"/>
-                </a:solidFill>
-                <a:latin typeface="Calibri"/>
-                <a:ea typeface="Calibri"/>
-                <a:cs typeface="Calibri"/>
-                <a:sym typeface="Calibri"/>
-              </a:defRPr>
-            </a:lvl5pPr>
-            <a:lvl6pPr marL="0" marR="0" lvl="5" indent="0" algn="r" rtl="0">
-              <a:spcBef>
-                <a:spcPts val="0"/>
-              </a:spcBef>
-              <a:buNone/>
-              <a:defRPr sz="1200" b="0" i="0" u="none" strike="noStrike" cap="none">
-                <a:solidFill>
-                  <a:srgbClr val="888888"/>
-                </a:solidFill>
-                <a:latin typeface="Calibri"/>
-                <a:ea typeface="Calibri"/>
-                <a:cs typeface="Calibri"/>
-                <a:sym typeface="Calibri"/>
-              </a:defRPr>
-            </a:lvl6pPr>
-            <a:lvl7pPr marL="0" marR="0" lvl="6" indent="0" algn="r" rtl="0">
-              <a:spcBef>
-                <a:spcPts val="0"/>
-              </a:spcBef>
-              <a:buNone/>
-              <a:defRPr sz="1200" b="0" i="0" u="none" strike="noStrike" cap="none">
-                <a:solidFill>
-                  <a:srgbClr val="888888"/>
-                </a:solidFill>
-                <a:latin typeface="Calibri"/>
-                <a:ea typeface="Calibri"/>
-                <a:cs typeface="Calibri"/>
-                <a:sym typeface="Calibri"/>
-              </a:defRPr>
-            </a:lvl7pPr>
-            <a:lvl8pPr marL="0" marR="0" lvl="7" indent="0" algn="r" rtl="0">
-              <a:spcBef>
-                <a:spcPts val="0"/>
-              </a:spcBef>
-              <a:buNone/>
-              <a:defRPr sz="1200" b="0" i="0" u="none" strike="noStrike" cap="none">
-                <a:solidFill>
-                  <a:srgbClr val="888888"/>
-                </a:solidFill>
-                <a:latin typeface="Calibri"/>
-                <a:ea typeface="Calibri"/>
-                <a:cs typeface="Calibri"/>
-                <a:sym typeface="Calibri"/>
-              </a:defRPr>
-            </a:lvl8pPr>
-            <a:lvl9pPr marL="0" marR="0" lvl="8" indent="0" algn="r" rtl="0">
-              <a:spcBef>
-                <a:spcPts val="0"/>
-              </a:spcBef>
-              <a:buNone/>
-              <a:defRPr sz="1200" b="0" i="0" u="none" strike="noStrike" cap="none">
-                <a:solidFill>
-                  <a:srgbClr val="888888"/>
-                </a:solidFill>
-                <a:latin typeface="Calibri"/>
-                <a:ea typeface="Calibri"/>
-                <a:cs typeface="Calibri"/>
-                <a:sym typeface="Calibri"/>
-              </a:defRPr>
-            </a:lvl9pPr>
-          </a:lstStyle>
-          <a:p>
-            <a:pPr marL="0" lvl="0" indent="0">
-              <a:spcBef>
-                <a:spcPts val="0"/>
-              </a:spcBef>
-              <a:spcAft>
-                <a:spcPts val="0"/>
-              </a:spcAft>
-              <a:buNone/>
-            </a:pPr>
-            <a:fld id="{00000000-1234-1234-1234-123412341234}" type="slidenum">
-              <a:rPr lang="en-US"/>
-              <a:t>‹#›</a:t>
-            </a:fld>
-            <a:endParaRPr/>
-          </a:p>
-        </p:txBody>
-      </p:sp>
-    </p:spTree>
-  </p:cSld>
-  <p:clrMapOvr>
-    <a:masterClrMapping/>
-  </p:clrMapOvr>
-</p:sldLayout>
-</file>
-
-<file path=ppt/slideLayouts/slideLayout11.xml><?xml version="1.0" encoding="utf-8"?>
 <p:sldLayout xmlns:a="http://schemas.openxmlformats.org/drawingml/2006/main" xmlns:r="http://schemas.openxmlformats.org/officeDocument/2006/relationships" xmlns:p="http://schemas.openxmlformats.org/presentationml/2006/main" matchingName="Vertical Title and Text" type="vertTitleAndTx">
   <p:cSld name="VERTICAL_TITLE_AND_VERTICAL_TEXT">
     <p:spTree>
@@ -7219,1031 +6528,6 @@
 </file>
 
 <file path=ppt/slideLayouts/slideLayout3.xml><?xml version="1.0" encoding="utf-8"?>
-<p:sldLayout xmlns:a="http://schemas.openxmlformats.org/drawingml/2006/main" xmlns:r="http://schemas.openxmlformats.org/officeDocument/2006/relationships" xmlns:p="http://schemas.openxmlformats.org/presentationml/2006/main" matchingName="Section Header" type="secHead">
-  <p:cSld name="SECTION_HEADER">
-    <p:spTree>
-      <p:nvGrpSpPr>
-        <p:cNvPr id="1" name="Shape 39"/>
-        <p:cNvGrpSpPr/>
-        <p:nvPr/>
-      </p:nvGrpSpPr>
-      <p:grpSpPr>
-        <a:xfrm>
-          <a:off x="0" y="0"/>
-          <a:ext cx="0" cy="0"/>
-          <a:chOff x="0" y="0"/>
-          <a:chExt cx="0" cy="0"/>
-        </a:xfrm>
-      </p:grpSpPr>
-      <p:sp>
-        <p:nvSpPr>
-          <p:cNvPr id="40" name="Google Shape;40;p6"/>
-          <p:cNvSpPr txBox="1">
-            <a:spLocks noGrp="1"/>
-          </p:cNvSpPr>
-          <p:nvPr>
-            <p:ph type="title"/>
-          </p:nvPr>
-        </p:nvSpPr>
-        <p:spPr>
-          <a:xfrm>
-            <a:off x="831850" y="1709738"/>
-            <a:ext cx="10515600" cy="2852700"/>
-          </a:xfrm>
-          <a:prstGeom prst="rect">
-            <a:avLst/>
-          </a:prstGeom>
-          <a:noFill/>
-          <a:ln>
-            <a:noFill/>
-          </a:ln>
-        </p:spPr>
-        <p:txBody>
-          <a:bodyPr spcFirstLastPara="1" wrap="square" lIns="91425" tIns="45700" rIns="91425" bIns="45700" anchor="b" anchorCtr="0"/>
-          <a:lstStyle>
-            <a:lvl1pPr marR="0" lvl="0" algn="l" rtl="0">
-              <a:lnSpc>
-                <a:spcPct val="90000"/>
-              </a:lnSpc>
-              <a:spcBef>
-                <a:spcPts val="0"/>
-              </a:spcBef>
-              <a:spcAft>
-                <a:spcPts val="0"/>
-              </a:spcAft>
-              <a:buClr>
-                <a:schemeClr val="dk1"/>
-              </a:buClr>
-              <a:buSzPts val="6000"/>
-              <a:buFont typeface="Calibri"/>
-              <a:buNone/>
-              <a:defRPr sz="6000" b="0" i="0" u="none" strike="noStrike" cap="none">
-                <a:solidFill>
-                  <a:schemeClr val="dk1"/>
-                </a:solidFill>
-                <a:latin typeface="Calibri"/>
-                <a:ea typeface="Calibri"/>
-                <a:cs typeface="Calibri"/>
-                <a:sym typeface="Calibri"/>
-              </a:defRPr>
-            </a:lvl1pPr>
-            <a:lvl2pPr lvl="1" rtl="0">
-              <a:spcBef>
-                <a:spcPts val="0"/>
-              </a:spcBef>
-              <a:spcAft>
-                <a:spcPts val="0"/>
-              </a:spcAft>
-              <a:buSzPts val="1400"/>
-              <a:buNone/>
-              <a:defRPr sz="1800"/>
-            </a:lvl2pPr>
-            <a:lvl3pPr lvl="2" rtl="0">
-              <a:spcBef>
-                <a:spcPts val="0"/>
-              </a:spcBef>
-              <a:spcAft>
-                <a:spcPts val="0"/>
-              </a:spcAft>
-              <a:buSzPts val="1400"/>
-              <a:buNone/>
-              <a:defRPr sz="1800"/>
-            </a:lvl3pPr>
-            <a:lvl4pPr lvl="3" rtl="0">
-              <a:spcBef>
-                <a:spcPts val="0"/>
-              </a:spcBef>
-              <a:spcAft>
-                <a:spcPts val="0"/>
-              </a:spcAft>
-              <a:buSzPts val="1400"/>
-              <a:buNone/>
-              <a:defRPr sz="1800"/>
-            </a:lvl4pPr>
-            <a:lvl5pPr lvl="4" rtl="0">
-              <a:spcBef>
-                <a:spcPts val="0"/>
-              </a:spcBef>
-              <a:spcAft>
-                <a:spcPts val="0"/>
-              </a:spcAft>
-              <a:buSzPts val="1400"/>
-              <a:buNone/>
-              <a:defRPr sz="1800"/>
-            </a:lvl5pPr>
-            <a:lvl6pPr lvl="5" rtl="0">
-              <a:spcBef>
-                <a:spcPts val="0"/>
-              </a:spcBef>
-              <a:spcAft>
-                <a:spcPts val="0"/>
-              </a:spcAft>
-              <a:buSzPts val="1400"/>
-              <a:buNone/>
-              <a:defRPr sz="1800"/>
-            </a:lvl6pPr>
-            <a:lvl7pPr lvl="6" rtl="0">
-              <a:spcBef>
-                <a:spcPts val="0"/>
-              </a:spcBef>
-              <a:spcAft>
-                <a:spcPts val="0"/>
-              </a:spcAft>
-              <a:buSzPts val="1400"/>
-              <a:buNone/>
-              <a:defRPr sz="1800"/>
-            </a:lvl7pPr>
-            <a:lvl8pPr lvl="7" rtl="0">
-              <a:spcBef>
-                <a:spcPts val="0"/>
-              </a:spcBef>
-              <a:spcAft>
-                <a:spcPts val="0"/>
-              </a:spcAft>
-              <a:buSzPts val="1400"/>
-              <a:buNone/>
-              <a:defRPr sz="1800"/>
-            </a:lvl8pPr>
-            <a:lvl9pPr lvl="8" rtl="0">
-              <a:spcBef>
-                <a:spcPts val="0"/>
-              </a:spcBef>
-              <a:spcAft>
-                <a:spcPts val="0"/>
-              </a:spcAft>
-              <a:buSzPts val="1400"/>
-              <a:buNone/>
-              <a:defRPr sz="1800"/>
-            </a:lvl9pPr>
-          </a:lstStyle>
-          <a:p>
-            <a:endParaRPr/>
-          </a:p>
-        </p:txBody>
-      </p:sp>
-      <p:sp>
-        <p:nvSpPr>
-          <p:cNvPr id="41" name="Google Shape;41;p6"/>
-          <p:cNvSpPr txBox="1">
-            <a:spLocks noGrp="1"/>
-          </p:cNvSpPr>
-          <p:nvPr>
-            <p:ph type="body" idx="1"/>
-          </p:nvPr>
-        </p:nvSpPr>
-        <p:spPr>
-          <a:xfrm>
-            <a:off x="831850" y="4589463"/>
-            <a:ext cx="10515600" cy="1500300"/>
-          </a:xfrm>
-          <a:prstGeom prst="rect">
-            <a:avLst/>
-          </a:prstGeom>
-          <a:noFill/>
-          <a:ln>
-            <a:noFill/>
-          </a:ln>
-        </p:spPr>
-        <p:txBody>
-          <a:bodyPr spcFirstLastPara="1" wrap="square" lIns="91425" tIns="45700" rIns="91425" bIns="45700" anchor="t" anchorCtr="0"/>
-          <a:lstStyle>
-            <a:lvl1pPr marL="457200" marR="0" lvl="0" indent="-228600" algn="l" rtl="0">
-              <a:lnSpc>
-                <a:spcPct val="90000"/>
-              </a:lnSpc>
-              <a:spcBef>
-                <a:spcPts val="1000"/>
-              </a:spcBef>
-              <a:spcAft>
-                <a:spcPts val="0"/>
-              </a:spcAft>
-              <a:buClr>
-                <a:srgbClr val="888888"/>
-              </a:buClr>
-              <a:buSzPts val="2400"/>
-              <a:buFont typeface="Arial"/>
-              <a:buNone/>
-              <a:defRPr sz="2400" b="0" i="0" u="none" strike="noStrike" cap="none">
-                <a:solidFill>
-                  <a:srgbClr val="888888"/>
-                </a:solidFill>
-                <a:latin typeface="Calibri"/>
-                <a:ea typeface="Calibri"/>
-                <a:cs typeface="Calibri"/>
-                <a:sym typeface="Calibri"/>
-              </a:defRPr>
-            </a:lvl1pPr>
-            <a:lvl2pPr marL="914400" marR="0" lvl="1" indent="-228600" algn="l" rtl="0">
-              <a:lnSpc>
-                <a:spcPct val="90000"/>
-              </a:lnSpc>
-              <a:spcBef>
-                <a:spcPts val="500"/>
-              </a:spcBef>
-              <a:spcAft>
-                <a:spcPts val="0"/>
-              </a:spcAft>
-              <a:buClr>
-                <a:srgbClr val="888888"/>
-              </a:buClr>
-              <a:buSzPts val="2000"/>
-              <a:buFont typeface="Arial"/>
-              <a:buNone/>
-              <a:defRPr sz="2000" b="0" i="0" u="none" strike="noStrike" cap="none">
-                <a:solidFill>
-                  <a:srgbClr val="888888"/>
-                </a:solidFill>
-                <a:latin typeface="Calibri"/>
-                <a:ea typeface="Calibri"/>
-                <a:cs typeface="Calibri"/>
-                <a:sym typeface="Calibri"/>
-              </a:defRPr>
-            </a:lvl2pPr>
-            <a:lvl3pPr marL="1371600" marR="0" lvl="2" indent="-228600" algn="l" rtl="0">
-              <a:lnSpc>
-                <a:spcPct val="90000"/>
-              </a:lnSpc>
-              <a:spcBef>
-                <a:spcPts val="500"/>
-              </a:spcBef>
-              <a:spcAft>
-                <a:spcPts val="0"/>
-              </a:spcAft>
-              <a:buClr>
-                <a:srgbClr val="888888"/>
-              </a:buClr>
-              <a:buSzPts val="1800"/>
-              <a:buFont typeface="Arial"/>
-              <a:buNone/>
-              <a:defRPr sz="1800" b="0" i="0" u="none" strike="noStrike" cap="none">
-                <a:solidFill>
-                  <a:srgbClr val="888888"/>
-                </a:solidFill>
-                <a:latin typeface="Calibri"/>
-                <a:ea typeface="Calibri"/>
-                <a:cs typeface="Calibri"/>
-                <a:sym typeface="Calibri"/>
-              </a:defRPr>
-            </a:lvl3pPr>
-            <a:lvl4pPr marL="1828800" marR="0" lvl="3" indent="-228600" algn="l" rtl="0">
-              <a:lnSpc>
-                <a:spcPct val="90000"/>
-              </a:lnSpc>
-              <a:spcBef>
-                <a:spcPts val="500"/>
-              </a:spcBef>
-              <a:spcAft>
-                <a:spcPts val="0"/>
-              </a:spcAft>
-              <a:buClr>
-                <a:srgbClr val="888888"/>
-              </a:buClr>
-              <a:buSzPts val="1600"/>
-              <a:buFont typeface="Arial"/>
-              <a:buNone/>
-              <a:defRPr sz="1600" b="0" i="0" u="none" strike="noStrike" cap="none">
-                <a:solidFill>
-                  <a:srgbClr val="888888"/>
-                </a:solidFill>
-                <a:latin typeface="Calibri"/>
-                <a:ea typeface="Calibri"/>
-                <a:cs typeface="Calibri"/>
-                <a:sym typeface="Calibri"/>
-              </a:defRPr>
-            </a:lvl4pPr>
-            <a:lvl5pPr marL="2286000" marR="0" lvl="4" indent="-228600" algn="l" rtl="0">
-              <a:lnSpc>
-                <a:spcPct val="90000"/>
-              </a:lnSpc>
-              <a:spcBef>
-                <a:spcPts val="500"/>
-              </a:spcBef>
-              <a:spcAft>
-                <a:spcPts val="0"/>
-              </a:spcAft>
-              <a:buClr>
-                <a:srgbClr val="888888"/>
-              </a:buClr>
-              <a:buSzPts val="1600"/>
-              <a:buFont typeface="Arial"/>
-              <a:buNone/>
-              <a:defRPr sz="1600" b="0" i="0" u="none" strike="noStrike" cap="none">
-                <a:solidFill>
-                  <a:srgbClr val="888888"/>
-                </a:solidFill>
-                <a:latin typeface="Calibri"/>
-                <a:ea typeface="Calibri"/>
-                <a:cs typeface="Calibri"/>
-                <a:sym typeface="Calibri"/>
-              </a:defRPr>
-            </a:lvl5pPr>
-            <a:lvl6pPr marL="2743200" marR="0" lvl="5" indent="-228600" algn="l" rtl="0">
-              <a:lnSpc>
-                <a:spcPct val="90000"/>
-              </a:lnSpc>
-              <a:spcBef>
-                <a:spcPts val="500"/>
-              </a:spcBef>
-              <a:spcAft>
-                <a:spcPts val="0"/>
-              </a:spcAft>
-              <a:buClr>
-                <a:srgbClr val="888888"/>
-              </a:buClr>
-              <a:buSzPts val="1600"/>
-              <a:buFont typeface="Arial"/>
-              <a:buNone/>
-              <a:defRPr sz="1600" b="0" i="0" u="none" strike="noStrike" cap="none">
-                <a:solidFill>
-                  <a:srgbClr val="888888"/>
-                </a:solidFill>
-                <a:latin typeface="Calibri"/>
-                <a:ea typeface="Calibri"/>
-                <a:cs typeface="Calibri"/>
-                <a:sym typeface="Calibri"/>
-              </a:defRPr>
-            </a:lvl6pPr>
-            <a:lvl7pPr marL="3200400" marR="0" lvl="6" indent="-228600" algn="l" rtl="0">
-              <a:lnSpc>
-                <a:spcPct val="90000"/>
-              </a:lnSpc>
-              <a:spcBef>
-                <a:spcPts val="500"/>
-              </a:spcBef>
-              <a:spcAft>
-                <a:spcPts val="0"/>
-              </a:spcAft>
-              <a:buClr>
-                <a:srgbClr val="888888"/>
-              </a:buClr>
-              <a:buSzPts val="1600"/>
-              <a:buFont typeface="Arial"/>
-              <a:buNone/>
-              <a:defRPr sz="1600" b="0" i="0" u="none" strike="noStrike" cap="none">
-                <a:solidFill>
-                  <a:srgbClr val="888888"/>
-                </a:solidFill>
-                <a:latin typeface="Calibri"/>
-                <a:ea typeface="Calibri"/>
-                <a:cs typeface="Calibri"/>
-                <a:sym typeface="Calibri"/>
-              </a:defRPr>
-            </a:lvl7pPr>
-            <a:lvl8pPr marL="3657600" marR="0" lvl="7" indent="-228600" algn="l" rtl="0">
-              <a:lnSpc>
-                <a:spcPct val="90000"/>
-              </a:lnSpc>
-              <a:spcBef>
-                <a:spcPts val="500"/>
-              </a:spcBef>
-              <a:spcAft>
-                <a:spcPts val="0"/>
-              </a:spcAft>
-              <a:buClr>
-                <a:srgbClr val="888888"/>
-              </a:buClr>
-              <a:buSzPts val="1600"/>
-              <a:buFont typeface="Arial"/>
-              <a:buNone/>
-              <a:defRPr sz="1600" b="0" i="0" u="none" strike="noStrike" cap="none">
-                <a:solidFill>
-                  <a:srgbClr val="888888"/>
-                </a:solidFill>
-                <a:latin typeface="Calibri"/>
-                <a:ea typeface="Calibri"/>
-                <a:cs typeface="Calibri"/>
-                <a:sym typeface="Calibri"/>
-              </a:defRPr>
-            </a:lvl8pPr>
-            <a:lvl9pPr marL="4114800" marR="0" lvl="8" indent="-228600" algn="l" rtl="0">
-              <a:lnSpc>
-                <a:spcPct val="90000"/>
-              </a:lnSpc>
-              <a:spcBef>
-                <a:spcPts val="500"/>
-              </a:spcBef>
-              <a:spcAft>
-                <a:spcPts val="0"/>
-              </a:spcAft>
-              <a:buClr>
-                <a:srgbClr val="888888"/>
-              </a:buClr>
-              <a:buSzPts val="1600"/>
-              <a:buFont typeface="Arial"/>
-              <a:buNone/>
-              <a:defRPr sz="1600" b="0" i="0" u="none" strike="noStrike" cap="none">
-                <a:solidFill>
-                  <a:srgbClr val="888888"/>
-                </a:solidFill>
-                <a:latin typeface="Calibri"/>
-                <a:ea typeface="Calibri"/>
-                <a:cs typeface="Calibri"/>
-                <a:sym typeface="Calibri"/>
-              </a:defRPr>
-            </a:lvl9pPr>
-          </a:lstStyle>
-          <a:p>
-            <a:endParaRPr/>
-          </a:p>
-        </p:txBody>
-      </p:sp>
-      <p:sp>
-        <p:nvSpPr>
-          <p:cNvPr id="42" name="Google Shape;42;p6"/>
-          <p:cNvSpPr txBox="1">
-            <a:spLocks noGrp="1"/>
-          </p:cNvSpPr>
-          <p:nvPr>
-            <p:ph type="dt" idx="10"/>
-          </p:nvPr>
-        </p:nvSpPr>
-        <p:spPr>
-          <a:xfrm>
-            <a:off x="838200" y="6356350"/>
-            <a:ext cx="2743200" cy="365100"/>
-          </a:xfrm>
-          <a:prstGeom prst="rect">
-            <a:avLst/>
-          </a:prstGeom>
-          <a:noFill/>
-          <a:ln>
-            <a:noFill/>
-          </a:ln>
-        </p:spPr>
-        <p:txBody>
-          <a:bodyPr spcFirstLastPara="1" wrap="square" lIns="91425" tIns="45700" rIns="91425" bIns="45700" anchor="ctr" anchorCtr="0"/>
-          <a:lstStyle>
-            <a:lvl1pPr marR="0" lvl="0" algn="l" rtl="0">
-              <a:spcBef>
-                <a:spcPts val="0"/>
-              </a:spcBef>
-              <a:spcAft>
-                <a:spcPts val="0"/>
-              </a:spcAft>
-              <a:buSzPts val="1400"/>
-              <a:buNone/>
-              <a:defRPr sz="1200" b="0" i="0" u="none" strike="noStrike" cap="none">
-                <a:solidFill>
-                  <a:srgbClr val="888888"/>
-                </a:solidFill>
-                <a:latin typeface="Calibri"/>
-                <a:ea typeface="Calibri"/>
-                <a:cs typeface="Calibri"/>
-                <a:sym typeface="Calibri"/>
-              </a:defRPr>
-            </a:lvl1pPr>
-            <a:lvl2pPr marR="0" lvl="1" algn="l" rtl="0">
-              <a:spcBef>
-                <a:spcPts val="0"/>
-              </a:spcBef>
-              <a:spcAft>
-                <a:spcPts val="0"/>
-              </a:spcAft>
-              <a:buSzPts val="1400"/>
-              <a:buNone/>
-              <a:defRPr sz="1800" b="0" i="0" u="none" strike="noStrike" cap="none">
-                <a:solidFill>
-                  <a:schemeClr val="dk1"/>
-                </a:solidFill>
-                <a:latin typeface="Calibri"/>
-                <a:ea typeface="Calibri"/>
-                <a:cs typeface="Calibri"/>
-                <a:sym typeface="Calibri"/>
-              </a:defRPr>
-            </a:lvl2pPr>
-            <a:lvl3pPr marR="0" lvl="2" algn="l" rtl="0">
-              <a:spcBef>
-                <a:spcPts val="0"/>
-              </a:spcBef>
-              <a:spcAft>
-                <a:spcPts val="0"/>
-              </a:spcAft>
-              <a:buSzPts val="1400"/>
-              <a:buNone/>
-              <a:defRPr sz="1800" b="0" i="0" u="none" strike="noStrike" cap="none">
-                <a:solidFill>
-                  <a:schemeClr val="dk1"/>
-                </a:solidFill>
-                <a:latin typeface="Calibri"/>
-                <a:ea typeface="Calibri"/>
-                <a:cs typeface="Calibri"/>
-                <a:sym typeface="Calibri"/>
-              </a:defRPr>
-            </a:lvl3pPr>
-            <a:lvl4pPr marR="0" lvl="3" algn="l" rtl="0">
-              <a:spcBef>
-                <a:spcPts val="0"/>
-              </a:spcBef>
-              <a:spcAft>
-                <a:spcPts val="0"/>
-              </a:spcAft>
-              <a:buSzPts val="1400"/>
-              <a:buNone/>
-              <a:defRPr sz="1800" b="0" i="0" u="none" strike="noStrike" cap="none">
-                <a:solidFill>
-                  <a:schemeClr val="dk1"/>
-                </a:solidFill>
-                <a:latin typeface="Calibri"/>
-                <a:ea typeface="Calibri"/>
-                <a:cs typeface="Calibri"/>
-                <a:sym typeface="Calibri"/>
-              </a:defRPr>
-            </a:lvl4pPr>
-            <a:lvl5pPr marR="0" lvl="4" algn="l" rtl="0">
-              <a:spcBef>
-                <a:spcPts val="0"/>
-              </a:spcBef>
-              <a:spcAft>
-                <a:spcPts val="0"/>
-              </a:spcAft>
-              <a:buSzPts val="1400"/>
-              <a:buNone/>
-              <a:defRPr sz="1800" b="0" i="0" u="none" strike="noStrike" cap="none">
-                <a:solidFill>
-                  <a:schemeClr val="dk1"/>
-                </a:solidFill>
-                <a:latin typeface="Calibri"/>
-                <a:ea typeface="Calibri"/>
-                <a:cs typeface="Calibri"/>
-                <a:sym typeface="Calibri"/>
-              </a:defRPr>
-            </a:lvl5pPr>
-            <a:lvl6pPr marR="0" lvl="5" algn="l" rtl="0">
-              <a:spcBef>
-                <a:spcPts val="0"/>
-              </a:spcBef>
-              <a:spcAft>
-                <a:spcPts val="0"/>
-              </a:spcAft>
-              <a:buSzPts val="1400"/>
-              <a:buNone/>
-              <a:defRPr sz="1800" b="0" i="0" u="none" strike="noStrike" cap="none">
-                <a:solidFill>
-                  <a:schemeClr val="dk1"/>
-                </a:solidFill>
-                <a:latin typeface="Calibri"/>
-                <a:ea typeface="Calibri"/>
-                <a:cs typeface="Calibri"/>
-                <a:sym typeface="Calibri"/>
-              </a:defRPr>
-            </a:lvl6pPr>
-            <a:lvl7pPr marR="0" lvl="6" algn="l" rtl="0">
-              <a:spcBef>
-                <a:spcPts val="0"/>
-              </a:spcBef>
-              <a:spcAft>
-                <a:spcPts val="0"/>
-              </a:spcAft>
-              <a:buSzPts val="1400"/>
-              <a:buNone/>
-              <a:defRPr sz="1800" b="0" i="0" u="none" strike="noStrike" cap="none">
-                <a:solidFill>
-                  <a:schemeClr val="dk1"/>
-                </a:solidFill>
-                <a:latin typeface="Calibri"/>
-                <a:ea typeface="Calibri"/>
-                <a:cs typeface="Calibri"/>
-                <a:sym typeface="Calibri"/>
-              </a:defRPr>
-            </a:lvl7pPr>
-            <a:lvl8pPr marR="0" lvl="7" algn="l" rtl="0">
-              <a:spcBef>
-                <a:spcPts val="0"/>
-              </a:spcBef>
-              <a:spcAft>
-                <a:spcPts val="0"/>
-              </a:spcAft>
-              <a:buSzPts val="1400"/>
-              <a:buNone/>
-              <a:defRPr sz="1800" b="0" i="0" u="none" strike="noStrike" cap="none">
-                <a:solidFill>
-                  <a:schemeClr val="dk1"/>
-                </a:solidFill>
-                <a:latin typeface="Calibri"/>
-                <a:ea typeface="Calibri"/>
-                <a:cs typeface="Calibri"/>
-                <a:sym typeface="Calibri"/>
-              </a:defRPr>
-            </a:lvl8pPr>
-            <a:lvl9pPr marR="0" lvl="8" algn="l" rtl="0">
-              <a:spcBef>
-                <a:spcPts val="0"/>
-              </a:spcBef>
-              <a:spcAft>
-                <a:spcPts val="0"/>
-              </a:spcAft>
-              <a:buSzPts val="1400"/>
-              <a:buNone/>
-              <a:defRPr sz="1800" b="0" i="0" u="none" strike="noStrike" cap="none">
-                <a:solidFill>
-                  <a:schemeClr val="dk1"/>
-                </a:solidFill>
-                <a:latin typeface="Calibri"/>
-                <a:ea typeface="Calibri"/>
-                <a:cs typeface="Calibri"/>
-                <a:sym typeface="Calibri"/>
-              </a:defRPr>
-            </a:lvl9pPr>
-          </a:lstStyle>
-          <a:p>
-            <a:endParaRPr/>
-          </a:p>
-        </p:txBody>
-      </p:sp>
-      <p:sp>
-        <p:nvSpPr>
-          <p:cNvPr id="43" name="Google Shape;43;p6"/>
-          <p:cNvSpPr txBox="1">
-            <a:spLocks noGrp="1"/>
-          </p:cNvSpPr>
-          <p:nvPr>
-            <p:ph type="ftr" idx="11"/>
-          </p:nvPr>
-        </p:nvSpPr>
-        <p:spPr>
-          <a:xfrm>
-            <a:off x="4038600" y="6356350"/>
-            <a:ext cx="4114800" cy="365100"/>
-          </a:xfrm>
-          <a:prstGeom prst="rect">
-            <a:avLst/>
-          </a:prstGeom>
-          <a:noFill/>
-          <a:ln>
-            <a:noFill/>
-          </a:ln>
-        </p:spPr>
-        <p:txBody>
-          <a:bodyPr spcFirstLastPara="1" wrap="square" lIns="91425" tIns="45700" rIns="91425" bIns="45700" anchor="ctr" anchorCtr="0"/>
-          <a:lstStyle>
-            <a:lvl1pPr marR="0" lvl="0" algn="ctr" rtl="0">
-              <a:spcBef>
-                <a:spcPts val="0"/>
-              </a:spcBef>
-              <a:spcAft>
-                <a:spcPts val="0"/>
-              </a:spcAft>
-              <a:buSzPts val="1400"/>
-              <a:buNone/>
-              <a:defRPr sz="1200" b="0" i="0" u="none" strike="noStrike" cap="none">
-                <a:solidFill>
-                  <a:srgbClr val="888888"/>
-                </a:solidFill>
-                <a:latin typeface="Calibri"/>
-                <a:ea typeface="Calibri"/>
-                <a:cs typeface="Calibri"/>
-                <a:sym typeface="Calibri"/>
-              </a:defRPr>
-            </a:lvl1pPr>
-            <a:lvl2pPr marR="0" lvl="1" algn="l" rtl="0">
-              <a:spcBef>
-                <a:spcPts val="0"/>
-              </a:spcBef>
-              <a:spcAft>
-                <a:spcPts val="0"/>
-              </a:spcAft>
-              <a:buSzPts val="1400"/>
-              <a:buNone/>
-              <a:defRPr sz="1800" b="0" i="0" u="none" strike="noStrike" cap="none">
-                <a:solidFill>
-                  <a:schemeClr val="dk1"/>
-                </a:solidFill>
-                <a:latin typeface="Calibri"/>
-                <a:ea typeface="Calibri"/>
-                <a:cs typeface="Calibri"/>
-                <a:sym typeface="Calibri"/>
-              </a:defRPr>
-            </a:lvl2pPr>
-            <a:lvl3pPr marR="0" lvl="2" algn="l" rtl="0">
-              <a:spcBef>
-                <a:spcPts val="0"/>
-              </a:spcBef>
-              <a:spcAft>
-                <a:spcPts val="0"/>
-              </a:spcAft>
-              <a:buSzPts val="1400"/>
-              <a:buNone/>
-              <a:defRPr sz="1800" b="0" i="0" u="none" strike="noStrike" cap="none">
-                <a:solidFill>
-                  <a:schemeClr val="dk1"/>
-                </a:solidFill>
-                <a:latin typeface="Calibri"/>
-                <a:ea typeface="Calibri"/>
-                <a:cs typeface="Calibri"/>
-                <a:sym typeface="Calibri"/>
-              </a:defRPr>
-            </a:lvl3pPr>
-            <a:lvl4pPr marR="0" lvl="3" algn="l" rtl="0">
-              <a:spcBef>
-                <a:spcPts val="0"/>
-              </a:spcBef>
-              <a:spcAft>
-                <a:spcPts val="0"/>
-              </a:spcAft>
-              <a:buSzPts val="1400"/>
-              <a:buNone/>
-              <a:defRPr sz="1800" b="0" i="0" u="none" strike="noStrike" cap="none">
-                <a:solidFill>
-                  <a:schemeClr val="dk1"/>
-                </a:solidFill>
-                <a:latin typeface="Calibri"/>
-                <a:ea typeface="Calibri"/>
-                <a:cs typeface="Calibri"/>
-                <a:sym typeface="Calibri"/>
-              </a:defRPr>
-            </a:lvl4pPr>
-            <a:lvl5pPr marR="0" lvl="4" algn="l" rtl="0">
-              <a:spcBef>
-                <a:spcPts val="0"/>
-              </a:spcBef>
-              <a:spcAft>
-                <a:spcPts val="0"/>
-              </a:spcAft>
-              <a:buSzPts val="1400"/>
-              <a:buNone/>
-              <a:defRPr sz="1800" b="0" i="0" u="none" strike="noStrike" cap="none">
-                <a:solidFill>
-                  <a:schemeClr val="dk1"/>
-                </a:solidFill>
-                <a:latin typeface="Calibri"/>
-                <a:ea typeface="Calibri"/>
-                <a:cs typeface="Calibri"/>
-                <a:sym typeface="Calibri"/>
-              </a:defRPr>
-            </a:lvl5pPr>
-            <a:lvl6pPr marR="0" lvl="5" algn="l" rtl="0">
-              <a:spcBef>
-                <a:spcPts val="0"/>
-              </a:spcBef>
-              <a:spcAft>
-                <a:spcPts val="0"/>
-              </a:spcAft>
-              <a:buSzPts val="1400"/>
-              <a:buNone/>
-              <a:defRPr sz="1800" b="0" i="0" u="none" strike="noStrike" cap="none">
-                <a:solidFill>
-                  <a:schemeClr val="dk1"/>
-                </a:solidFill>
-                <a:latin typeface="Calibri"/>
-                <a:ea typeface="Calibri"/>
-                <a:cs typeface="Calibri"/>
-                <a:sym typeface="Calibri"/>
-              </a:defRPr>
-            </a:lvl6pPr>
-            <a:lvl7pPr marR="0" lvl="6" algn="l" rtl="0">
-              <a:spcBef>
-                <a:spcPts val="0"/>
-              </a:spcBef>
-              <a:spcAft>
-                <a:spcPts val="0"/>
-              </a:spcAft>
-              <a:buSzPts val="1400"/>
-              <a:buNone/>
-              <a:defRPr sz="1800" b="0" i="0" u="none" strike="noStrike" cap="none">
-                <a:solidFill>
-                  <a:schemeClr val="dk1"/>
-                </a:solidFill>
-                <a:latin typeface="Calibri"/>
-                <a:ea typeface="Calibri"/>
-                <a:cs typeface="Calibri"/>
-                <a:sym typeface="Calibri"/>
-              </a:defRPr>
-            </a:lvl7pPr>
-            <a:lvl8pPr marR="0" lvl="7" algn="l" rtl="0">
-              <a:spcBef>
-                <a:spcPts val="0"/>
-              </a:spcBef>
-              <a:spcAft>
-                <a:spcPts val="0"/>
-              </a:spcAft>
-              <a:buSzPts val="1400"/>
-              <a:buNone/>
-              <a:defRPr sz="1800" b="0" i="0" u="none" strike="noStrike" cap="none">
-                <a:solidFill>
-                  <a:schemeClr val="dk1"/>
-                </a:solidFill>
-                <a:latin typeface="Calibri"/>
-                <a:ea typeface="Calibri"/>
-                <a:cs typeface="Calibri"/>
-                <a:sym typeface="Calibri"/>
-              </a:defRPr>
-            </a:lvl8pPr>
-            <a:lvl9pPr marR="0" lvl="8" algn="l" rtl="0">
-              <a:spcBef>
-                <a:spcPts val="0"/>
-              </a:spcBef>
-              <a:spcAft>
-                <a:spcPts val="0"/>
-              </a:spcAft>
-              <a:buSzPts val="1400"/>
-              <a:buNone/>
-              <a:defRPr sz="1800" b="0" i="0" u="none" strike="noStrike" cap="none">
-                <a:solidFill>
-                  <a:schemeClr val="dk1"/>
-                </a:solidFill>
-                <a:latin typeface="Calibri"/>
-                <a:ea typeface="Calibri"/>
-                <a:cs typeface="Calibri"/>
-                <a:sym typeface="Calibri"/>
-              </a:defRPr>
-            </a:lvl9pPr>
-          </a:lstStyle>
-          <a:p>
-            <a:endParaRPr/>
-          </a:p>
-        </p:txBody>
-      </p:sp>
-      <p:sp>
-        <p:nvSpPr>
-          <p:cNvPr id="44" name="Google Shape;44;p6"/>
-          <p:cNvSpPr txBox="1">
-            <a:spLocks noGrp="1"/>
-          </p:cNvSpPr>
-          <p:nvPr>
-            <p:ph type="sldNum" idx="12"/>
-          </p:nvPr>
-        </p:nvSpPr>
-        <p:spPr>
-          <a:xfrm>
-            <a:off x="8610600" y="6356350"/>
-            <a:ext cx="2743200" cy="365100"/>
-          </a:xfrm>
-          <a:prstGeom prst="rect">
-            <a:avLst/>
-          </a:prstGeom>
-          <a:noFill/>
-          <a:ln>
-            <a:noFill/>
-          </a:ln>
-        </p:spPr>
-        <p:txBody>
-          <a:bodyPr spcFirstLastPara="1" wrap="square" lIns="91425" tIns="45700" rIns="91425" bIns="45700" anchor="ctr" anchorCtr="0">
-            <a:noAutofit/>
-          </a:bodyPr>
-          <a:lstStyle>
-            <a:lvl1pPr marL="0" marR="0" lvl="0" indent="0" algn="r" rtl="0">
-              <a:spcBef>
-                <a:spcPts val="0"/>
-              </a:spcBef>
-              <a:buNone/>
-              <a:defRPr sz="1200" b="0" i="0" u="none" strike="noStrike" cap="none">
-                <a:solidFill>
-                  <a:srgbClr val="888888"/>
-                </a:solidFill>
-                <a:latin typeface="Calibri"/>
-                <a:ea typeface="Calibri"/>
-                <a:cs typeface="Calibri"/>
-                <a:sym typeface="Calibri"/>
-              </a:defRPr>
-            </a:lvl1pPr>
-            <a:lvl2pPr marL="0" marR="0" lvl="1" indent="0" algn="r" rtl="0">
-              <a:spcBef>
-                <a:spcPts val="0"/>
-              </a:spcBef>
-              <a:buNone/>
-              <a:defRPr sz="1200" b="0" i="0" u="none" strike="noStrike" cap="none">
-                <a:solidFill>
-                  <a:srgbClr val="888888"/>
-                </a:solidFill>
-                <a:latin typeface="Calibri"/>
-                <a:ea typeface="Calibri"/>
-                <a:cs typeface="Calibri"/>
-                <a:sym typeface="Calibri"/>
-              </a:defRPr>
-            </a:lvl2pPr>
-            <a:lvl3pPr marL="0" marR="0" lvl="2" indent="0" algn="r" rtl="0">
-              <a:spcBef>
-                <a:spcPts val="0"/>
-              </a:spcBef>
-              <a:buNone/>
-              <a:defRPr sz="1200" b="0" i="0" u="none" strike="noStrike" cap="none">
-                <a:solidFill>
-                  <a:srgbClr val="888888"/>
-                </a:solidFill>
-                <a:latin typeface="Calibri"/>
-                <a:ea typeface="Calibri"/>
-                <a:cs typeface="Calibri"/>
-                <a:sym typeface="Calibri"/>
-              </a:defRPr>
-            </a:lvl3pPr>
-            <a:lvl4pPr marL="0" marR="0" lvl="3" indent="0" algn="r" rtl="0">
-              <a:spcBef>
-                <a:spcPts val="0"/>
-              </a:spcBef>
-              <a:buNone/>
-              <a:defRPr sz="1200" b="0" i="0" u="none" strike="noStrike" cap="none">
-                <a:solidFill>
-                  <a:srgbClr val="888888"/>
-                </a:solidFill>
-                <a:latin typeface="Calibri"/>
-                <a:ea typeface="Calibri"/>
-                <a:cs typeface="Calibri"/>
-                <a:sym typeface="Calibri"/>
-              </a:defRPr>
-            </a:lvl4pPr>
-            <a:lvl5pPr marL="0" marR="0" lvl="4" indent="0" algn="r" rtl="0">
-              <a:spcBef>
-                <a:spcPts val="0"/>
-              </a:spcBef>
-              <a:buNone/>
-              <a:defRPr sz="1200" b="0" i="0" u="none" strike="noStrike" cap="none">
-                <a:solidFill>
-                  <a:srgbClr val="888888"/>
-                </a:solidFill>
-                <a:latin typeface="Calibri"/>
-                <a:ea typeface="Calibri"/>
-                <a:cs typeface="Calibri"/>
-                <a:sym typeface="Calibri"/>
-              </a:defRPr>
-            </a:lvl5pPr>
-            <a:lvl6pPr marL="0" marR="0" lvl="5" indent="0" algn="r" rtl="0">
-              <a:spcBef>
-                <a:spcPts val="0"/>
-              </a:spcBef>
-              <a:buNone/>
-              <a:defRPr sz="1200" b="0" i="0" u="none" strike="noStrike" cap="none">
-                <a:solidFill>
-                  <a:srgbClr val="888888"/>
-                </a:solidFill>
-                <a:latin typeface="Calibri"/>
-                <a:ea typeface="Calibri"/>
-                <a:cs typeface="Calibri"/>
-                <a:sym typeface="Calibri"/>
-              </a:defRPr>
-            </a:lvl6pPr>
-            <a:lvl7pPr marL="0" marR="0" lvl="6" indent="0" algn="r" rtl="0">
-              <a:spcBef>
-                <a:spcPts val="0"/>
-              </a:spcBef>
-              <a:buNone/>
-              <a:defRPr sz="1200" b="0" i="0" u="none" strike="noStrike" cap="none">
-                <a:solidFill>
-                  <a:srgbClr val="888888"/>
-                </a:solidFill>
-                <a:latin typeface="Calibri"/>
-                <a:ea typeface="Calibri"/>
-                <a:cs typeface="Calibri"/>
-                <a:sym typeface="Calibri"/>
-              </a:defRPr>
-            </a:lvl7pPr>
-            <a:lvl8pPr marL="0" marR="0" lvl="7" indent="0" algn="r" rtl="0">
-              <a:spcBef>
-                <a:spcPts val="0"/>
-              </a:spcBef>
-              <a:buNone/>
-              <a:defRPr sz="1200" b="0" i="0" u="none" strike="noStrike" cap="none">
-                <a:solidFill>
-                  <a:srgbClr val="888888"/>
-                </a:solidFill>
-                <a:latin typeface="Calibri"/>
-                <a:ea typeface="Calibri"/>
-                <a:cs typeface="Calibri"/>
-                <a:sym typeface="Calibri"/>
-              </a:defRPr>
-            </a:lvl8pPr>
-            <a:lvl9pPr marL="0" marR="0" lvl="8" indent="0" algn="r" rtl="0">
-              <a:spcBef>
-                <a:spcPts val="0"/>
-              </a:spcBef>
-              <a:buNone/>
-              <a:defRPr sz="1200" b="0" i="0" u="none" strike="noStrike" cap="none">
-                <a:solidFill>
-                  <a:srgbClr val="888888"/>
-                </a:solidFill>
-                <a:latin typeface="Calibri"/>
-                <a:ea typeface="Calibri"/>
-                <a:cs typeface="Calibri"/>
-                <a:sym typeface="Calibri"/>
-              </a:defRPr>
-            </a:lvl9pPr>
-          </a:lstStyle>
-          <a:p>
-            <a:pPr marL="0" lvl="0" indent="0">
-              <a:spcBef>
-                <a:spcPts val="0"/>
-              </a:spcBef>
-              <a:spcAft>
-                <a:spcPts val="0"/>
-              </a:spcAft>
-              <a:buNone/>
-            </a:pPr>
-            <a:fld id="{00000000-1234-1234-1234-123412341234}" type="slidenum">
-              <a:rPr lang="en-US"/>
-              <a:t>‹#›</a:t>
-            </a:fld>
-            <a:endParaRPr/>
-          </a:p>
-        </p:txBody>
-      </p:sp>
-    </p:spTree>
-  </p:cSld>
-  <p:clrMapOvr>
-    <a:masterClrMapping/>
-  </p:clrMapOvr>
-</p:sldLayout>
-</file>
-
-<file path=ppt/slideLayouts/slideLayout4.xml><?xml version="1.0" encoding="utf-8"?>
 <p:sldLayout xmlns:a="http://schemas.openxmlformats.org/drawingml/2006/main" xmlns:r="http://schemas.openxmlformats.org/officeDocument/2006/relationships" xmlns:p="http://schemas.openxmlformats.org/presentationml/2006/main" matchingName="Two Content" type="twoObj">
   <p:cSld name="TWO_OBJECTS">
     <p:spTree>
@@ -9534,7 +7818,7 @@
 </p:sldLayout>
 </file>
 
-<file path=ppt/slideLayouts/slideLayout5.xml><?xml version="1.0" encoding="utf-8"?>
+<file path=ppt/slideLayouts/slideLayout4.xml><?xml version="1.0" encoding="utf-8"?>
 <p:sldLayout xmlns:a="http://schemas.openxmlformats.org/drawingml/2006/main" xmlns:r="http://schemas.openxmlformats.org/officeDocument/2006/relationships" xmlns:p="http://schemas.openxmlformats.org/presentationml/2006/main" matchingName="Comparison" type="twoTxTwoObj">
   <p:cSld name="TWO_OBJECTS_WITH_TEXT">
     <p:spTree>
@@ -11357,7 +9641,7 @@
 </p:sldLayout>
 </file>
 
-<file path=ppt/slideLayouts/slideLayout6.xml><?xml version="1.0" encoding="utf-8"?>
+<file path=ppt/slideLayouts/slideLayout5.xml><?xml version="1.0" encoding="utf-8"?>
 <p:sldLayout xmlns:a="http://schemas.openxmlformats.org/drawingml/2006/main" xmlns:r="http://schemas.openxmlformats.org/officeDocument/2006/relationships" xmlns:p="http://schemas.openxmlformats.org/presentationml/2006/main" matchingName="Title Only" type="titleOnly">
   <p:cSld name="TITLE_ONLY">
     <p:spTree>
@@ -12116,7 +10400,7 @@
 </p:sldLayout>
 </file>
 
-<file path=ppt/slideLayouts/slideLayout7.xml><?xml version="1.0" encoding="utf-8"?>
+<file path=ppt/slideLayouts/slideLayout6.xml><?xml version="1.0" encoding="utf-8"?>
 <p:sldLayout xmlns:a="http://schemas.openxmlformats.org/drawingml/2006/main" xmlns:r="http://schemas.openxmlformats.org/officeDocument/2006/relationships" xmlns:p="http://schemas.openxmlformats.org/presentationml/2006/main" matchingName="Blank" type="blank">
   <p:cSld name="BLANK">
     <p:spTree>
@@ -12729,7 +11013,7 @@
 </p:sldLayout>
 </file>
 
-<file path=ppt/slideLayouts/slideLayout8.xml><?xml version="1.0" encoding="utf-8"?>
+<file path=ppt/slideLayouts/slideLayout7.xml><?xml version="1.0" encoding="utf-8"?>
 <p:sldLayout xmlns:a="http://schemas.openxmlformats.org/drawingml/2006/main" xmlns:r="http://schemas.openxmlformats.org/officeDocument/2006/relationships" xmlns:p="http://schemas.openxmlformats.org/presentationml/2006/main" matchingName="Content with Caption" type="objTx">
   <p:cSld name="OBJECT_WITH_CAPTION_TEXT">
     <p:spTree>
@@ -14020,7 +12304,7 @@
 </p:sldLayout>
 </file>
 
-<file path=ppt/slideLayouts/slideLayout9.xml><?xml version="1.0" encoding="utf-8"?>
+<file path=ppt/slideLayouts/slideLayout8.xml><?xml version="1.0" encoding="utf-8"?>
 <p:sldLayout xmlns:a="http://schemas.openxmlformats.org/drawingml/2006/main" xmlns:r="http://schemas.openxmlformats.org/officeDocument/2006/relationships" xmlns:p="http://schemas.openxmlformats.org/presentationml/2006/main" matchingName="Picture with Caption" type="picTx">
   <p:cSld name="PICTURE_WITH_CAPTION_TEXT">
     <p:spTree>
@@ -15124,6 +13408,1031 @@
       <p:sp>
         <p:nvSpPr>
           <p:cNvPr id="83" name="Google Shape;83;p12"/>
+          <p:cNvSpPr txBox="1">
+            <a:spLocks noGrp="1"/>
+          </p:cNvSpPr>
+          <p:nvPr>
+            <p:ph type="sldNum" idx="12"/>
+          </p:nvPr>
+        </p:nvSpPr>
+        <p:spPr>
+          <a:xfrm>
+            <a:off x="8610600" y="6356350"/>
+            <a:ext cx="2743200" cy="365100"/>
+          </a:xfrm>
+          <a:prstGeom prst="rect">
+            <a:avLst/>
+          </a:prstGeom>
+          <a:noFill/>
+          <a:ln>
+            <a:noFill/>
+          </a:ln>
+        </p:spPr>
+        <p:txBody>
+          <a:bodyPr spcFirstLastPara="1" wrap="square" lIns="91425" tIns="45700" rIns="91425" bIns="45700" anchor="ctr" anchorCtr="0">
+            <a:noAutofit/>
+          </a:bodyPr>
+          <a:lstStyle>
+            <a:lvl1pPr marL="0" marR="0" lvl="0" indent="0" algn="r" rtl="0">
+              <a:spcBef>
+                <a:spcPts val="0"/>
+              </a:spcBef>
+              <a:buNone/>
+              <a:defRPr sz="1200" b="0" i="0" u="none" strike="noStrike" cap="none">
+                <a:solidFill>
+                  <a:srgbClr val="888888"/>
+                </a:solidFill>
+                <a:latin typeface="Calibri"/>
+                <a:ea typeface="Calibri"/>
+                <a:cs typeface="Calibri"/>
+                <a:sym typeface="Calibri"/>
+              </a:defRPr>
+            </a:lvl1pPr>
+            <a:lvl2pPr marL="0" marR="0" lvl="1" indent="0" algn="r" rtl="0">
+              <a:spcBef>
+                <a:spcPts val="0"/>
+              </a:spcBef>
+              <a:buNone/>
+              <a:defRPr sz="1200" b="0" i="0" u="none" strike="noStrike" cap="none">
+                <a:solidFill>
+                  <a:srgbClr val="888888"/>
+                </a:solidFill>
+                <a:latin typeface="Calibri"/>
+                <a:ea typeface="Calibri"/>
+                <a:cs typeface="Calibri"/>
+                <a:sym typeface="Calibri"/>
+              </a:defRPr>
+            </a:lvl2pPr>
+            <a:lvl3pPr marL="0" marR="0" lvl="2" indent="0" algn="r" rtl="0">
+              <a:spcBef>
+                <a:spcPts val="0"/>
+              </a:spcBef>
+              <a:buNone/>
+              <a:defRPr sz="1200" b="0" i="0" u="none" strike="noStrike" cap="none">
+                <a:solidFill>
+                  <a:srgbClr val="888888"/>
+                </a:solidFill>
+                <a:latin typeface="Calibri"/>
+                <a:ea typeface="Calibri"/>
+                <a:cs typeface="Calibri"/>
+                <a:sym typeface="Calibri"/>
+              </a:defRPr>
+            </a:lvl3pPr>
+            <a:lvl4pPr marL="0" marR="0" lvl="3" indent="0" algn="r" rtl="0">
+              <a:spcBef>
+                <a:spcPts val="0"/>
+              </a:spcBef>
+              <a:buNone/>
+              <a:defRPr sz="1200" b="0" i="0" u="none" strike="noStrike" cap="none">
+                <a:solidFill>
+                  <a:srgbClr val="888888"/>
+                </a:solidFill>
+                <a:latin typeface="Calibri"/>
+                <a:ea typeface="Calibri"/>
+                <a:cs typeface="Calibri"/>
+                <a:sym typeface="Calibri"/>
+              </a:defRPr>
+            </a:lvl4pPr>
+            <a:lvl5pPr marL="0" marR="0" lvl="4" indent="0" algn="r" rtl="0">
+              <a:spcBef>
+                <a:spcPts val="0"/>
+              </a:spcBef>
+              <a:buNone/>
+              <a:defRPr sz="1200" b="0" i="0" u="none" strike="noStrike" cap="none">
+                <a:solidFill>
+                  <a:srgbClr val="888888"/>
+                </a:solidFill>
+                <a:latin typeface="Calibri"/>
+                <a:ea typeface="Calibri"/>
+                <a:cs typeface="Calibri"/>
+                <a:sym typeface="Calibri"/>
+              </a:defRPr>
+            </a:lvl5pPr>
+            <a:lvl6pPr marL="0" marR="0" lvl="5" indent="0" algn="r" rtl="0">
+              <a:spcBef>
+                <a:spcPts val="0"/>
+              </a:spcBef>
+              <a:buNone/>
+              <a:defRPr sz="1200" b="0" i="0" u="none" strike="noStrike" cap="none">
+                <a:solidFill>
+                  <a:srgbClr val="888888"/>
+                </a:solidFill>
+                <a:latin typeface="Calibri"/>
+                <a:ea typeface="Calibri"/>
+                <a:cs typeface="Calibri"/>
+                <a:sym typeface="Calibri"/>
+              </a:defRPr>
+            </a:lvl6pPr>
+            <a:lvl7pPr marL="0" marR="0" lvl="6" indent="0" algn="r" rtl="0">
+              <a:spcBef>
+                <a:spcPts val="0"/>
+              </a:spcBef>
+              <a:buNone/>
+              <a:defRPr sz="1200" b="0" i="0" u="none" strike="noStrike" cap="none">
+                <a:solidFill>
+                  <a:srgbClr val="888888"/>
+                </a:solidFill>
+                <a:latin typeface="Calibri"/>
+                <a:ea typeface="Calibri"/>
+                <a:cs typeface="Calibri"/>
+                <a:sym typeface="Calibri"/>
+              </a:defRPr>
+            </a:lvl7pPr>
+            <a:lvl8pPr marL="0" marR="0" lvl="7" indent="0" algn="r" rtl="0">
+              <a:spcBef>
+                <a:spcPts val="0"/>
+              </a:spcBef>
+              <a:buNone/>
+              <a:defRPr sz="1200" b="0" i="0" u="none" strike="noStrike" cap="none">
+                <a:solidFill>
+                  <a:srgbClr val="888888"/>
+                </a:solidFill>
+                <a:latin typeface="Calibri"/>
+                <a:ea typeface="Calibri"/>
+                <a:cs typeface="Calibri"/>
+                <a:sym typeface="Calibri"/>
+              </a:defRPr>
+            </a:lvl8pPr>
+            <a:lvl9pPr marL="0" marR="0" lvl="8" indent="0" algn="r" rtl="0">
+              <a:spcBef>
+                <a:spcPts val="0"/>
+              </a:spcBef>
+              <a:buNone/>
+              <a:defRPr sz="1200" b="0" i="0" u="none" strike="noStrike" cap="none">
+                <a:solidFill>
+                  <a:srgbClr val="888888"/>
+                </a:solidFill>
+                <a:latin typeface="Calibri"/>
+                <a:ea typeface="Calibri"/>
+                <a:cs typeface="Calibri"/>
+                <a:sym typeface="Calibri"/>
+              </a:defRPr>
+            </a:lvl9pPr>
+          </a:lstStyle>
+          <a:p>
+            <a:pPr marL="0" lvl="0" indent="0">
+              <a:spcBef>
+                <a:spcPts val="0"/>
+              </a:spcBef>
+              <a:spcAft>
+                <a:spcPts val="0"/>
+              </a:spcAft>
+              <a:buNone/>
+            </a:pPr>
+            <a:fld id="{00000000-1234-1234-1234-123412341234}" type="slidenum">
+              <a:rPr lang="en-US"/>
+              <a:t>‹#›</a:t>
+            </a:fld>
+            <a:endParaRPr/>
+          </a:p>
+        </p:txBody>
+      </p:sp>
+    </p:spTree>
+  </p:cSld>
+  <p:clrMapOvr>
+    <a:masterClrMapping/>
+  </p:clrMapOvr>
+</p:sldLayout>
+</file>
+
+<file path=ppt/slideLayouts/slideLayout9.xml><?xml version="1.0" encoding="utf-8"?>
+<p:sldLayout xmlns:a="http://schemas.openxmlformats.org/drawingml/2006/main" xmlns:r="http://schemas.openxmlformats.org/officeDocument/2006/relationships" xmlns:p="http://schemas.openxmlformats.org/presentationml/2006/main" matchingName="Title and Vertical Text" type="vertTx">
+  <p:cSld name="VERTICAL_TEXT">
+    <p:spTree>
+      <p:nvGrpSpPr>
+        <p:cNvPr id="1" name="Shape 84"/>
+        <p:cNvGrpSpPr/>
+        <p:nvPr/>
+      </p:nvGrpSpPr>
+      <p:grpSpPr>
+        <a:xfrm>
+          <a:off x="0" y="0"/>
+          <a:ext cx="0" cy="0"/>
+          <a:chOff x="0" y="0"/>
+          <a:chExt cx="0" cy="0"/>
+        </a:xfrm>
+      </p:grpSpPr>
+      <p:sp>
+        <p:nvSpPr>
+          <p:cNvPr id="85" name="Google Shape;85;p13"/>
+          <p:cNvSpPr txBox="1">
+            <a:spLocks noGrp="1"/>
+          </p:cNvSpPr>
+          <p:nvPr>
+            <p:ph type="title"/>
+          </p:nvPr>
+        </p:nvSpPr>
+        <p:spPr>
+          <a:xfrm>
+            <a:off x="838200" y="365125"/>
+            <a:ext cx="10515600" cy="1325700"/>
+          </a:xfrm>
+          <a:prstGeom prst="rect">
+            <a:avLst/>
+          </a:prstGeom>
+          <a:noFill/>
+          <a:ln>
+            <a:noFill/>
+          </a:ln>
+        </p:spPr>
+        <p:txBody>
+          <a:bodyPr spcFirstLastPara="1" wrap="square" lIns="91425" tIns="45700" rIns="91425" bIns="45700" anchor="ctr" anchorCtr="0"/>
+          <a:lstStyle>
+            <a:lvl1pPr marR="0" lvl="0" algn="l" rtl="0">
+              <a:lnSpc>
+                <a:spcPct val="90000"/>
+              </a:lnSpc>
+              <a:spcBef>
+                <a:spcPts val="0"/>
+              </a:spcBef>
+              <a:spcAft>
+                <a:spcPts val="0"/>
+              </a:spcAft>
+              <a:buClr>
+                <a:schemeClr val="dk1"/>
+              </a:buClr>
+              <a:buSzPts val="4400"/>
+              <a:buFont typeface="Calibri"/>
+              <a:buNone/>
+              <a:defRPr sz="4400" b="0" i="0" u="none" strike="noStrike" cap="none">
+                <a:solidFill>
+                  <a:schemeClr val="dk1"/>
+                </a:solidFill>
+                <a:latin typeface="Calibri"/>
+                <a:ea typeface="Calibri"/>
+                <a:cs typeface="Calibri"/>
+                <a:sym typeface="Calibri"/>
+              </a:defRPr>
+            </a:lvl1pPr>
+            <a:lvl2pPr lvl="1" rtl="0">
+              <a:spcBef>
+                <a:spcPts val="0"/>
+              </a:spcBef>
+              <a:spcAft>
+                <a:spcPts val="0"/>
+              </a:spcAft>
+              <a:buSzPts val="1400"/>
+              <a:buNone/>
+              <a:defRPr sz="1800"/>
+            </a:lvl2pPr>
+            <a:lvl3pPr lvl="2" rtl="0">
+              <a:spcBef>
+                <a:spcPts val="0"/>
+              </a:spcBef>
+              <a:spcAft>
+                <a:spcPts val="0"/>
+              </a:spcAft>
+              <a:buSzPts val="1400"/>
+              <a:buNone/>
+              <a:defRPr sz="1800"/>
+            </a:lvl3pPr>
+            <a:lvl4pPr lvl="3" rtl="0">
+              <a:spcBef>
+                <a:spcPts val="0"/>
+              </a:spcBef>
+              <a:spcAft>
+                <a:spcPts val="0"/>
+              </a:spcAft>
+              <a:buSzPts val="1400"/>
+              <a:buNone/>
+              <a:defRPr sz="1800"/>
+            </a:lvl4pPr>
+            <a:lvl5pPr lvl="4" rtl="0">
+              <a:spcBef>
+                <a:spcPts val="0"/>
+              </a:spcBef>
+              <a:spcAft>
+                <a:spcPts val="0"/>
+              </a:spcAft>
+              <a:buSzPts val="1400"/>
+              <a:buNone/>
+              <a:defRPr sz="1800"/>
+            </a:lvl5pPr>
+            <a:lvl6pPr lvl="5" rtl="0">
+              <a:spcBef>
+                <a:spcPts val="0"/>
+              </a:spcBef>
+              <a:spcAft>
+                <a:spcPts val="0"/>
+              </a:spcAft>
+              <a:buSzPts val="1400"/>
+              <a:buNone/>
+              <a:defRPr sz="1800"/>
+            </a:lvl6pPr>
+            <a:lvl7pPr lvl="6" rtl="0">
+              <a:spcBef>
+                <a:spcPts val="0"/>
+              </a:spcBef>
+              <a:spcAft>
+                <a:spcPts val="0"/>
+              </a:spcAft>
+              <a:buSzPts val="1400"/>
+              <a:buNone/>
+              <a:defRPr sz="1800"/>
+            </a:lvl7pPr>
+            <a:lvl8pPr lvl="7" rtl="0">
+              <a:spcBef>
+                <a:spcPts val="0"/>
+              </a:spcBef>
+              <a:spcAft>
+                <a:spcPts val="0"/>
+              </a:spcAft>
+              <a:buSzPts val="1400"/>
+              <a:buNone/>
+              <a:defRPr sz="1800"/>
+            </a:lvl8pPr>
+            <a:lvl9pPr lvl="8" rtl="0">
+              <a:spcBef>
+                <a:spcPts val="0"/>
+              </a:spcBef>
+              <a:spcAft>
+                <a:spcPts val="0"/>
+              </a:spcAft>
+              <a:buSzPts val="1400"/>
+              <a:buNone/>
+              <a:defRPr sz="1800"/>
+            </a:lvl9pPr>
+          </a:lstStyle>
+          <a:p>
+            <a:endParaRPr/>
+          </a:p>
+        </p:txBody>
+      </p:sp>
+      <p:sp>
+        <p:nvSpPr>
+          <p:cNvPr id="86" name="Google Shape;86;p13"/>
+          <p:cNvSpPr txBox="1">
+            <a:spLocks noGrp="1"/>
+          </p:cNvSpPr>
+          <p:nvPr>
+            <p:ph type="body" idx="1"/>
+          </p:nvPr>
+        </p:nvSpPr>
+        <p:spPr>
+          <a:xfrm rot="5400000">
+            <a:off x="3920400" y="-1256575"/>
+            <a:ext cx="4351200" cy="10515600"/>
+          </a:xfrm>
+          <a:prstGeom prst="rect">
+            <a:avLst/>
+          </a:prstGeom>
+          <a:noFill/>
+          <a:ln>
+            <a:noFill/>
+          </a:ln>
+        </p:spPr>
+        <p:txBody>
+          <a:bodyPr spcFirstLastPara="1" wrap="square" lIns="91425" tIns="45700" rIns="91425" bIns="45700" anchor="t" anchorCtr="0"/>
+          <a:lstStyle>
+            <a:lvl1pPr marL="457200" marR="0" lvl="0" indent="-406400" algn="l" rtl="0">
+              <a:lnSpc>
+                <a:spcPct val="90000"/>
+              </a:lnSpc>
+              <a:spcBef>
+                <a:spcPts val="1000"/>
+              </a:spcBef>
+              <a:spcAft>
+                <a:spcPts val="0"/>
+              </a:spcAft>
+              <a:buClr>
+                <a:schemeClr val="dk1"/>
+              </a:buClr>
+              <a:buSzPts val="2800"/>
+              <a:buFont typeface="Arial"/>
+              <a:buChar char="•"/>
+              <a:defRPr sz="2800" b="0" i="0" u="none" strike="noStrike" cap="none">
+                <a:solidFill>
+                  <a:schemeClr val="dk1"/>
+                </a:solidFill>
+                <a:latin typeface="Calibri"/>
+                <a:ea typeface="Calibri"/>
+                <a:cs typeface="Calibri"/>
+                <a:sym typeface="Calibri"/>
+              </a:defRPr>
+            </a:lvl1pPr>
+            <a:lvl2pPr marL="914400" marR="0" lvl="1" indent="-381000" algn="l" rtl="0">
+              <a:lnSpc>
+                <a:spcPct val="90000"/>
+              </a:lnSpc>
+              <a:spcBef>
+                <a:spcPts val="500"/>
+              </a:spcBef>
+              <a:spcAft>
+                <a:spcPts val="0"/>
+              </a:spcAft>
+              <a:buClr>
+                <a:schemeClr val="dk1"/>
+              </a:buClr>
+              <a:buSzPts val="2400"/>
+              <a:buFont typeface="Arial"/>
+              <a:buChar char="•"/>
+              <a:defRPr sz="2400" b="0" i="0" u="none" strike="noStrike" cap="none">
+                <a:solidFill>
+                  <a:schemeClr val="dk1"/>
+                </a:solidFill>
+                <a:latin typeface="Calibri"/>
+                <a:ea typeface="Calibri"/>
+                <a:cs typeface="Calibri"/>
+                <a:sym typeface="Calibri"/>
+              </a:defRPr>
+            </a:lvl2pPr>
+            <a:lvl3pPr marL="1371600" marR="0" lvl="2" indent="-355600" algn="l" rtl="0">
+              <a:lnSpc>
+                <a:spcPct val="90000"/>
+              </a:lnSpc>
+              <a:spcBef>
+                <a:spcPts val="500"/>
+              </a:spcBef>
+              <a:spcAft>
+                <a:spcPts val="0"/>
+              </a:spcAft>
+              <a:buClr>
+                <a:schemeClr val="dk1"/>
+              </a:buClr>
+              <a:buSzPts val="2000"/>
+              <a:buFont typeface="Arial"/>
+              <a:buChar char="•"/>
+              <a:defRPr sz="2000" b="0" i="0" u="none" strike="noStrike" cap="none">
+                <a:solidFill>
+                  <a:schemeClr val="dk1"/>
+                </a:solidFill>
+                <a:latin typeface="Calibri"/>
+                <a:ea typeface="Calibri"/>
+                <a:cs typeface="Calibri"/>
+                <a:sym typeface="Calibri"/>
+              </a:defRPr>
+            </a:lvl3pPr>
+            <a:lvl4pPr marL="1828800" marR="0" lvl="3" indent="-342900" algn="l" rtl="0">
+              <a:lnSpc>
+                <a:spcPct val="90000"/>
+              </a:lnSpc>
+              <a:spcBef>
+                <a:spcPts val="500"/>
+              </a:spcBef>
+              <a:spcAft>
+                <a:spcPts val="0"/>
+              </a:spcAft>
+              <a:buClr>
+                <a:schemeClr val="dk1"/>
+              </a:buClr>
+              <a:buSzPts val="1800"/>
+              <a:buFont typeface="Arial"/>
+              <a:buChar char="•"/>
+              <a:defRPr sz="1800" b="0" i="0" u="none" strike="noStrike" cap="none">
+                <a:solidFill>
+                  <a:schemeClr val="dk1"/>
+                </a:solidFill>
+                <a:latin typeface="Calibri"/>
+                <a:ea typeface="Calibri"/>
+                <a:cs typeface="Calibri"/>
+                <a:sym typeface="Calibri"/>
+              </a:defRPr>
+            </a:lvl4pPr>
+            <a:lvl5pPr marL="2286000" marR="0" lvl="4" indent="-342900" algn="l" rtl="0">
+              <a:lnSpc>
+                <a:spcPct val="90000"/>
+              </a:lnSpc>
+              <a:spcBef>
+                <a:spcPts val="500"/>
+              </a:spcBef>
+              <a:spcAft>
+                <a:spcPts val="0"/>
+              </a:spcAft>
+              <a:buClr>
+                <a:schemeClr val="dk1"/>
+              </a:buClr>
+              <a:buSzPts val="1800"/>
+              <a:buFont typeface="Arial"/>
+              <a:buChar char="•"/>
+              <a:defRPr sz="1800" b="0" i="0" u="none" strike="noStrike" cap="none">
+                <a:solidFill>
+                  <a:schemeClr val="dk1"/>
+                </a:solidFill>
+                <a:latin typeface="Calibri"/>
+                <a:ea typeface="Calibri"/>
+                <a:cs typeface="Calibri"/>
+                <a:sym typeface="Calibri"/>
+              </a:defRPr>
+            </a:lvl5pPr>
+            <a:lvl6pPr marL="2743200" marR="0" lvl="5" indent="-342900" algn="l" rtl="0">
+              <a:lnSpc>
+                <a:spcPct val="90000"/>
+              </a:lnSpc>
+              <a:spcBef>
+                <a:spcPts val="500"/>
+              </a:spcBef>
+              <a:spcAft>
+                <a:spcPts val="0"/>
+              </a:spcAft>
+              <a:buClr>
+                <a:schemeClr val="dk1"/>
+              </a:buClr>
+              <a:buSzPts val="1800"/>
+              <a:buFont typeface="Arial"/>
+              <a:buChar char="•"/>
+              <a:defRPr sz="1800" b="0" i="0" u="none" strike="noStrike" cap="none">
+                <a:solidFill>
+                  <a:schemeClr val="dk1"/>
+                </a:solidFill>
+                <a:latin typeface="Calibri"/>
+                <a:ea typeface="Calibri"/>
+                <a:cs typeface="Calibri"/>
+                <a:sym typeface="Calibri"/>
+              </a:defRPr>
+            </a:lvl6pPr>
+            <a:lvl7pPr marL="3200400" marR="0" lvl="6" indent="-342900" algn="l" rtl="0">
+              <a:lnSpc>
+                <a:spcPct val="90000"/>
+              </a:lnSpc>
+              <a:spcBef>
+                <a:spcPts val="500"/>
+              </a:spcBef>
+              <a:spcAft>
+                <a:spcPts val="0"/>
+              </a:spcAft>
+              <a:buClr>
+                <a:schemeClr val="dk1"/>
+              </a:buClr>
+              <a:buSzPts val="1800"/>
+              <a:buFont typeface="Arial"/>
+              <a:buChar char="•"/>
+              <a:defRPr sz="1800" b="0" i="0" u="none" strike="noStrike" cap="none">
+                <a:solidFill>
+                  <a:schemeClr val="dk1"/>
+                </a:solidFill>
+                <a:latin typeface="Calibri"/>
+                <a:ea typeface="Calibri"/>
+                <a:cs typeface="Calibri"/>
+                <a:sym typeface="Calibri"/>
+              </a:defRPr>
+            </a:lvl7pPr>
+            <a:lvl8pPr marL="3657600" marR="0" lvl="7" indent="-342900" algn="l" rtl="0">
+              <a:lnSpc>
+                <a:spcPct val="90000"/>
+              </a:lnSpc>
+              <a:spcBef>
+                <a:spcPts val="500"/>
+              </a:spcBef>
+              <a:spcAft>
+                <a:spcPts val="0"/>
+              </a:spcAft>
+              <a:buClr>
+                <a:schemeClr val="dk1"/>
+              </a:buClr>
+              <a:buSzPts val="1800"/>
+              <a:buFont typeface="Arial"/>
+              <a:buChar char="•"/>
+              <a:defRPr sz="1800" b="0" i="0" u="none" strike="noStrike" cap="none">
+                <a:solidFill>
+                  <a:schemeClr val="dk1"/>
+                </a:solidFill>
+                <a:latin typeface="Calibri"/>
+                <a:ea typeface="Calibri"/>
+                <a:cs typeface="Calibri"/>
+                <a:sym typeface="Calibri"/>
+              </a:defRPr>
+            </a:lvl8pPr>
+            <a:lvl9pPr marL="4114800" marR="0" lvl="8" indent="-342900" algn="l" rtl="0">
+              <a:lnSpc>
+                <a:spcPct val="90000"/>
+              </a:lnSpc>
+              <a:spcBef>
+                <a:spcPts val="500"/>
+              </a:spcBef>
+              <a:spcAft>
+                <a:spcPts val="0"/>
+              </a:spcAft>
+              <a:buClr>
+                <a:schemeClr val="dk1"/>
+              </a:buClr>
+              <a:buSzPts val="1800"/>
+              <a:buFont typeface="Arial"/>
+              <a:buChar char="•"/>
+              <a:defRPr sz="1800" b="0" i="0" u="none" strike="noStrike" cap="none">
+                <a:solidFill>
+                  <a:schemeClr val="dk1"/>
+                </a:solidFill>
+                <a:latin typeface="Calibri"/>
+                <a:ea typeface="Calibri"/>
+                <a:cs typeface="Calibri"/>
+                <a:sym typeface="Calibri"/>
+              </a:defRPr>
+            </a:lvl9pPr>
+          </a:lstStyle>
+          <a:p>
+            <a:endParaRPr/>
+          </a:p>
+        </p:txBody>
+      </p:sp>
+      <p:sp>
+        <p:nvSpPr>
+          <p:cNvPr id="87" name="Google Shape;87;p13"/>
+          <p:cNvSpPr txBox="1">
+            <a:spLocks noGrp="1"/>
+          </p:cNvSpPr>
+          <p:nvPr>
+            <p:ph type="dt" idx="10"/>
+          </p:nvPr>
+        </p:nvSpPr>
+        <p:spPr>
+          <a:xfrm>
+            <a:off x="838200" y="6356350"/>
+            <a:ext cx="2743200" cy="365100"/>
+          </a:xfrm>
+          <a:prstGeom prst="rect">
+            <a:avLst/>
+          </a:prstGeom>
+          <a:noFill/>
+          <a:ln>
+            <a:noFill/>
+          </a:ln>
+        </p:spPr>
+        <p:txBody>
+          <a:bodyPr spcFirstLastPara="1" wrap="square" lIns="91425" tIns="45700" rIns="91425" bIns="45700" anchor="ctr" anchorCtr="0"/>
+          <a:lstStyle>
+            <a:lvl1pPr marR="0" lvl="0" algn="l" rtl="0">
+              <a:spcBef>
+                <a:spcPts val="0"/>
+              </a:spcBef>
+              <a:spcAft>
+                <a:spcPts val="0"/>
+              </a:spcAft>
+              <a:buSzPts val="1400"/>
+              <a:buNone/>
+              <a:defRPr sz="1200" b="0" i="0" u="none" strike="noStrike" cap="none">
+                <a:solidFill>
+                  <a:srgbClr val="888888"/>
+                </a:solidFill>
+                <a:latin typeface="Calibri"/>
+                <a:ea typeface="Calibri"/>
+                <a:cs typeface="Calibri"/>
+                <a:sym typeface="Calibri"/>
+              </a:defRPr>
+            </a:lvl1pPr>
+            <a:lvl2pPr marR="0" lvl="1" algn="l" rtl="0">
+              <a:spcBef>
+                <a:spcPts val="0"/>
+              </a:spcBef>
+              <a:spcAft>
+                <a:spcPts val="0"/>
+              </a:spcAft>
+              <a:buSzPts val="1400"/>
+              <a:buNone/>
+              <a:defRPr sz="1800" b="0" i="0" u="none" strike="noStrike" cap="none">
+                <a:solidFill>
+                  <a:schemeClr val="dk1"/>
+                </a:solidFill>
+                <a:latin typeface="Calibri"/>
+                <a:ea typeface="Calibri"/>
+                <a:cs typeface="Calibri"/>
+                <a:sym typeface="Calibri"/>
+              </a:defRPr>
+            </a:lvl2pPr>
+            <a:lvl3pPr marR="0" lvl="2" algn="l" rtl="0">
+              <a:spcBef>
+                <a:spcPts val="0"/>
+              </a:spcBef>
+              <a:spcAft>
+                <a:spcPts val="0"/>
+              </a:spcAft>
+              <a:buSzPts val="1400"/>
+              <a:buNone/>
+              <a:defRPr sz="1800" b="0" i="0" u="none" strike="noStrike" cap="none">
+                <a:solidFill>
+                  <a:schemeClr val="dk1"/>
+                </a:solidFill>
+                <a:latin typeface="Calibri"/>
+                <a:ea typeface="Calibri"/>
+                <a:cs typeface="Calibri"/>
+                <a:sym typeface="Calibri"/>
+              </a:defRPr>
+            </a:lvl3pPr>
+            <a:lvl4pPr marR="0" lvl="3" algn="l" rtl="0">
+              <a:spcBef>
+                <a:spcPts val="0"/>
+              </a:spcBef>
+              <a:spcAft>
+                <a:spcPts val="0"/>
+              </a:spcAft>
+              <a:buSzPts val="1400"/>
+              <a:buNone/>
+              <a:defRPr sz="1800" b="0" i="0" u="none" strike="noStrike" cap="none">
+                <a:solidFill>
+                  <a:schemeClr val="dk1"/>
+                </a:solidFill>
+                <a:latin typeface="Calibri"/>
+                <a:ea typeface="Calibri"/>
+                <a:cs typeface="Calibri"/>
+                <a:sym typeface="Calibri"/>
+              </a:defRPr>
+            </a:lvl4pPr>
+            <a:lvl5pPr marR="0" lvl="4" algn="l" rtl="0">
+              <a:spcBef>
+                <a:spcPts val="0"/>
+              </a:spcBef>
+              <a:spcAft>
+                <a:spcPts val="0"/>
+              </a:spcAft>
+              <a:buSzPts val="1400"/>
+              <a:buNone/>
+              <a:defRPr sz="1800" b="0" i="0" u="none" strike="noStrike" cap="none">
+                <a:solidFill>
+                  <a:schemeClr val="dk1"/>
+                </a:solidFill>
+                <a:latin typeface="Calibri"/>
+                <a:ea typeface="Calibri"/>
+                <a:cs typeface="Calibri"/>
+                <a:sym typeface="Calibri"/>
+              </a:defRPr>
+            </a:lvl5pPr>
+            <a:lvl6pPr marR="0" lvl="5" algn="l" rtl="0">
+              <a:spcBef>
+                <a:spcPts val="0"/>
+              </a:spcBef>
+              <a:spcAft>
+                <a:spcPts val="0"/>
+              </a:spcAft>
+              <a:buSzPts val="1400"/>
+              <a:buNone/>
+              <a:defRPr sz="1800" b="0" i="0" u="none" strike="noStrike" cap="none">
+                <a:solidFill>
+                  <a:schemeClr val="dk1"/>
+                </a:solidFill>
+                <a:latin typeface="Calibri"/>
+                <a:ea typeface="Calibri"/>
+                <a:cs typeface="Calibri"/>
+                <a:sym typeface="Calibri"/>
+              </a:defRPr>
+            </a:lvl6pPr>
+            <a:lvl7pPr marR="0" lvl="6" algn="l" rtl="0">
+              <a:spcBef>
+                <a:spcPts val="0"/>
+              </a:spcBef>
+              <a:spcAft>
+                <a:spcPts val="0"/>
+              </a:spcAft>
+              <a:buSzPts val="1400"/>
+              <a:buNone/>
+              <a:defRPr sz="1800" b="0" i="0" u="none" strike="noStrike" cap="none">
+                <a:solidFill>
+                  <a:schemeClr val="dk1"/>
+                </a:solidFill>
+                <a:latin typeface="Calibri"/>
+                <a:ea typeface="Calibri"/>
+                <a:cs typeface="Calibri"/>
+                <a:sym typeface="Calibri"/>
+              </a:defRPr>
+            </a:lvl7pPr>
+            <a:lvl8pPr marR="0" lvl="7" algn="l" rtl="0">
+              <a:spcBef>
+                <a:spcPts val="0"/>
+              </a:spcBef>
+              <a:spcAft>
+                <a:spcPts val="0"/>
+              </a:spcAft>
+              <a:buSzPts val="1400"/>
+              <a:buNone/>
+              <a:defRPr sz="1800" b="0" i="0" u="none" strike="noStrike" cap="none">
+                <a:solidFill>
+                  <a:schemeClr val="dk1"/>
+                </a:solidFill>
+                <a:latin typeface="Calibri"/>
+                <a:ea typeface="Calibri"/>
+                <a:cs typeface="Calibri"/>
+                <a:sym typeface="Calibri"/>
+              </a:defRPr>
+            </a:lvl8pPr>
+            <a:lvl9pPr marR="0" lvl="8" algn="l" rtl="0">
+              <a:spcBef>
+                <a:spcPts val="0"/>
+              </a:spcBef>
+              <a:spcAft>
+                <a:spcPts val="0"/>
+              </a:spcAft>
+              <a:buSzPts val="1400"/>
+              <a:buNone/>
+              <a:defRPr sz="1800" b="0" i="0" u="none" strike="noStrike" cap="none">
+                <a:solidFill>
+                  <a:schemeClr val="dk1"/>
+                </a:solidFill>
+                <a:latin typeface="Calibri"/>
+                <a:ea typeface="Calibri"/>
+                <a:cs typeface="Calibri"/>
+                <a:sym typeface="Calibri"/>
+              </a:defRPr>
+            </a:lvl9pPr>
+          </a:lstStyle>
+          <a:p>
+            <a:endParaRPr/>
+          </a:p>
+        </p:txBody>
+      </p:sp>
+      <p:sp>
+        <p:nvSpPr>
+          <p:cNvPr id="88" name="Google Shape;88;p13"/>
+          <p:cNvSpPr txBox="1">
+            <a:spLocks noGrp="1"/>
+          </p:cNvSpPr>
+          <p:nvPr>
+            <p:ph type="ftr" idx="11"/>
+          </p:nvPr>
+        </p:nvSpPr>
+        <p:spPr>
+          <a:xfrm>
+            <a:off x="4038600" y="6356350"/>
+            <a:ext cx="4114800" cy="365100"/>
+          </a:xfrm>
+          <a:prstGeom prst="rect">
+            <a:avLst/>
+          </a:prstGeom>
+          <a:noFill/>
+          <a:ln>
+            <a:noFill/>
+          </a:ln>
+        </p:spPr>
+        <p:txBody>
+          <a:bodyPr spcFirstLastPara="1" wrap="square" lIns="91425" tIns="45700" rIns="91425" bIns="45700" anchor="ctr" anchorCtr="0"/>
+          <a:lstStyle>
+            <a:lvl1pPr marR="0" lvl="0" algn="ctr" rtl="0">
+              <a:spcBef>
+                <a:spcPts val="0"/>
+              </a:spcBef>
+              <a:spcAft>
+                <a:spcPts val="0"/>
+              </a:spcAft>
+              <a:buSzPts val="1400"/>
+              <a:buNone/>
+              <a:defRPr sz="1200" b="0" i="0" u="none" strike="noStrike" cap="none">
+                <a:solidFill>
+                  <a:srgbClr val="888888"/>
+                </a:solidFill>
+                <a:latin typeface="Calibri"/>
+                <a:ea typeface="Calibri"/>
+                <a:cs typeface="Calibri"/>
+                <a:sym typeface="Calibri"/>
+              </a:defRPr>
+            </a:lvl1pPr>
+            <a:lvl2pPr marR="0" lvl="1" algn="l" rtl="0">
+              <a:spcBef>
+                <a:spcPts val="0"/>
+              </a:spcBef>
+              <a:spcAft>
+                <a:spcPts val="0"/>
+              </a:spcAft>
+              <a:buSzPts val="1400"/>
+              <a:buNone/>
+              <a:defRPr sz="1800" b="0" i="0" u="none" strike="noStrike" cap="none">
+                <a:solidFill>
+                  <a:schemeClr val="dk1"/>
+                </a:solidFill>
+                <a:latin typeface="Calibri"/>
+                <a:ea typeface="Calibri"/>
+                <a:cs typeface="Calibri"/>
+                <a:sym typeface="Calibri"/>
+              </a:defRPr>
+            </a:lvl2pPr>
+            <a:lvl3pPr marR="0" lvl="2" algn="l" rtl="0">
+              <a:spcBef>
+                <a:spcPts val="0"/>
+              </a:spcBef>
+              <a:spcAft>
+                <a:spcPts val="0"/>
+              </a:spcAft>
+              <a:buSzPts val="1400"/>
+              <a:buNone/>
+              <a:defRPr sz="1800" b="0" i="0" u="none" strike="noStrike" cap="none">
+                <a:solidFill>
+                  <a:schemeClr val="dk1"/>
+                </a:solidFill>
+                <a:latin typeface="Calibri"/>
+                <a:ea typeface="Calibri"/>
+                <a:cs typeface="Calibri"/>
+                <a:sym typeface="Calibri"/>
+              </a:defRPr>
+            </a:lvl3pPr>
+            <a:lvl4pPr marR="0" lvl="3" algn="l" rtl="0">
+              <a:spcBef>
+                <a:spcPts val="0"/>
+              </a:spcBef>
+              <a:spcAft>
+                <a:spcPts val="0"/>
+              </a:spcAft>
+              <a:buSzPts val="1400"/>
+              <a:buNone/>
+              <a:defRPr sz="1800" b="0" i="0" u="none" strike="noStrike" cap="none">
+                <a:solidFill>
+                  <a:schemeClr val="dk1"/>
+                </a:solidFill>
+                <a:latin typeface="Calibri"/>
+                <a:ea typeface="Calibri"/>
+                <a:cs typeface="Calibri"/>
+                <a:sym typeface="Calibri"/>
+              </a:defRPr>
+            </a:lvl4pPr>
+            <a:lvl5pPr marR="0" lvl="4" algn="l" rtl="0">
+              <a:spcBef>
+                <a:spcPts val="0"/>
+              </a:spcBef>
+              <a:spcAft>
+                <a:spcPts val="0"/>
+              </a:spcAft>
+              <a:buSzPts val="1400"/>
+              <a:buNone/>
+              <a:defRPr sz="1800" b="0" i="0" u="none" strike="noStrike" cap="none">
+                <a:solidFill>
+                  <a:schemeClr val="dk1"/>
+                </a:solidFill>
+                <a:latin typeface="Calibri"/>
+                <a:ea typeface="Calibri"/>
+                <a:cs typeface="Calibri"/>
+                <a:sym typeface="Calibri"/>
+              </a:defRPr>
+            </a:lvl5pPr>
+            <a:lvl6pPr marR="0" lvl="5" algn="l" rtl="0">
+              <a:spcBef>
+                <a:spcPts val="0"/>
+              </a:spcBef>
+              <a:spcAft>
+                <a:spcPts val="0"/>
+              </a:spcAft>
+              <a:buSzPts val="1400"/>
+              <a:buNone/>
+              <a:defRPr sz="1800" b="0" i="0" u="none" strike="noStrike" cap="none">
+                <a:solidFill>
+                  <a:schemeClr val="dk1"/>
+                </a:solidFill>
+                <a:latin typeface="Calibri"/>
+                <a:ea typeface="Calibri"/>
+                <a:cs typeface="Calibri"/>
+                <a:sym typeface="Calibri"/>
+              </a:defRPr>
+            </a:lvl6pPr>
+            <a:lvl7pPr marR="0" lvl="6" algn="l" rtl="0">
+              <a:spcBef>
+                <a:spcPts val="0"/>
+              </a:spcBef>
+              <a:spcAft>
+                <a:spcPts val="0"/>
+              </a:spcAft>
+              <a:buSzPts val="1400"/>
+              <a:buNone/>
+              <a:defRPr sz="1800" b="0" i="0" u="none" strike="noStrike" cap="none">
+                <a:solidFill>
+                  <a:schemeClr val="dk1"/>
+                </a:solidFill>
+                <a:latin typeface="Calibri"/>
+                <a:ea typeface="Calibri"/>
+                <a:cs typeface="Calibri"/>
+                <a:sym typeface="Calibri"/>
+              </a:defRPr>
+            </a:lvl7pPr>
+            <a:lvl8pPr marR="0" lvl="7" algn="l" rtl="0">
+              <a:spcBef>
+                <a:spcPts val="0"/>
+              </a:spcBef>
+              <a:spcAft>
+                <a:spcPts val="0"/>
+              </a:spcAft>
+              <a:buSzPts val="1400"/>
+              <a:buNone/>
+              <a:defRPr sz="1800" b="0" i="0" u="none" strike="noStrike" cap="none">
+                <a:solidFill>
+                  <a:schemeClr val="dk1"/>
+                </a:solidFill>
+                <a:latin typeface="Calibri"/>
+                <a:ea typeface="Calibri"/>
+                <a:cs typeface="Calibri"/>
+                <a:sym typeface="Calibri"/>
+              </a:defRPr>
+            </a:lvl8pPr>
+            <a:lvl9pPr marR="0" lvl="8" algn="l" rtl="0">
+              <a:spcBef>
+                <a:spcPts val="0"/>
+              </a:spcBef>
+              <a:spcAft>
+                <a:spcPts val="0"/>
+              </a:spcAft>
+              <a:buSzPts val="1400"/>
+              <a:buNone/>
+              <a:defRPr sz="1800" b="0" i="0" u="none" strike="noStrike" cap="none">
+                <a:solidFill>
+                  <a:schemeClr val="dk1"/>
+                </a:solidFill>
+                <a:latin typeface="Calibri"/>
+                <a:ea typeface="Calibri"/>
+                <a:cs typeface="Calibri"/>
+                <a:sym typeface="Calibri"/>
+              </a:defRPr>
+            </a:lvl9pPr>
+          </a:lstStyle>
+          <a:p>
+            <a:endParaRPr/>
+          </a:p>
+        </p:txBody>
+      </p:sp>
+      <p:sp>
+        <p:nvSpPr>
+          <p:cNvPr id="89" name="Google Shape;89;p13"/>
           <p:cNvSpPr txBox="1">
             <a:spLocks noGrp="1"/>
           </p:cNvSpPr>
@@ -18065,15 +17374,14 @@
   <p:clrMap bg1="lt1" tx1="dk1" bg2="dk2" tx2="lt2" accent1="accent1" accent2="accent2" accent3="accent3" accent4="accent4" accent5="accent5" accent6="accent6" hlink="hlink" folHlink="folHlink"/>
   <p:sldLayoutIdLst>
     <p:sldLayoutId id="2147483649" r:id="rId1"/>
-    <p:sldLayoutId id="2147483651" r:id="rId2"/>
-    <p:sldLayoutId id="2147483652" r:id="rId3"/>
-    <p:sldLayoutId id="2147483653" r:id="rId4"/>
-    <p:sldLayoutId id="2147483654" r:id="rId5"/>
-    <p:sldLayoutId id="2147483655" r:id="rId6"/>
-    <p:sldLayoutId id="2147483656" r:id="rId7"/>
-    <p:sldLayoutId id="2147483657" r:id="rId8"/>
-    <p:sldLayoutId id="2147483658" r:id="rId9"/>
-    <p:sldLayoutId id="2147483659" r:id="rId10"/>
+    <p:sldLayoutId id="2147483652" r:id="rId2"/>
+    <p:sldLayoutId id="2147483653" r:id="rId3"/>
+    <p:sldLayoutId id="2147483654" r:id="rId4"/>
+    <p:sldLayoutId id="2147483655" r:id="rId5"/>
+    <p:sldLayoutId id="2147483656" r:id="rId6"/>
+    <p:sldLayoutId id="2147483657" r:id="rId7"/>
+    <p:sldLayoutId id="2147483658" r:id="rId8"/>
+    <p:sldLayoutId id="2147483659" r:id="rId9"/>
   </p:sldLayoutIdLst>
   <p:hf sldNum="0" hdr="0" ftr="0" dt="0"/>
   <p:txStyles>
@@ -22094,6 +21402,748 @@
     <p:extLst>
       <p:ext uri="{BB962C8B-B14F-4D97-AF65-F5344CB8AC3E}">
         <p14:creationId xmlns:p14="http://schemas.microsoft.com/office/powerpoint/2010/main" val="3116038192"/>
+      </p:ext>
+    </p:extLst>
+  </p:cSld>
+  <p:clrMapOvr>
+    <a:masterClrMapping/>
+  </p:clrMapOvr>
+</p:sld>
+</file>
+
+<file path=ppt/slides/slide9.xml><?xml version="1.0" encoding="utf-8"?>
+<p:sld xmlns:a="http://schemas.openxmlformats.org/drawingml/2006/main" xmlns:r="http://schemas.openxmlformats.org/officeDocument/2006/relationships" xmlns:p="http://schemas.openxmlformats.org/presentationml/2006/main">
+  <p:cSld>
+    <p:bg>
+      <p:bgPr>
+        <a:solidFill>
+          <a:schemeClr val="lt1"/>
+        </a:solidFill>
+        <a:effectLst/>
+      </p:bgPr>
+    </p:bg>
+    <p:spTree>
+      <p:nvGrpSpPr>
+        <p:cNvPr id="1" name="Shape 121"/>
+        <p:cNvGrpSpPr/>
+        <p:nvPr/>
+      </p:nvGrpSpPr>
+      <p:grpSpPr>
+        <a:xfrm>
+          <a:off x="0" y="0"/>
+          <a:ext cx="0" cy="0"/>
+          <a:chOff x="0" y="0"/>
+          <a:chExt cx="0" cy="0"/>
+        </a:xfrm>
+      </p:grpSpPr>
+      <p:sp>
+        <p:nvSpPr>
+          <p:cNvPr id="122" name="Google Shape;122;p17"/>
+          <p:cNvSpPr/>
+          <p:nvPr/>
+        </p:nvSpPr>
+        <p:spPr>
+          <a:xfrm>
+            <a:off x="321564" y="320040"/>
+            <a:ext cx="11548800" cy="6217800"/>
+          </a:xfrm>
+          <a:prstGeom prst="rect">
+            <a:avLst/>
+          </a:prstGeom>
+          <a:solidFill>
+            <a:schemeClr val="dk1">
+              <a:alpha val="7840"/>
+            </a:schemeClr>
+          </a:solidFill>
+          <a:ln>
+            <a:noFill/>
+          </a:ln>
+        </p:spPr>
+        <p:txBody>
+          <a:bodyPr spcFirstLastPara="1" wrap="square" lIns="91425" tIns="45700" rIns="91425" bIns="45700" anchor="ctr" anchorCtr="0">
+            <a:noAutofit/>
+          </a:bodyPr>
+          <a:lstStyle/>
+          <a:p>
+            <a:pPr marL="0" marR="0" lvl="0" indent="0" algn="ctr" rtl="0">
+              <a:spcBef>
+                <a:spcPts val="0"/>
+              </a:spcBef>
+              <a:spcAft>
+                <a:spcPts val="0"/>
+              </a:spcAft>
+              <a:buNone/>
+            </a:pPr>
+            <a:endParaRPr sz="1800" b="0" i="0" u="none" strike="noStrike" cap="none">
+              <a:solidFill>
+                <a:schemeClr val="lt1"/>
+              </a:solidFill>
+              <a:latin typeface="Calibri"/>
+              <a:ea typeface="Calibri"/>
+              <a:cs typeface="Calibri"/>
+              <a:sym typeface="Calibri"/>
+            </a:endParaRPr>
+          </a:p>
+        </p:txBody>
+      </p:sp>
+      <p:sp>
+        <p:nvSpPr>
+          <p:cNvPr id="123" name="Google Shape;123;p17"/>
+          <p:cNvSpPr txBox="1"/>
+          <p:nvPr/>
+        </p:nvSpPr>
+        <p:spPr>
+          <a:xfrm>
+            <a:off x="838200" y="963877"/>
+            <a:ext cx="3494362" cy="4930246"/>
+          </a:xfrm>
+          <a:prstGeom prst="rect">
+            <a:avLst/>
+          </a:prstGeom>
+          <a:noFill/>
+          <a:ln>
+            <a:noFill/>
+          </a:ln>
+        </p:spPr>
+        <p:txBody>
+          <a:bodyPr spcFirstLastPara="1" wrap="square" lIns="91425" tIns="45700" rIns="91425" bIns="45700" anchor="ctr" anchorCtr="0">
+            <a:noAutofit/>
+          </a:bodyPr>
+          <a:lstStyle/>
+          <a:p>
+            <a:pPr marL="0" marR="0" lvl="0" indent="0" algn="r" rtl="0">
+              <a:lnSpc>
+                <a:spcPct val="90000"/>
+              </a:lnSpc>
+              <a:spcBef>
+                <a:spcPts val="0"/>
+              </a:spcBef>
+              <a:spcAft>
+                <a:spcPts val="0"/>
+              </a:spcAft>
+              <a:buNone/>
+            </a:pPr>
+            <a:r>
+              <a:rPr lang="en-US" sz="4400" b="0" i="0" u="none" strike="noStrike" cap="none" dirty="0">
+                <a:solidFill>
+                  <a:schemeClr val="accent1"/>
+                </a:solidFill>
+                <a:latin typeface="Calibri"/>
+                <a:ea typeface="Calibri"/>
+                <a:cs typeface="Calibri"/>
+                <a:sym typeface="Calibri"/>
+              </a:rPr>
+              <a:t>Course Overview</a:t>
+            </a:r>
+            <a:endParaRPr sz="4400" b="0" i="0" u="none" strike="noStrike" cap="none" dirty="0">
+              <a:solidFill>
+                <a:schemeClr val="accent1"/>
+              </a:solidFill>
+              <a:latin typeface="Calibri"/>
+              <a:ea typeface="Calibri"/>
+              <a:cs typeface="Calibri"/>
+              <a:sym typeface="Calibri"/>
+            </a:endParaRPr>
+          </a:p>
+        </p:txBody>
+      </p:sp>
+      <p:cxnSp>
+        <p:nvCxnSpPr>
+          <p:cNvPr id="124" name="Google Shape;124;p17"/>
+          <p:cNvCxnSpPr/>
+          <p:nvPr/>
+        </p:nvCxnSpPr>
+        <p:spPr>
+          <a:xfrm>
+            <a:off x="4654296" y="2057400"/>
+            <a:ext cx="0" cy="2743200"/>
+          </a:xfrm>
+          <a:prstGeom prst="straightConnector1">
+            <a:avLst/>
+          </a:prstGeom>
+          <a:noFill/>
+          <a:ln w="19050" cap="flat" cmpd="sng">
+            <a:solidFill>
+              <a:srgbClr val="262626"/>
+            </a:solidFill>
+            <a:prstDash val="solid"/>
+            <a:miter lim="800000"/>
+            <a:headEnd type="none" w="sm" len="sm"/>
+            <a:tailEnd type="none" w="sm" len="sm"/>
+          </a:ln>
+        </p:spPr>
+      </p:cxnSp>
+      <p:sp>
+        <p:nvSpPr>
+          <p:cNvPr id="125" name="Google Shape;125;p17"/>
+          <p:cNvSpPr txBox="1"/>
+          <p:nvPr/>
+        </p:nvSpPr>
+        <p:spPr>
+          <a:xfrm>
+            <a:off x="4976031" y="1607594"/>
+            <a:ext cx="6377769" cy="4930246"/>
+          </a:xfrm>
+          <a:prstGeom prst="rect">
+            <a:avLst/>
+          </a:prstGeom>
+          <a:noFill/>
+          <a:ln>
+            <a:noFill/>
+          </a:ln>
+        </p:spPr>
+        <p:txBody>
+          <a:bodyPr spcFirstLastPara="1" wrap="square" lIns="91425" tIns="45700" rIns="91425" bIns="45700" anchor="ctr" anchorCtr="0">
+            <a:noAutofit/>
+          </a:bodyPr>
+          <a:lstStyle/>
+          <a:p>
+            <a:pPr marL="285750" marR="0" lvl="0" indent="-228600" algn="l" rtl="0">
+              <a:lnSpc>
+                <a:spcPct val="90000"/>
+              </a:lnSpc>
+              <a:spcBef>
+                <a:spcPts val="0"/>
+              </a:spcBef>
+              <a:spcAft>
+                <a:spcPts val="0"/>
+              </a:spcAft>
+              <a:buClr>
+                <a:schemeClr val="dk1"/>
+              </a:buClr>
+              <a:buSzPts val="2400"/>
+              <a:buFont typeface="Arial"/>
+              <a:buChar char="•"/>
+            </a:pPr>
+            <a:endParaRPr dirty="0"/>
+          </a:p>
+          <a:p>
+            <a:pPr marL="552450" indent="-342900">
+              <a:lnSpc>
+                <a:spcPct val="90000"/>
+              </a:lnSpc>
+              <a:spcBef>
+                <a:spcPts val="600"/>
+              </a:spcBef>
+              <a:buClr>
+                <a:schemeClr val="dk1"/>
+              </a:buClr>
+              <a:buSzPts val="2400"/>
+              <a:buFont typeface="Arial" panose="020B0604020202020204" pitchFamily="34" charset="0"/>
+              <a:buChar char="•"/>
+            </a:pPr>
+            <a:r>
+              <a:rPr lang="en-NZ" sz="2400" dirty="0">
+                <a:latin typeface="Calibri" panose="020F0502020204030204" pitchFamily="34" charset="0"/>
+                <a:cs typeface="Calibri" panose="020F0502020204030204" pitchFamily="34" charset="0"/>
+              </a:rPr>
+              <a:t>XCode, Debugging, Source Control </a:t>
+            </a:r>
+          </a:p>
+          <a:p>
+            <a:pPr marL="552450" indent="-342900">
+              <a:lnSpc>
+                <a:spcPct val="90000"/>
+              </a:lnSpc>
+              <a:spcBef>
+                <a:spcPts val="600"/>
+              </a:spcBef>
+              <a:buClr>
+                <a:schemeClr val="dk1"/>
+              </a:buClr>
+              <a:buSzPts val="2400"/>
+              <a:buFont typeface="Arial" panose="020B0604020202020204" pitchFamily="34" charset="0"/>
+              <a:buChar char="•"/>
+            </a:pPr>
+            <a:r>
+              <a:rPr lang="en-NZ" sz="2400" dirty="0">
+                <a:latin typeface="Calibri" panose="020F0502020204030204" pitchFamily="34" charset="0"/>
+                <a:cs typeface="Calibri" panose="020F0502020204030204" pitchFamily="34" charset="0"/>
+              </a:rPr>
+              <a:t>Classes, Collections, Loops</a:t>
+            </a:r>
+          </a:p>
+          <a:p>
+            <a:pPr marL="552450" marR="0" lvl="0" indent="-342900" algn="l" rtl="0">
+              <a:lnSpc>
+                <a:spcPct val="90000"/>
+              </a:lnSpc>
+              <a:spcBef>
+                <a:spcPts val="600"/>
+              </a:spcBef>
+              <a:spcAft>
+                <a:spcPts val="0"/>
+              </a:spcAft>
+              <a:buClr>
+                <a:schemeClr val="dk1"/>
+              </a:buClr>
+              <a:buSzPts val="2400"/>
+              <a:buFont typeface="Arial" panose="020B0604020202020204" pitchFamily="34" charset="0"/>
+              <a:buChar char="•"/>
+            </a:pPr>
+            <a:r>
+              <a:rPr lang="en-US" sz="2400" b="0" i="0" u="none" strike="noStrike" cap="none" dirty="0">
+                <a:solidFill>
+                  <a:schemeClr val="dk1"/>
+                </a:solidFill>
+                <a:latin typeface="Calibri"/>
+                <a:ea typeface="Calibri"/>
+                <a:cs typeface="Calibri"/>
+                <a:sym typeface="Calibri"/>
+              </a:rPr>
+              <a:t>Displa</a:t>
+            </a:r>
+            <a:r>
+              <a:rPr lang="en-US" sz="2400" dirty="0">
+                <a:solidFill>
+                  <a:schemeClr val="dk1"/>
+                </a:solidFill>
+                <a:latin typeface="Calibri"/>
+                <a:ea typeface="Calibri"/>
+                <a:cs typeface="Calibri"/>
+                <a:sym typeface="Calibri"/>
+              </a:rPr>
+              <a:t>y Data, Auto Layout</a:t>
+            </a:r>
+          </a:p>
+          <a:p>
+            <a:pPr marL="552450" marR="0" lvl="0" indent="-342900" algn="l" rtl="0">
+              <a:lnSpc>
+                <a:spcPct val="90000"/>
+              </a:lnSpc>
+              <a:spcBef>
+                <a:spcPts val="600"/>
+              </a:spcBef>
+              <a:spcAft>
+                <a:spcPts val="0"/>
+              </a:spcAft>
+              <a:buClr>
+                <a:schemeClr val="dk1"/>
+              </a:buClr>
+              <a:buSzPts val="2400"/>
+              <a:buFont typeface="Arial" panose="020B0604020202020204" pitchFamily="34" charset="0"/>
+              <a:buChar char="•"/>
+            </a:pPr>
+            <a:r>
+              <a:rPr lang="en-US" sz="2400" b="0" i="0" u="none" strike="noStrike" cap="none" dirty="0" err="1">
+                <a:solidFill>
+                  <a:schemeClr val="dk1"/>
+                </a:solidFill>
+                <a:latin typeface="Calibri"/>
+                <a:ea typeface="Calibri"/>
+                <a:cs typeface="Calibri"/>
+                <a:sym typeface="Calibri"/>
+              </a:rPr>
+              <a:t>Option</a:t>
+            </a:r>
+            <a:r>
+              <a:rPr lang="en-US" sz="2400" dirty="0" err="1">
+                <a:solidFill>
+                  <a:schemeClr val="dk1"/>
+                </a:solidFill>
+                <a:latin typeface="Calibri"/>
+                <a:ea typeface="Calibri"/>
+                <a:cs typeface="Calibri"/>
+                <a:sym typeface="Calibri"/>
+              </a:rPr>
+              <a:t>als</a:t>
+            </a:r>
+            <a:r>
+              <a:rPr lang="en-US" sz="2400" dirty="0">
+                <a:solidFill>
+                  <a:schemeClr val="dk1"/>
+                </a:solidFill>
+                <a:latin typeface="Calibri"/>
+                <a:ea typeface="Calibri"/>
+                <a:cs typeface="Calibri"/>
+                <a:sym typeface="Calibri"/>
+              </a:rPr>
+              <a:t>, Type casting</a:t>
+            </a:r>
+          </a:p>
+          <a:p>
+            <a:pPr marL="552450" marR="0" lvl="0" indent="-342900" algn="l" rtl="0">
+              <a:lnSpc>
+                <a:spcPct val="90000"/>
+              </a:lnSpc>
+              <a:spcBef>
+                <a:spcPts val="600"/>
+              </a:spcBef>
+              <a:spcAft>
+                <a:spcPts val="0"/>
+              </a:spcAft>
+              <a:buClr>
+                <a:schemeClr val="dk1"/>
+              </a:buClr>
+              <a:buSzPts val="2400"/>
+              <a:buFont typeface="Arial" panose="020B0604020202020204" pitchFamily="34" charset="0"/>
+              <a:buChar char="•"/>
+            </a:pPr>
+            <a:r>
+              <a:rPr lang="en-US" sz="2400" b="0" i="0" u="none" strike="noStrike" cap="none" dirty="0">
+                <a:solidFill>
+                  <a:schemeClr val="dk1"/>
+                </a:solidFill>
+                <a:latin typeface="Calibri"/>
+                <a:ea typeface="Calibri"/>
+                <a:cs typeface="Calibri"/>
+                <a:sym typeface="Calibri"/>
+              </a:rPr>
+              <a:t>Guard</a:t>
+            </a:r>
+            <a:r>
+              <a:rPr lang="en-US" sz="2400" dirty="0">
+                <a:solidFill>
+                  <a:schemeClr val="dk1"/>
+                </a:solidFill>
+                <a:latin typeface="Calibri"/>
+                <a:ea typeface="Calibri"/>
+                <a:cs typeface="Calibri"/>
+                <a:sym typeface="Calibri"/>
+              </a:rPr>
+              <a:t> statements, API structure </a:t>
+            </a:r>
+          </a:p>
+          <a:p>
+            <a:pPr marL="552450" marR="0" lvl="0" indent="-342900" algn="l" rtl="0">
+              <a:lnSpc>
+                <a:spcPct val="90000"/>
+              </a:lnSpc>
+              <a:spcBef>
+                <a:spcPts val="600"/>
+              </a:spcBef>
+              <a:spcAft>
+                <a:spcPts val="0"/>
+              </a:spcAft>
+              <a:buClr>
+                <a:schemeClr val="dk1"/>
+              </a:buClr>
+              <a:buSzPts val="2400"/>
+              <a:buFont typeface="Arial" panose="020B0604020202020204" pitchFamily="34" charset="0"/>
+              <a:buChar char="•"/>
+            </a:pPr>
+            <a:r>
+              <a:rPr lang="en-US" sz="2400" b="0" i="0" u="none" strike="noStrike" cap="none" dirty="0">
+                <a:solidFill>
+                  <a:schemeClr val="dk1"/>
+                </a:solidFill>
+                <a:latin typeface="Calibri"/>
+                <a:ea typeface="Calibri"/>
+                <a:cs typeface="Calibri"/>
+                <a:sym typeface="Calibri"/>
+              </a:rPr>
+              <a:t>Scope</a:t>
+            </a:r>
+            <a:r>
+              <a:rPr lang="en-US" sz="2400" dirty="0">
+                <a:solidFill>
+                  <a:schemeClr val="dk1"/>
+                </a:solidFill>
+                <a:latin typeface="Calibri"/>
+                <a:ea typeface="Calibri"/>
+                <a:cs typeface="Calibri"/>
+                <a:sym typeface="Calibri"/>
+              </a:rPr>
+              <a:t>, Segue </a:t>
+            </a:r>
+            <a:r>
+              <a:rPr lang="en-US" sz="2400" dirty="0" err="1">
+                <a:solidFill>
+                  <a:schemeClr val="dk1"/>
+                </a:solidFill>
+                <a:latin typeface="Calibri"/>
+                <a:ea typeface="Calibri"/>
+                <a:cs typeface="Calibri"/>
+                <a:sym typeface="Calibri"/>
+              </a:rPr>
+              <a:t>Enums</a:t>
+            </a:r>
+            <a:endParaRPr lang="en-US" sz="2400" dirty="0">
+              <a:solidFill>
+                <a:schemeClr val="dk1"/>
+              </a:solidFill>
+              <a:latin typeface="Calibri"/>
+              <a:ea typeface="Calibri"/>
+              <a:cs typeface="Calibri"/>
+              <a:sym typeface="Calibri"/>
+            </a:endParaRPr>
+          </a:p>
+          <a:p>
+            <a:pPr marL="552450" marR="0" lvl="0" indent="-342900" algn="l" rtl="0">
+              <a:lnSpc>
+                <a:spcPct val="90000"/>
+              </a:lnSpc>
+              <a:spcBef>
+                <a:spcPts val="600"/>
+              </a:spcBef>
+              <a:spcAft>
+                <a:spcPts val="0"/>
+              </a:spcAft>
+              <a:buClr>
+                <a:schemeClr val="dk1"/>
+              </a:buClr>
+              <a:buSzPts val="2400"/>
+              <a:buFont typeface="Arial" panose="020B0604020202020204" pitchFamily="34" charset="0"/>
+              <a:buChar char="•"/>
+            </a:pPr>
+            <a:r>
+              <a:rPr lang="en-US" sz="2400" dirty="0">
+                <a:solidFill>
+                  <a:schemeClr val="dk1"/>
+                </a:solidFill>
+                <a:latin typeface="Calibri"/>
+                <a:ea typeface="Calibri"/>
+                <a:cs typeface="Calibri"/>
+                <a:sym typeface="Calibri"/>
+              </a:rPr>
+              <a:t>Tab bar controller, View controller</a:t>
+            </a:r>
+          </a:p>
+          <a:p>
+            <a:pPr marL="552450" marR="0" lvl="0" indent="-342900" algn="l" rtl="0">
+              <a:lnSpc>
+                <a:spcPct val="90000"/>
+              </a:lnSpc>
+              <a:spcBef>
+                <a:spcPts val="600"/>
+              </a:spcBef>
+              <a:spcAft>
+                <a:spcPts val="0"/>
+              </a:spcAft>
+              <a:buClr>
+                <a:schemeClr val="dk1"/>
+              </a:buClr>
+              <a:buSzPts val="2400"/>
+              <a:buFont typeface="Arial" panose="020B0604020202020204" pitchFamily="34" charset="0"/>
+              <a:buChar char="•"/>
+            </a:pPr>
+            <a:r>
+              <a:rPr lang="en-US" sz="2400" dirty="0">
+                <a:solidFill>
+                  <a:schemeClr val="dk1"/>
+                </a:solidFill>
+                <a:latin typeface="Calibri"/>
+                <a:ea typeface="Calibri"/>
+                <a:cs typeface="Calibri"/>
+                <a:sym typeface="Calibri"/>
+              </a:rPr>
+              <a:t>Protocols, App lifecycle</a:t>
+            </a:r>
+          </a:p>
+          <a:p>
+            <a:pPr marL="552450" marR="0" lvl="0" indent="-342900" algn="l" rtl="0">
+              <a:lnSpc>
+                <a:spcPct val="90000"/>
+              </a:lnSpc>
+              <a:spcBef>
+                <a:spcPts val="600"/>
+              </a:spcBef>
+              <a:spcAft>
+                <a:spcPts val="0"/>
+              </a:spcAft>
+              <a:buClr>
+                <a:schemeClr val="dk1"/>
+              </a:buClr>
+              <a:buSzPts val="2400"/>
+              <a:buFont typeface="Arial" panose="020B0604020202020204" pitchFamily="34" charset="0"/>
+              <a:buChar char="•"/>
+            </a:pPr>
+            <a:r>
+              <a:rPr lang="en-US" sz="2400" dirty="0">
+                <a:solidFill>
+                  <a:schemeClr val="dk1"/>
+                </a:solidFill>
+                <a:latin typeface="Calibri"/>
+                <a:ea typeface="Calibri"/>
+                <a:cs typeface="Calibri"/>
+                <a:sym typeface="Calibri"/>
+              </a:rPr>
+              <a:t>Scroll view, Table view</a:t>
+            </a:r>
+          </a:p>
+          <a:p>
+            <a:pPr marL="552450" marR="0" lvl="0" indent="-342900" algn="l" rtl="0">
+              <a:lnSpc>
+                <a:spcPct val="90000"/>
+              </a:lnSpc>
+              <a:spcBef>
+                <a:spcPts val="600"/>
+              </a:spcBef>
+              <a:spcAft>
+                <a:spcPts val="0"/>
+              </a:spcAft>
+              <a:buClr>
+                <a:schemeClr val="dk1"/>
+              </a:buClr>
+              <a:buSzPts val="2400"/>
+              <a:buFont typeface="Arial" panose="020B0604020202020204" pitchFamily="34" charset="0"/>
+              <a:buChar char="•"/>
+            </a:pPr>
+            <a:r>
+              <a:rPr lang="en-US" sz="2400" dirty="0">
+                <a:solidFill>
+                  <a:schemeClr val="dk1"/>
+                </a:solidFill>
+                <a:latin typeface="Calibri"/>
+                <a:ea typeface="Calibri"/>
+                <a:cs typeface="Calibri"/>
+                <a:sym typeface="Calibri"/>
+              </a:rPr>
+              <a:t>System view controller, Web requests</a:t>
+            </a:r>
+          </a:p>
+          <a:p>
+            <a:pPr marL="552450" marR="0" lvl="0" indent="-342900" algn="l" rtl="0">
+              <a:lnSpc>
+                <a:spcPct val="90000"/>
+              </a:lnSpc>
+              <a:spcBef>
+                <a:spcPts val="600"/>
+              </a:spcBef>
+              <a:spcAft>
+                <a:spcPts val="0"/>
+              </a:spcAft>
+              <a:buClr>
+                <a:schemeClr val="dk1"/>
+              </a:buClr>
+              <a:buSzPts val="2400"/>
+              <a:buFont typeface="Arial" panose="020B0604020202020204" pitchFamily="34" charset="0"/>
+              <a:buChar char="•"/>
+            </a:pPr>
+            <a:r>
+              <a:rPr lang="en-US" sz="2400" dirty="0">
+                <a:solidFill>
+                  <a:schemeClr val="dk1"/>
+                </a:solidFill>
+                <a:latin typeface="Calibri"/>
+                <a:ea typeface="Calibri"/>
+                <a:cs typeface="Calibri"/>
+                <a:sym typeface="Calibri"/>
+              </a:rPr>
+              <a:t>Closures, Extensions</a:t>
+            </a:r>
+          </a:p>
+          <a:p>
+            <a:pPr marL="552450" marR="0" lvl="0" indent="-342900" algn="l" rtl="0">
+              <a:lnSpc>
+                <a:spcPct val="90000"/>
+              </a:lnSpc>
+              <a:spcBef>
+                <a:spcPts val="600"/>
+              </a:spcBef>
+              <a:spcAft>
+                <a:spcPts val="0"/>
+              </a:spcAft>
+              <a:buClr>
+                <a:schemeClr val="dk1"/>
+              </a:buClr>
+              <a:buSzPts val="2400"/>
+              <a:buFont typeface="Arial" panose="020B0604020202020204" pitchFamily="34" charset="0"/>
+              <a:buChar char="•"/>
+            </a:pPr>
+            <a:r>
+              <a:rPr lang="en-US" sz="2400" dirty="0">
+                <a:solidFill>
+                  <a:schemeClr val="dk1"/>
+                </a:solidFill>
+                <a:latin typeface="Calibri"/>
+                <a:ea typeface="Calibri"/>
+                <a:cs typeface="Calibri"/>
+                <a:sym typeface="Calibri"/>
+              </a:rPr>
+              <a:t>App deployment, Swift 5</a:t>
+            </a:r>
+          </a:p>
+          <a:p>
+            <a:pPr marL="552450" marR="0" lvl="0" indent="-342900" algn="l" rtl="0">
+              <a:lnSpc>
+                <a:spcPct val="90000"/>
+              </a:lnSpc>
+              <a:spcBef>
+                <a:spcPts val="600"/>
+              </a:spcBef>
+              <a:spcAft>
+                <a:spcPts val="0"/>
+              </a:spcAft>
+              <a:buClr>
+                <a:schemeClr val="dk1"/>
+              </a:buClr>
+              <a:buSzPts val="2400"/>
+              <a:buFont typeface="Arial" panose="020B0604020202020204" pitchFamily="34" charset="0"/>
+              <a:buChar char="•"/>
+            </a:pPr>
+            <a:endParaRPr lang="en-US" sz="2400" dirty="0">
+              <a:solidFill>
+                <a:schemeClr val="dk1"/>
+              </a:solidFill>
+              <a:latin typeface="Calibri"/>
+              <a:ea typeface="Calibri"/>
+              <a:cs typeface="Calibri"/>
+              <a:sym typeface="Calibri"/>
+            </a:endParaRPr>
+          </a:p>
+          <a:p>
+            <a:pPr marL="552450" marR="0" lvl="0" indent="-342900" algn="l" rtl="0">
+              <a:lnSpc>
+                <a:spcPct val="90000"/>
+              </a:lnSpc>
+              <a:spcBef>
+                <a:spcPts val="600"/>
+              </a:spcBef>
+              <a:spcAft>
+                <a:spcPts val="0"/>
+              </a:spcAft>
+              <a:buClr>
+                <a:schemeClr val="dk1"/>
+              </a:buClr>
+              <a:buSzPts val="2400"/>
+              <a:buFont typeface="Arial" panose="020B0604020202020204" pitchFamily="34" charset="0"/>
+              <a:buChar char="•"/>
+            </a:pPr>
+            <a:endParaRPr lang="en-US" sz="2400" dirty="0">
+              <a:solidFill>
+                <a:schemeClr val="dk1"/>
+              </a:solidFill>
+              <a:latin typeface="Calibri"/>
+              <a:ea typeface="Calibri"/>
+              <a:cs typeface="Calibri"/>
+              <a:sym typeface="Calibri"/>
+            </a:endParaRPr>
+          </a:p>
+          <a:p>
+            <a:pPr marL="552450" marR="0" lvl="0" indent="-342900" algn="l" rtl="0">
+              <a:lnSpc>
+                <a:spcPct val="90000"/>
+              </a:lnSpc>
+              <a:spcBef>
+                <a:spcPts val="600"/>
+              </a:spcBef>
+              <a:spcAft>
+                <a:spcPts val="0"/>
+              </a:spcAft>
+              <a:buClr>
+                <a:schemeClr val="dk1"/>
+              </a:buClr>
+              <a:buSzPts val="2400"/>
+              <a:buFont typeface="Arial" panose="020B0604020202020204" pitchFamily="34" charset="0"/>
+              <a:buChar char="•"/>
+            </a:pPr>
+            <a:endParaRPr sz="2400" b="0" i="0" u="none" strike="noStrike" cap="none" dirty="0">
+              <a:solidFill>
+                <a:schemeClr val="dk1"/>
+              </a:solidFill>
+              <a:latin typeface="Calibri"/>
+              <a:ea typeface="Calibri"/>
+              <a:cs typeface="Calibri"/>
+              <a:sym typeface="Calibri"/>
+            </a:endParaRPr>
+          </a:p>
+        </p:txBody>
+      </p:sp>
+    </p:spTree>
+    <p:extLst>
+      <p:ext uri="{BB962C8B-B14F-4D97-AF65-F5344CB8AC3E}">
+        <p14:creationId xmlns:p14="http://schemas.microsoft.com/office/powerpoint/2010/main" val="3510861473"/>
       </p:ext>
     </p:extLst>
   </p:cSld>

--- a/Lesson 1/Section 1/Software Development Lifecyle.pptx
+++ b/Lesson 1/Section 1/Software Development Lifecyle.pptx
@@ -10,14 +10,14 @@
   </p:notesMasterIdLst>
   <p:sldIdLst>
     <p:sldId id="256" r:id="rId3"/>
-    <p:sldId id="260" r:id="rId4"/>
-    <p:sldId id="261" r:id="rId5"/>
-    <p:sldId id="262" r:id="rId6"/>
-    <p:sldId id="263" r:id="rId7"/>
-    <p:sldId id="257" r:id="rId8"/>
-    <p:sldId id="258" r:id="rId9"/>
-    <p:sldId id="259" r:id="rId10"/>
-    <p:sldId id="264" r:id="rId11"/>
+    <p:sldId id="257" r:id="rId4"/>
+    <p:sldId id="258" r:id="rId5"/>
+    <p:sldId id="259" r:id="rId6"/>
+    <p:sldId id="264" r:id="rId7"/>
+    <p:sldId id="260" r:id="rId8"/>
+    <p:sldId id="261" r:id="rId9"/>
+    <p:sldId id="262" r:id="rId10"/>
+    <p:sldId id="263" r:id="rId11"/>
   </p:sldIdLst>
   <p:sldSz cx="12192000" cy="6858000"/>
   <p:notesSz cx="6858000" cy="9144000"/>
@@ -1548,159 +1548,6 @@
 </file>
 
 <file path=ppt/notesSlides/notesSlide2.xml><?xml version="1.0" encoding="utf-8"?>
-<p:notes xmlns:a="http://schemas.openxmlformats.org/drawingml/2006/main" xmlns:r="http://schemas.openxmlformats.org/officeDocument/2006/relationships" xmlns:p="http://schemas.openxmlformats.org/presentationml/2006/main">
-  <p:cSld>
-    <p:spTree>
-      <p:nvGrpSpPr>
-        <p:cNvPr id="1" name=""/>
-        <p:cNvGrpSpPr/>
-        <p:nvPr/>
-      </p:nvGrpSpPr>
-      <p:grpSpPr>
-        <a:xfrm>
-          <a:off x="0" y="0"/>
-          <a:ext cx="0" cy="0"/>
-          <a:chOff x="0" y="0"/>
-          <a:chExt cx="0" cy="0"/>
-        </a:xfrm>
-      </p:grpSpPr>
-      <p:sp>
-        <p:nvSpPr>
-          <p:cNvPr id="2" name="Slide Image Placeholder 1"/>
-          <p:cNvSpPr>
-            <a:spLocks noGrp="1" noRot="1" noChangeAspect="1"/>
-          </p:cNvSpPr>
-          <p:nvPr>
-            <p:ph type="sldImg"/>
-          </p:nvPr>
-        </p:nvSpPr>
-        <p:spPr/>
-      </p:sp>
-      <p:sp>
-        <p:nvSpPr>
-          <p:cNvPr id="3" name="Notes Placeholder 2"/>
-          <p:cNvSpPr>
-            <a:spLocks noGrp="1"/>
-          </p:cNvSpPr>
-          <p:nvPr>
-            <p:ph type="body" idx="1"/>
-          </p:nvPr>
-        </p:nvSpPr>
-        <p:spPr/>
-        <p:txBody>
-          <a:bodyPr/>
-          <a:lstStyle/>
-          <a:p>
-            <a:r>
-              <a:rPr lang="en-US" dirty="0"/>
-              <a:t>https://</a:t>
-            </a:r>
-            <a:r>
-              <a:rPr lang="en-US" dirty="0" err="1"/>
-              <a:t>prezi.com</a:t>
-            </a:r>
-            <a:r>
-              <a:rPr lang="en-US" dirty="0"/>
-              <a:t>/h1jbkhxx8yl2/?</a:t>
-            </a:r>
-            <a:r>
-              <a:rPr lang="en-US" dirty="0" err="1"/>
-              <a:t>utm_campaign</a:t>
-            </a:r>
-            <a:r>
-              <a:rPr lang="en-US" dirty="0"/>
-              <a:t>=</a:t>
-            </a:r>
-            <a:r>
-              <a:rPr lang="en-US" dirty="0" err="1"/>
-              <a:t>share&amp;utm_medium</a:t>
-            </a:r>
-            <a:r>
-              <a:rPr lang="en-US" dirty="0"/>
-              <a:t>=copy</a:t>
-            </a:r>
-            <a:endParaRPr kumimoji="0" lang="en-US" sz="1200" b="0" i="0" u="none" strike="noStrike" kern="0" cap="none" spc="0" normalizeH="0" baseline="0" noProof="0" dirty="0">
-              <a:ln>
-                <a:noFill/>
-              </a:ln>
-              <a:solidFill>
-                <a:srgbClr val="000000"/>
-              </a:solidFill>
-              <a:effectLst/>
-              <a:uLnTx/>
-              <a:uFillTx/>
-              <a:latin typeface="Calibri"/>
-              <a:cs typeface="Calibri"/>
-              <a:sym typeface="Calibri"/>
-            </a:endParaRPr>
-          </a:p>
-          <a:p>
-            <a:endParaRPr lang="en-US" dirty="0"/>
-          </a:p>
-        </p:txBody>
-      </p:sp>
-      <p:sp>
-        <p:nvSpPr>
-          <p:cNvPr id="4" name="Slide Number Placeholder 3"/>
-          <p:cNvSpPr>
-            <a:spLocks noGrp="1"/>
-          </p:cNvSpPr>
-          <p:nvPr>
-            <p:ph type="sldNum" idx="12"/>
-          </p:nvPr>
-        </p:nvSpPr>
-        <p:spPr/>
-        <p:txBody>
-          <a:bodyPr/>
-          <a:lstStyle/>
-          <a:p>
-            <a:pPr marL="0" marR="0" lvl="0" indent="0" algn="r" rtl="0">
-              <a:spcBef>
-                <a:spcPts val="0"/>
-              </a:spcBef>
-              <a:spcAft>
-                <a:spcPts val="0"/>
-              </a:spcAft>
-              <a:buNone/>
-            </a:pPr>
-            <a:fld id="{00000000-1234-1234-1234-123412341234}" type="slidenum">
-              <a:rPr lang="en-US" sz="1200" b="0" i="0" u="none" strike="noStrike" cap="none" smtClean="0">
-                <a:solidFill>
-                  <a:schemeClr val="dk1"/>
-                </a:solidFill>
-                <a:latin typeface="Calibri"/>
-                <a:ea typeface="Calibri"/>
-                <a:cs typeface="Calibri"/>
-                <a:sym typeface="Calibri"/>
-              </a:rPr>
-              <a:t>5</a:t>
-            </a:fld>
-            <a:endParaRPr lang="en-US" sz="1200" b="0" i="0" u="none" strike="noStrike" cap="none">
-              <a:solidFill>
-                <a:schemeClr val="dk1"/>
-              </a:solidFill>
-              <a:latin typeface="Calibri"/>
-              <a:ea typeface="Calibri"/>
-              <a:cs typeface="Calibri"/>
-              <a:sym typeface="Calibri"/>
-            </a:endParaRPr>
-          </a:p>
-        </p:txBody>
-      </p:sp>
-    </p:spTree>
-    <p:extLst>
-      <p:ext uri="{BB962C8B-B14F-4D97-AF65-F5344CB8AC3E}">
-        <p14:creationId xmlns:p14="http://schemas.microsoft.com/office/powerpoint/2010/main" val="3224811629"/>
-      </p:ext>
-    </p:extLst>
-  </p:cSld>
-  <p:clrMapOvr>
-    <a:masterClrMapping/>
-  </p:clrMapOvr>
-</p:notes>
-</file>
-
-<file path=ppt/notesSlides/notesSlide3.xml><?xml version="1.0" encoding="utf-8"?>
 <p:notes xmlns:a="http://schemas.openxmlformats.org/drawingml/2006/main" xmlns:r="http://schemas.openxmlformats.org/officeDocument/2006/relationships" xmlns:p="http://schemas.openxmlformats.org/presentationml/2006/main" showMasterSp="0" showMasterPhAnim="0">
   <p:cSld>
     <p:spTree>
@@ -1870,7 +1717,901 @@
                 <a:cs typeface="Calibri"/>
                 <a:sym typeface="Calibri"/>
               </a:rPr>
-              <a:t>6</a:t>
+              <a:t>2</a:t>
+            </a:fld>
+            <a:endParaRPr sz="1200" b="0" i="0" u="none" strike="noStrike" cap="none">
+              <a:solidFill>
+                <a:schemeClr val="dk1"/>
+              </a:solidFill>
+              <a:latin typeface="Calibri"/>
+              <a:ea typeface="Calibri"/>
+              <a:cs typeface="Calibri"/>
+              <a:sym typeface="Calibri"/>
+            </a:endParaRPr>
+          </a:p>
+        </p:txBody>
+      </p:sp>
+    </p:spTree>
+  </p:cSld>
+  <p:clrMapOvr>
+    <a:masterClrMapping/>
+  </p:clrMapOvr>
+</p:notes>
+</file>
+
+<file path=ppt/notesSlides/notesSlide3.xml><?xml version="1.0" encoding="utf-8"?>
+<p:notes xmlns:a="http://schemas.openxmlformats.org/drawingml/2006/main" xmlns:r="http://schemas.openxmlformats.org/officeDocument/2006/relationships" xmlns:p="http://schemas.openxmlformats.org/presentationml/2006/main" showMasterSp="0" showMasterPhAnim="0">
+  <p:cSld>
+    <p:spTree>
+      <p:nvGrpSpPr>
+        <p:cNvPr id="1" name="Shape 117"/>
+        <p:cNvGrpSpPr/>
+        <p:nvPr/>
+      </p:nvGrpSpPr>
+      <p:grpSpPr>
+        <a:xfrm>
+          <a:off x="0" y="0"/>
+          <a:ext cx="0" cy="0"/>
+          <a:chOff x="0" y="0"/>
+          <a:chExt cx="0" cy="0"/>
+        </a:xfrm>
+      </p:grpSpPr>
+      <p:sp>
+        <p:nvSpPr>
+          <p:cNvPr id="118" name="Google Shape;118;p3:notes"/>
+          <p:cNvSpPr>
+            <a:spLocks noGrp="1" noRot="1" noChangeAspect="1"/>
+          </p:cNvSpPr>
+          <p:nvPr>
+            <p:ph type="sldImg" idx="2"/>
+          </p:nvPr>
+        </p:nvSpPr>
+        <p:spPr>
+          <a:xfrm>
+            <a:off x="685800" y="1143000"/>
+            <a:ext cx="5486400" cy="3086100"/>
+          </a:xfrm>
+          <a:custGeom>
+            <a:avLst/>
+            <a:gdLst/>
+            <a:ahLst/>
+            <a:cxnLst/>
+            <a:rect l="l" t="t" r="r" b="b"/>
+            <a:pathLst>
+              <a:path w="120000" h="120000" extrusionOk="0">
+                <a:moveTo>
+                  <a:pt x="0" y="0"/>
+                </a:moveTo>
+                <a:lnTo>
+                  <a:pt x="120000" y="0"/>
+                </a:lnTo>
+                <a:lnTo>
+                  <a:pt x="120000" y="120000"/>
+                </a:lnTo>
+                <a:lnTo>
+                  <a:pt x="0" y="120000"/>
+                </a:lnTo>
+                <a:close/>
+              </a:path>
+            </a:pathLst>
+          </a:custGeom>
+          <a:noFill/>
+          <a:ln w="12700" cap="flat" cmpd="sng">
+            <a:solidFill>
+              <a:srgbClr val="000000"/>
+            </a:solidFill>
+            <a:prstDash val="solid"/>
+            <a:round/>
+            <a:headEnd type="none" w="sm" len="sm"/>
+            <a:tailEnd type="none" w="sm" len="sm"/>
+          </a:ln>
+        </p:spPr>
+      </p:sp>
+      <p:sp>
+        <p:nvSpPr>
+          <p:cNvPr id="119" name="Google Shape;119;p3:notes"/>
+          <p:cNvSpPr txBox="1">
+            <a:spLocks noGrp="1"/>
+          </p:cNvSpPr>
+          <p:nvPr>
+            <p:ph type="body" idx="1"/>
+          </p:nvPr>
+        </p:nvSpPr>
+        <p:spPr>
+          <a:xfrm>
+            <a:off x="685800" y="4400550"/>
+            <a:ext cx="5486400" cy="3600450"/>
+          </a:xfrm>
+          <a:prstGeom prst="rect">
+            <a:avLst/>
+          </a:prstGeom>
+          <a:noFill/>
+          <a:ln>
+            <a:noFill/>
+          </a:ln>
+        </p:spPr>
+        <p:txBody>
+          <a:bodyPr spcFirstLastPara="1" wrap="square" lIns="91425" tIns="45700" rIns="91425" bIns="45700" anchor="t" anchorCtr="0">
+            <a:noAutofit/>
+          </a:bodyPr>
+          <a:lstStyle/>
+          <a:p>
+            <a:pPr marL="0" marR="0" lvl="0" indent="0" algn="l" rtl="0">
+              <a:spcBef>
+                <a:spcPts val="0"/>
+              </a:spcBef>
+              <a:spcAft>
+                <a:spcPts val="0"/>
+              </a:spcAft>
+              <a:buNone/>
+            </a:pPr>
+            <a:r>
+              <a:rPr lang="en-US" sz="1200" b="1" i="0" u="none" strike="noStrike" cap="none">
+                <a:solidFill>
+                  <a:schemeClr val="dk1"/>
+                </a:solidFill>
+                <a:latin typeface="Calibri"/>
+                <a:ea typeface="Calibri"/>
+                <a:cs typeface="Calibri"/>
+                <a:sym typeface="Calibri"/>
+              </a:rPr>
+              <a:t>A willingness to experiment</a:t>
+            </a:r>
+            <a:endParaRPr/>
+          </a:p>
+          <a:p>
+            <a:pPr marL="0" marR="0" lvl="0" indent="0" algn="l" rtl="0">
+              <a:spcBef>
+                <a:spcPts val="0"/>
+              </a:spcBef>
+              <a:spcAft>
+                <a:spcPts val="0"/>
+              </a:spcAft>
+              <a:buNone/>
+            </a:pPr>
+            <a:endParaRPr sz="1200" b="0" i="0" u="none" strike="noStrike" cap="none">
+              <a:solidFill>
+                <a:schemeClr val="dk1"/>
+              </a:solidFill>
+              <a:latin typeface="Calibri"/>
+              <a:ea typeface="Calibri"/>
+              <a:cs typeface="Calibri"/>
+              <a:sym typeface="Calibri"/>
+            </a:endParaRPr>
+          </a:p>
+          <a:p>
+            <a:pPr marL="171450" marR="0" lvl="0" indent="-171450" algn="l" rtl="0">
+              <a:lnSpc>
+                <a:spcPct val="100000"/>
+              </a:lnSpc>
+              <a:spcBef>
+                <a:spcPts val="0"/>
+              </a:spcBef>
+              <a:spcAft>
+                <a:spcPts val="0"/>
+              </a:spcAft>
+              <a:buClr>
+                <a:schemeClr val="dk1"/>
+              </a:buClr>
+              <a:buSzPts val="1200"/>
+              <a:buFont typeface="Arial"/>
+              <a:buChar char="•"/>
+            </a:pPr>
+            <a:r>
+              <a:rPr lang="en-US" sz="1200" b="0" i="0" u="none" strike="noStrike" cap="none">
+                <a:solidFill>
+                  <a:schemeClr val="dk1"/>
+                </a:solidFill>
+                <a:latin typeface="Calibri"/>
+                <a:ea typeface="Calibri"/>
+                <a:cs typeface="Calibri"/>
+                <a:sym typeface="Calibri"/>
+              </a:rPr>
+              <a:t>There are times I will be trying to help people and they are just too afraid to try different things. It is important to experiment </a:t>
+            </a:r>
+            <a:endParaRPr sz="1200" b="0" i="0" u="none" strike="noStrike" cap="none">
+              <a:solidFill>
+                <a:schemeClr val="dk1"/>
+              </a:solidFill>
+              <a:latin typeface="Calibri"/>
+              <a:ea typeface="Calibri"/>
+              <a:cs typeface="Calibri"/>
+              <a:sym typeface="Calibri"/>
+            </a:endParaRPr>
+          </a:p>
+          <a:p>
+            <a:pPr marL="0" marR="0" lvl="0" indent="0" algn="l" rtl="0">
+              <a:spcBef>
+                <a:spcPts val="0"/>
+              </a:spcBef>
+              <a:spcAft>
+                <a:spcPts val="0"/>
+              </a:spcAft>
+              <a:buNone/>
+            </a:pPr>
+            <a:endParaRPr sz="1200" b="0" i="0" u="none" strike="noStrike" cap="none">
+              <a:solidFill>
+                <a:schemeClr val="dk1"/>
+              </a:solidFill>
+              <a:latin typeface="Calibri"/>
+              <a:ea typeface="Calibri"/>
+              <a:cs typeface="Calibri"/>
+              <a:sym typeface="Calibri"/>
+            </a:endParaRPr>
+          </a:p>
+          <a:p>
+            <a:pPr marL="0" marR="0" lvl="0" indent="0" algn="l" rtl="0">
+              <a:spcBef>
+                <a:spcPts val="0"/>
+              </a:spcBef>
+              <a:spcAft>
+                <a:spcPts val="0"/>
+              </a:spcAft>
+              <a:buNone/>
+            </a:pPr>
+            <a:r>
+              <a:rPr lang="en-US" sz="1200" b="1" i="0" u="none" strike="noStrike" cap="none">
+                <a:solidFill>
+                  <a:schemeClr val="dk1"/>
+                </a:solidFill>
+                <a:latin typeface="Calibri"/>
+                <a:ea typeface="Calibri"/>
+                <a:cs typeface="Calibri"/>
+                <a:sym typeface="Calibri"/>
+              </a:rPr>
+              <a:t>An acceptance that you will make mistakes</a:t>
+            </a:r>
+            <a:endParaRPr/>
+          </a:p>
+          <a:p>
+            <a:pPr marL="0" marR="0" lvl="0" indent="0" algn="l" rtl="0">
+              <a:spcBef>
+                <a:spcPts val="0"/>
+              </a:spcBef>
+              <a:spcAft>
+                <a:spcPts val="0"/>
+              </a:spcAft>
+              <a:buNone/>
+            </a:pPr>
+            <a:endParaRPr sz="1200" b="0" i="0" u="none" strike="noStrike" cap="none">
+              <a:solidFill>
+                <a:schemeClr val="dk1"/>
+              </a:solidFill>
+              <a:latin typeface="Calibri"/>
+              <a:ea typeface="Calibri"/>
+              <a:cs typeface="Calibri"/>
+              <a:sym typeface="Calibri"/>
+            </a:endParaRPr>
+          </a:p>
+          <a:p>
+            <a:pPr marL="171450" marR="0" lvl="0" indent="-171450" algn="l" rtl="0">
+              <a:spcBef>
+                <a:spcPts val="0"/>
+              </a:spcBef>
+              <a:spcAft>
+                <a:spcPts val="0"/>
+              </a:spcAft>
+              <a:buClr>
+                <a:schemeClr val="dk1"/>
+              </a:buClr>
+              <a:buSzPts val="1200"/>
+              <a:buFont typeface="Arial"/>
+              <a:buChar char="•"/>
+            </a:pPr>
+            <a:r>
+              <a:rPr lang="en-US" sz="1200" b="0" i="0" u="none" strike="noStrike" cap="none">
+                <a:solidFill>
+                  <a:schemeClr val="dk1"/>
+                </a:solidFill>
+                <a:latin typeface="Calibri"/>
+                <a:ea typeface="Calibri"/>
+                <a:cs typeface="Calibri"/>
+                <a:sym typeface="Calibri"/>
+              </a:rPr>
+              <a:t>It is okay to make mistakes! At Datacom people will make mistakes, as a manager though what they don’t like is when you don’t own up to it and try to cover it up, because it will only get worse. </a:t>
+            </a:r>
+            <a:endParaRPr/>
+          </a:p>
+          <a:p>
+            <a:pPr marL="0" marR="0" lvl="0" indent="0" algn="l" rtl="0">
+              <a:spcBef>
+                <a:spcPts val="0"/>
+              </a:spcBef>
+              <a:spcAft>
+                <a:spcPts val="0"/>
+              </a:spcAft>
+              <a:buNone/>
+            </a:pPr>
+            <a:endParaRPr sz="1200" b="0" i="0" u="none" strike="noStrike" cap="none">
+              <a:solidFill>
+                <a:schemeClr val="dk1"/>
+              </a:solidFill>
+              <a:latin typeface="Calibri"/>
+              <a:ea typeface="Calibri"/>
+              <a:cs typeface="Calibri"/>
+              <a:sym typeface="Calibri"/>
+            </a:endParaRPr>
+          </a:p>
+          <a:p>
+            <a:pPr marL="0" marR="0" lvl="0" indent="0" algn="l" rtl="0">
+              <a:spcBef>
+                <a:spcPts val="0"/>
+              </a:spcBef>
+              <a:spcAft>
+                <a:spcPts val="0"/>
+              </a:spcAft>
+              <a:buNone/>
+            </a:pPr>
+            <a:r>
+              <a:rPr lang="en-US" sz="1200" b="1" i="0" u="none" strike="noStrike" cap="none">
+                <a:solidFill>
+                  <a:schemeClr val="dk1"/>
+                </a:solidFill>
+                <a:latin typeface="Calibri"/>
+                <a:ea typeface="Calibri"/>
+                <a:cs typeface="Calibri"/>
+                <a:sym typeface="Calibri"/>
+              </a:rPr>
+              <a:t>An understanding that your improvement will not be linear</a:t>
+            </a:r>
+            <a:endParaRPr/>
+          </a:p>
+          <a:p>
+            <a:pPr marL="0" marR="0" lvl="0" indent="0" algn="l" rtl="0">
+              <a:spcBef>
+                <a:spcPts val="0"/>
+              </a:spcBef>
+              <a:spcAft>
+                <a:spcPts val="0"/>
+              </a:spcAft>
+              <a:buNone/>
+            </a:pPr>
+            <a:endParaRPr sz="1200" b="0" i="0" u="none" strike="noStrike" cap="none">
+              <a:solidFill>
+                <a:schemeClr val="dk1"/>
+              </a:solidFill>
+              <a:latin typeface="Calibri"/>
+              <a:ea typeface="Calibri"/>
+              <a:cs typeface="Calibri"/>
+              <a:sym typeface="Calibri"/>
+            </a:endParaRPr>
+          </a:p>
+          <a:p>
+            <a:pPr marL="171450" marR="0" lvl="0" indent="-171450" algn="l" rtl="0">
+              <a:spcBef>
+                <a:spcPts val="0"/>
+              </a:spcBef>
+              <a:spcAft>
+                <a:spcPts val="0"/>
+              </a:spcAft>
+              <a:buClr>
+                <a:schemeClr val="dk1"/>
+              </a:buClr>
+              <a:buSzPts val="1200"/>
+              <a:buFont typeface="Arial"/>
+              <a:buChar char="•"/>
+            </a:pPr>
+            <a:r>
+              <a:rPr lang="en-US" sz="1200" b="0" i="0" u="none" strike="noStrike" cap="none">
+                <a:solidFill>
+                  <a:schemeClr val="dk1"/>
+                </a:solidFill>
+                <a:latin typeface="Calibri"/>
+                <a:ea typeface="Calibri"/>
+                <a:cs typeface="Calibri"/>
+                <a:sym typeface="Calibri"/>
+              </a:rPr>
+              <a:t>You must realise that programming is just another skill that you can master with enough practise. </a:t>
+            </a:r>
+            <a:endParaRPr/>
+          </a:p>
+          <a:p>
+            <a:pPr marL="0" marR="0" lvl="0" indent="0" algn="l" rtl="0">
+              <a:spcBef>
+                <a:spcPts val="0"/>
+              </a:spcBef>
+              <a:spcAft>
+                <a:spcPts val="0"/>
+              </a:spcAft>
+              <a:buNone/>
+            </a:pPr>
+            <a:endParaRPr sz="1200" b="0" i="0" u="none" strike="noStrike" cap="none">
+              <a:solidFill>
+                <a:schemeClr val="dk1"/>
+              </a:solidFill>
+              <a:latin typeface="Calibri"/>
+              <a:ea typeface="Calibri"/>
+              <a:cs typeface="Calibri"/>
+              <a:sym typeface="Calibri"/>
+            </a:endParaRPr>
+          </a:p>
+          <a:p>
+            <a:pPr marL="0" marR="0" lvl="0" indent="0" algn="l" rtl="0">
+              <a:spcBef>
+                <a:spcPts val="0"/>
+              </a:spcBef>
+              <a:spcAft>
+                <a:spcPts val="0"/>
+              </a:spcAft>
+              <a:buNone/>
+            </a:pPr>
+            <a:r>
+              <a:rPr lang="en-US" sz="1200" b="1" i="0" u="none" strike="noStrike" cap="none">
+                <a:solidFill>
+                  <a:schemeClr val="dk1"/>
+                </a:solidFill>
+                <a:latin typeface="Calibri"/>
+                <a:ea typeface="Calibri"/>
+                <a:cs typeface="Calibri"/>
+                <a:sym typeface="Calibri"/>
+              </a:rPr>
+              <a:t>Knowing that perseverance pays off</a:t>
+            </a:r>
+            <a:endParaRPr/>
+          </a:p>
+          <a:p>
+            <a:pPr marL="0" marR="0" lvl="0" indent="0" algn="l" rtl="0">
+              <a:spcBef>
+                <a:spcPts val="0"/>
+              </a:spcBef>
+              <a:spcAft>
+                <a:spcPts val="0"/>
+              </a:spcAft>
+              <a:buNone/>
+            </a:pPr>
+            <a:endParaRPr sz="1200" b="1" i="0" u="none" strike="noStrike" cap="none">
+              <a:solidFill>
+                <a:schemeClr val="dk1"/>
+              </a:solidFill>
+              <a:latin typeface="Calibri"/>
+              <a:ea typeface="Calibri"/>
+              <a:cs typeface="Calibri"/>
+              <a:sym typeface="Calibri"/>
+            </a:endParaRPr>
+          </a:p>
+          <a:p>
+            <a:pPr marL="171450" marR="0" lvl="0" indent="-171450" algn="l" rtl="0">
+              <a:spcBef>
+                <a:spcPts val="0"/>
+              </a:spcBef>
+              <a:spcAft>
+                <a:spcPts val="0"/>
+              </a:spcAft>
+              <a:buClr>
+                <a:schemeClr val="dk1"/>
+              </a:buClr>
+              <a:buSzPts val="1200"/>
+              <a:buFont typeface="Arial"/>
+              <a:buChar char="•"/>
+            </a:pPr>
+            <a:r>
+              <a:rPr lang="en-US" sz="1200" b="0" i="0" u="none" strike="noStrike" cap="none">
+                <a:solidFill>
+                  <a:schemeClr val="dk1"/>
+                </a:solidFill>
+                <a:latin typeface="Calibri"/>
+                <a:ea typeface="Calibri"/>
+                <a:cs typeface="Calibri"/>
+                <a:sym typeface="Calibri"/>
+              </a:rPr>
+              <a:t>At one point, someone working on Crash Bandicoot for the PlayStation took SIX WEEKS to find the source of a bug within the game; turns out, the issue wasn’t even in the game, it was in the hardware.</a:t>
+            </a:r>
+            <a:endParaRPr/>
+          </a:p>
+          <a:p>
+            <a:pPr marL="171450" marR="0" lvl="0" indent="-171450" algn="l" rtl="0">
+              <a:spcBef>
+                <a:spcPts val="0"/>
+              </a:spcBef>
+              <a:spcAft>
+                <a:spcPts val="0"/>
+              </a:spcAft>
+              <a:buClr>
+                <a:schemeClr val="dk1"/>
+              </a:buClr>
+              <a:buSzPts val="1200"/>
+              <a:buFont typeface="Arial"/>
+              <a:buChar char="•"/>
+            </a:pPr>
+            <a:r>
+              <a:rPr lang="en-US" sz="1200" b="0" i="0" u="none" strike="noStrike" cap="none">
+                <a:solidFill>
+                  <a:schemeClr val="dk1"/>
+                </a:solidFill>
+                <a:latin typeface="Calibri"/>
+                <a:ea typeface="Calibri"/>
+                <a:cs typeface="Calibri"/>
+                <a:sym typeface="Calibri"/>
+              </a:rPr>
+              <a:t>For me this is the most important, I think even when you are stuck you must realise when it comes to programming if you go in with a mindset that nothing is impossible and even if you feel like you have tried researching for days and days on end. There will someone out there on some forum like stack overflow where you can post your question and get an answer back!</a:t>
+            </a:r>
+            <a:endParaRPr/>
+          </a:p>
+          <a:p>
+            <a:pPr marL="171450" marR="0" lvl="0" indent="-95250" algn="l" rtl="0">
+              <a:spcBef>
+                <a:spcPts val="0"/>
+              </a:spcBef>
+              <a:spcAft>
+                <a:spcPts val="0"/>
+              </a:spcAft>
+              <a:buClr>
+                <a:schemeClr val="dk1"/>
+              </a:buClr>
+              <a:buSzPts val="1200"/>
+              <a:buFont typeface="Arial"/>
+              <a:buNone/>
+            </a:pPr>
+            <a:endParaRPr sz="1200" b="0" i="0" u="none" strike="noStrike" cap="none">
+              <a:solidFill>
+                <a:schemeClr val="dk1"/>
+              </a:solidFill>
+              <a:latin typeface="Calibri"/>
+              <a:ea typeface="Calibri"/>
+              <a:cs typeface="Calibri"/>
+              <a:sym typeface="Calibri"/>
+            </a:endParaRPr>
+          </a:p>
+          <a:p>
+            <a:pPr marL="0" marR="0" lvl="0" indent="0" algn="l" rtl="0">
+              <a:spcBef>
+                <a:spcPts val="0"/>
+              </a:spcBef>
+              <a:spcAft>
+                <a:spcPts val="0"/>
+              </a:spcAft>
+              <a:buNone/>
+            </a:pPr>
+            <a:r>
+              <a:rPr lang="en-US" sz="1200" b="1" i="0" u="none" strike="noStrike" cap="none">
+                <a:solidFill>
+                  <a:schemeClr val="dk1"/>
+                </a:solidFill>
+                <a:latin typeface="Calibri"/>
+                <a:ea typeface="Calibri"/>
+                <a:cs typeface="Calibri"/>
+                <a:sym typeface="Calibri"/>
+              </a:rPr>
+              <a:t>Reading And Understanding Code</a:t>
+            </a:r>
+            <a:endParaRPr/>
+          </a:p>
+          <a:p>
+            <a:pPr marL="0" marR="0" lvl="0" indent="0" algn="l" rtl="0">
+              <a:spcBef>
+                <a:spcPts val="0"/>
+              </a:spcBef>
+              <a:spcAft>
+                <a:spcPts val="0"/>
+              </a:spcAft>
+              <a:buNone/>
+            </a:pPr>
+            <a:endParaRPr sz="1200" b="1" i="0" u="none" strike="noStrike" cap="none">
+              <a:solidFill>
+                <a:schemeClr val="dk1"/>
+              </a:solidFill>
+              <a:latin typeface="Calibri"/>
+              <a:ea typeface="Calibri"/>
+              <a:cs typeface="Calibri"/>
+              <a:sym typeface="Calibri"/>
+            </a:endParaRPr>
+          </a:p>
+          <a:p>
+            <a:pPr marL="171450" marR="0" lvl="0" indent="-171450" algn="l" rtl="0">
+              <a:spcBef>
+                <a:spcPts val="0"/>
+              </a:spcBef>
+              <a:spcAft>
+                <a:spcPts val="0"/>
+              </a:spcAft>
+              <a:buClr>
+                <a:schemeClr val="dk1"/>
+              </a:buClr>
+              <a:buSzPts val="1200"/>
+              <a:buFont typeface="Arial"/>
+              <a:buChar char="•"/>
+            </a:pPr>
+            <a:r>
+              <a:rPr lang="en-US" sz="1200" b="0" i="0" u="none" strike="noStrike" cap="none">
+                <a:solidFill>
+                  <a:schemeClr val="dk1"/>
+                </a:solidFill>
+                <a:latin typeface="Calibri"/>
+                <a:ea typeface="Calibri"/>
+                <a:cs typeface="Calibri"/>
+                <a:sym typeface="Calibri"/>
+              </a:rPr>
+              <a:t>Reading books and understanding it over time is the only way you will stop looking at lots of code as gibberish. Every line does something different, so you can break it down to one line at a time if that makes it easier. </a:t>
+            </a:r>
+            <a:endParaRPr/>
+          </a:p>
+          <a:p>
+            <a:pPr marL="0" marR="0" lvl="0" indent="0" algn="l" rtl="0">
+              <a:spcBef>
+                <a:spcPts val="0"/>
+              </a:spcBef>
+              <a:spcAft>
+                <a:spcPts val="0"/>
+              </a:spcAft>
+              <a:buNone/>
+            </a:pPr>
+            <a:endParaRPr sz="1200" b="1" i="0" u="none" strike="noStrike" cap="none">
+              <a:solidFill>
+                <a:schemeClr val="dk1"/>
+              </a:solidFill>
+              <a:latin typeface="Calibri"/>
+              <a:ea typeface="Calibri"/>
+              <a:cs typeface="Calibri"/>
+              <a:sym typeface="Calibri"/>
+            </a:endParaRPr>
+          </a:p>
+          <a:p>
+            <a:pPr marL="0" marR="0" lvl="0" indent="0" algn="l" rtl="0">
+              <a:spcBef>
+                <a:spcPts val="0"/>
+              </a:spcBef>
+              <a:spcAft>
+                <a:spcPts val="0"/>
+              </a:spcAft>
+              <a:buNone/>
+            </a:pPr>
+            <a:r>
+              <a:rPr lang="en-US" sz="1200" b="1" i="0" u="none" strike="noStrike" cap="none">
+                <a:solidFill>
+                  <a:schemeClr val="dk1"/>
+                </a:solidFill>
+                <a:latin typeface="Calibri"/>
+                <a:ea typeface="Calibri"/>
+                <a:cs typeface="Calibri"/>
+                <a:sym typeface="Calibri"/>
+              </a:rPr>
+              <a:t>Attention To Detail</a:t>
+            </a:r>
+            <a:endParaRPr/>
+          </a:p>
+          <a:p>
+            <a:pPr marL="0" marR="0" lvl="0" indent="0" algn="l" rtl="0">
+              <a:spcBef>
+                <a:spcPts val="0"/>
+              </a:spcBef>
+              <a:spcAft>
+                <a:spcPts val="0"/>
+              </a:spcAft>
+              <a:buNone/>
+            </a:pPr>
+            <a:endParaRPr sz="1200" b="1" i="0" u="none" strike="noStrike" cap="none">
+              <a:solidFill>
+                <a:schemeClr val="dk1"/>
+              </a:solidFill>
+              <a:latin typeface="Calibri"/>
+              <a:ea typeface="Calibri"/>
+              <a:cs typeface="Calibri"/>
+              <a:sym typeface="Calibri"/>
+            </a:endParaRPr>
+          </a:p>
+          <a:p>
+            <a:pPr marL="171450" marR="0" lvl="0" indent="-171450" algn="l" rtl="0">
+              <a:spcBef>
+                <a:spcPts val="0"/>
+              </a:spcBef>
+              <a:spcAft>
+                <a:spcPts val="0"/>
+              </a:spcAft>
+              <a:buClr>
+                <a:schemeClr val="dk1"/>
+              </a:buClr>
+              <a:buSzPts val="1200"/>
+              <a:buFont typeface="Arial"/>
+              <a:buChar char="•"/>
+            </a:pPr>
+            <a:r>
+              <a:rPr lang="en-US" sz="1200" b="0" i="0" u="none" strike="noStrike" cap="none">
+                <a:solidFill>
+                  <a:schemeClr val="dk1"/>
+                </a:solidFill>
+                <a:latin typeface="Calibri"/>
+                <a:ea typeface="Calibri"/>
+                <a:cs typeface="Calibri"/>
+                <a:sym typeface="Calibri"/>
+              </a:rPr>
+              <a:t>Simple minutia mistakes are still mistakes you have to deal with</a:t>
+            </a:r>
+            <a:endParaRPr/>
+          </a:p>
+          <a:p>
+            <a:pPr marL="171450" marR="0" lvl="0" indent="-95250" algn="l" rtl="0">
+              <a:spcBef>
+                <a:spcPts val="0"/>
+              </a:spcBef>
+              <a:spcAft>
+                <a:spcPts val="0"/>
+              </a:spcAft>
+              <a:buClr>
+                <a:schemeClr val="dk1"/>
+              </a:buClr>
+              <a:buSzPts val="1200"/>
+              <a:buFont typeface="Arial"/>
+              <a:buNone/>
+            </a:pPr>
+            <a:endParaRPr sz="1200" b="1" i="0" u="none" strike="noStrike" cap="none">
+              <a:solidFill>
+                <a:schemeClr val="dk1"/>
+              </a:solidFill>
+              <a:latin typeface="Calibri"/>
+              <a:ea typeface="Calibri"/>
+              <a:cs typeface="Calibri"/>
+              <a:sym typeface="Calibri"/>
+            </a:endParaRPr>
+          </a:p>
+          <a:p>
+            <a:pPr marL="0" marR="0" lvl="0" indent="0" algn="l" rtl="0">
+              <a:spcBef>
+                <a:spcPts val="0"/>
+              </a:spcBef>
+              <a:spcAft>
+                <a:spcPts val="0"/>
+              </a:spcAft>
+              <a:buNone/>
+            </a:pPr>
+            <a:r>
+              <a:rPr lang="en-US" sz="1200" b="1" i="0" u="none" strike="noStrike" cap="none">
+                <a:solidFill>
+                  <a:schemeClr val="dk1"/>
+                </a:solidFill>
+                <a:latin typeface="Calibri"/>
+                <a:ea typeface="Calibri"/>
+                <a:cs typeface="Calibri"/>
+                <a:sym typeface="Calibri"/>
+              </a:rPr>
+              <a:t>Problems Solving</a:t>
+            </a:r>
+            <a:endParaRPr/>
+          </a:p>
+          <a:p>
+            <a:pPr marL="0" marR="0" lvl="0" indent="0" algn="l" rtl="0">
+              <a:spcBef>
+                <a:spcPts val="0"/>
+              </a:spcBef>
+              <a:spcAft>
+                <a:spcPts val="0"/>
+              </a:spcAft>
+              <a:buNone/>
+            </a:pPr>
+            <a:endParaRPr sz="1200" b="1" i="0" u="none" strike="noStrike" cap="none">
+              <a:solidFill>
+                <a:schemeClr val="dk1"/>
+              </a:solidFill>
+              <a:latin typeface="Calibri"/>
+              <a:ea typeface="Calibri"/>
+              <a:cs typeface="Calibri"/>
+              <a:sym typeface="Calibri"/>
+            </a:endParaRPr>
+          </a:p>
+          <a:p>
+            <a:pPr marL="171450" marR="0" lvl="0" indent="-171450" algn="l" rtl="0">
+              <a:spcBef>
+                <a:spcPts val="0"/>
+              </a:spcBef>
+              <a:spcAft>
+                <a:spcPts val="0"/>
+              </a:spcAft>
+              <a:buClr>
+                <a:schemeClr val="dk1"/>
+              </a:buClr>
+              <a:buSzPts val="1200"/>
+              <a:buFont typeface="Arial"/>
+              <a:buChar char="•"/>
+            </a:pPr>
+            <a:r>
+              <a:rPr lang="en-US" sz="1200" b="0" i="0" u="none" strike="noStrike" cap="none">
+                <a:solidFill>
+                  <a:schemeClr val="dk1"/>
+                </a:solidFill>
+                <a:latin typeface="Calibri"/>
+                <a:ea typeface="Calibri"/>
+                <a:cs typeface="Calibri"/>
+                <a:sym typeface="Calibri"/>
+              </a:rPr>
+              <a:t>This doesn’t mean you have to be an ace at maths, it is a combination of research and a whole lot of other factors. </a:t>
+            </a:r>
+            <a:endParaRPr/>
+          </a:p>
+          <a:p>
+            <a:pPr marL="171450" marR="0" lvl="0" indent="-95250" algn="l" rtl="0">
+              <a:spcBef>
+                <a:spcPts val="0"/>
+              </a:spcBef>
+              <a:spcAft>
+                <a:spcPts val="0"/>
+              </a:spcAft>
+              <a:buClr>
+                <a:schemeClr val="dk1"/>
+              </a:buClr>
+              <a:buSzPts val="1200"/>
+              <a:buFont typeface="Arial"/>
+              <a:buNone/>
+            </a:pPr>
+            <a:endParaRPr sz="1200" b="1" i="0" u="none" strike="noStrike" cap="none">
+              <a:solidFill>
+                <a:schemeClr val="dk1"/>
+              </a:solidFill>
+              <a:latin typeface="Calibri"/>
+              <a:ea typeface="Calibri"/>
+              <a:cs typeface="Calibri"/>
+              <a:sym typeface="Calibri"/>
+            </a:endParaRPr>
+          </a:p>
+          <a:p>
+            <a:pPr marL="0" marR="0" lvl="0" indent="0" algn="l" rtl="0">
+              <a:spcBef>
+                <a:spcPts val="0"/>
+              </a:spcBef>
+              <a:spcAft>
+                <a:spcPts val="0"/>
+              </a:spcAft>
+              <a:buNone/>
+            </a:pPr>
+            <a:endParaRPr sz="1200" b="0" i="0" u="none" strike="noStrike" cap="none">
+              <a:solidFill>
+                <a:schemeClr val="dk1"/>
+              </a:solidFill>
+              <a:latin typeface="Calibri"/>
+              <a:ea typeface="Calibri"/>
+              <a:cs typeface="Calibri"/>
+              <a:sym typeface="Calibri"/>
+            </a:endParaRPr>
+          </a:p>
+        </p:txBody>
+      </p:sp>
+      <p:sp>
+        <p:nvSpPr>
+          <p:cNvPr id="120" name="Google Shape;120;p3:notes"/>
+          <p:cNvSpPr txBox="1">
+            <a:spLocks noGrp="1"/>
+          </p:cNvSpPr>
+          <p:nvPr>
+            <p:ph type="sldNum" idx="12"/>
+          </p:nvPr>
+        </p:nvSpPr>
+        <p:spPr>
+          <a:xfrm>
+            <a:off x="3884613" y="8685213"/>
+            <a:ext cx="2971800" cy="458787"/>
+          </a:xfrm>
+          <a:prstGeom prst="rect">
+            <a:avLst/>
+          </a:prstGeom>
+          <a:noFill/>
+          <a:ln>
+            <a:noFill/>
+          </a:ln>
+        </p:spPr>
+        <p:txBody>
+          <a:bodyPr spcFirstLastPara="1" wrap="square" lIns="91425" tIns="45700" rIns="91425" bIns="45700" anchor="b" anchorCtr="0">
+            <a:noAutofit/>
+          </a:bodyPr>
+          <a:lstStyle/>
+          <a:p>
+            <a:pPr marL="0" marR="0" lvl="0" indent="0" algn="r" rtl="0">
+              <a:spcBef>
+                <a:spcPts val="0"/>
+              </a:spcBef>
+              <a:spcAft>
+                <a:spcPts val="0"/>
+              </a:spcAft>
+              <a:buNone/>
+            </a:pPr>
+            <a:fld id="{00000000-1234-1234-1234-123412341234}" type="slidenum">
+              <a:rPr lang="en-US" sz="1200" b="0" i="0" u="none" strike="noStrike" cap="none">
+                <a:solidFill>
+                  <a:schemeClr val="dk1"/>
+                </a:solidFill>
+                <a:latin typeface="Calibri"/>
+                <a:ea typeface="Calibri"/>
+                <a:cs typeface="Calibri"/>
+                <a:sym typeface="Calibri"/>
+              </a:rPr>
+              <a:t>3</a:t>
             </a:fld>
             <a:endParaRPr sz="1200" b="0" i="0" u="none" strike="noStrike" cap="none">
               <a:solidFill>
@@ -1999,7 +2740,7 @@
               <a:buNone/>
             </a:pPr>
             <a:r>
-              <a:rPr lang="en-US" sz="1200" b="1" i="0" u="none" strike="noStrike" cap="none">
+              <a:rPr lang="en-US" sz="1200" b="0" i="0" u="none" strike="noStrike" cap="none" dirty="0">
                 <a:solidFill>
                   <a:schemeClr val="dk1"/>
                 </a:solidFill>
@@ -2008,9 +2749,8 @@
                 <a:cs typeface="Calibri"/>
                 <a:sym typeface="Calibri"/>
               </a:rPr>
-              <a:t>A willingness to experiment</a:t>
+              <a:t>We are following the material from the book “App Development with swift”</a:t>
             </a:r>
-            <a:endParaRPr/>
           </a:p>
           <a:p>
             <a:pPr marL="0" marR="0" lvl="0" indent="0" algn="l" rtl="0">
@@ -2022,47 +2762,7 @@
               </a:spcAft>
               <a:buNone/>
             </a:pPr>
-            <a:endParaRPr sz="1200" b="0" i="0" u="none" strike="noStrike" cap="none">
-              <a:solidFill>
-                <a:schemeClr val="dk1"/>
-              </a:solidFill>
-              <a:latin typeface="Calibri"/>
-              <a:ea typeface="Calibri"/>
-              <a:cs typeface="Calibri"/>
-              <a:sym typeface="Calibri"/>
-            </a:endParaRPr>
-          </a:p>
-          <a:p>
-            <a:pPr marL="171450" marR="0" lvl="0" indent="-171450" algn="l" rtl="0">
-              <a:lnSpc>
-                <a:spcPct val="100000"/>
-              </a:lnSpc>
-              <a:spcBef>
-                <a:spcPts val="0"/>
-              </a:spcBef>
-              <a:spcAft>
-                <a:spcPts val="0"/>
-              </a:spcAft>
-              <a:buClr>
-                <a:schemeClr val="dk1"/>
-              </a:buClr>
-              <a:buSzPts val="1200"/>
-              <a:buFont typeface="Arial"/>
-              <a:buChar char="•"/>
-            </a:pPr>
-            <a:r>
-              <a:rPr lang="en-US" sz="1200" b="0" i="0" u="none" strike="noStrike" cap="none">
-                <a:solidFill>
-                  <a:schemeClr val="dk1"/>
-                </a:solidFill>
-                <a:latin typeface="Calibri"/>
-                <a:ea typeface="Calibri"/>
-                <a:cs typeface="Calibri"/>
-                <a:sym typeface="Calibri"/>
-              </a:rPr>
-              <a:t>There are times I will be trying to help people and they are just too afraid to try different things. It is important to experiment </a:t>
-            </a:r>
-            <a:endParaRPr sz="1200" b="0" i="0" u="none" strike="noStrike" cap="none">
+            <a:endParaRPr lang="en-US" sz="1200" b="0" i="0" u="none" strike="noStrike" cap="none" dirty="0">
               <a:solidFill>
                 <a:schemeClr val="dk1"/>
               </a:solidFill>
@@ -2082,7 +2782,7 @@
               </a:spcAft>
               <a:buNone/>
             </a:pPr>
-            <a:endParaRPr sz="1200" b="0" i="0" u="none" strike="noStrike" cap="none">
+            <a:endParaRPr lang="en-US" sz="1200" b="0" i="0" u="none" strike="noStrike" cap="none" dirty="0">
               <a:solidFill>
                 <a:schemeClr val="dk1"/>
               </a:solidFill>
@@ -2103,7 +2803,7 @@
               <a:buNone/>
             </a:pPr>
             <a:r>
-              <a:rPr lang="en-US" sz="1200" b="1" i="0" u="none" strike="noStrike" cap="none">
+              <a:rPr lang="en-NZ" sz="1200" b="0" i="0" u="none" strike="noStrike" cap="none" dirty="0">
                 <a:solidFill>
                   <a:schemeClr val="dk1"/>
                 </a:solidFill>
@@ -2112,9 +2812,8 @@
                 <a:cs typeface="Calibri"/>
                 <a:sym typeface="Calibri"/>
               </a:rPr>
-              <a:t>An acceptance that you will make mistakes</a:t>
+              <a:t>Used some programming before, but we will cover a lot of the basics at the start as a refresher. </a:t>
             </a:r>
-            <a:endParaRPr/>
           </a:p>
           <a:p>
             <a:pPr marL="0" marR="0" lvl="0" indent="0" algn="l" rtl="0">
@@ -2126,33 +2825,8 @@
               </a:spcAft>
               <a:buNone/>
             </a:pPr>
-            <a:endParaRPr sz="1200" b="0" i="0" u="none" strike="noStrike" cap="none">
-              <a:solidFill>
-                <a:schemeClr val="dk1"/>
-              </a:solidFill>
-              <a:latin typeface="Calibri"/>
-              <a:ea typeface="Calibri"/>
-              <a:cs typeface="Calibri"/>
-              <a:sym typeface="Calibri"/>
-            </a:endParaRPr>
-          </a:p>
-          <a:p>
-            <a:pPr marL="171450" marR="0" lvl="0" indent="-171450" algn="l" rtl="0">
-              <a:spcBef>
-                <a:spcPts val="0"/>
-              </a:spcBef>
-              <a:spcAft>
-                <a:spcPts val="0"/>
-              </a:spcAft>
-              <a:buClr>
-                <a:schemeClr val="dk1"/>
-              </a:buClr>
-              <a:buSzPts val="1200"/>
-              <a:buFont typeface="Arial"/>
-              <a:buChar char="•"/>
-            </a:pPr>
-            <a:r>
-              <a:rPr lang="en-US" sz="1200" b="0" i="0" u="none" strike="noStrike" cap="none">
+            <a:br>
+              <a:rPr lang="en-NZ" sz="1200" b="0" i="0" u="none" strike="noStrike" cap="none" dirty="0">
                 <a:solidFill>
                   <a:schemeClr val="dk1"/>
                 </a:solidFill>
@@ -2161,21 +2835,8 @@
                 <a:cs typeface="Calibri"/>
                 <a:sym typeface="Calibri"/>
               </a:rPr>
-              <a:t>It is okay to make mistakes! At Datacom people will make mistakes, as a manager though what they don’t like is when you don’t own up to it and try to cover it up, because it will only get worse. </a:t>
-            </a:r>
-            <a:endParaRPr/>
-          </a:p>
-          <a:p>
-            <a:pPr marL="0" marR="0" lvl="0" indent="0" algn="l" rtl="0">
-              <a:spcBef>
-                <a:spcPts val="0"/>
-              </a:spcBef>
-              <a:spcAft>
-                <a:spcPts val="0"/>
-              </a:spcAft>
-              <a:buNone/>
-            </a:pPr>
-            <a:endParaRPr sz="1200" b="0" i="0" u="none" strike="noStrike" cap="none">
+            </a:br>
+            <a:endParaRPr lang="en-NZ" sz="1200" b="0" i="0" u="none" strike="noStrike" cap="none" dirty="0">
               <a:solidFill>
                 <a:schemeClr val="dk1"/>
               </a:solidFill>
@@ -2196,7 +2857,7 @@
               <a:buNone/>
             </a:pPr>
             <a:r>
-              <a:rPr lang="en-US" sz="1200" b="1" i="0" u="none" strike="noStrike" cap="none">
+              <a:rPr lang="en-NZ" sz="1200" b="0" i="0" u="none" strike="noStrike" cap="none" dirty="0">
                 <a:solidFill>
                   <a:schemeClr val="dk1"/>
                 </a:solidFill>
@@ -2205,9 +2866,8 @@
                 <a:cs typeface="Calibri"/>
                 <a:sym typeface="Calibri"/>
               </a:rPr>
-              <a:t>An understanding that your improvement will not be linear</a:t>
+              <a:t>Reading the theory from book, we cover it in a more practical sense </a:t>
             </a:r>
-            <a:endParaRPr/>
           </a:p>
           <a:p>
             <a:pPr marL="0" marR="0" lvl="0" indent="0" algn="l" rtl="0">
@@ -2219,492 +2879,7 @@
               </a:spcAft>
               <a:buNone/>
             </a:pPr>
-            <a:endParaRPr sz="1200" b="0" i="0" u="none" strike="noStrike" cap="none">
-              <a:solidFill>
-                <a:schemeClr val="dk1"/>
-              </a:solidFill>
-              <a:latin typeface="Calibri"/>
-              <a:ea typeface="Calibri"/>
-              <a:cs typeface="Calibri"/>
-              <a:sym typeface="Calibri"/>
-            </a:endParaRPr>
-          </a:p>
-          <a:p>
-            <a:pPr marL="171450" marR="0" lvl="0" indent="-171450" algn="l" rtl="0">
-              <a:spcBef>
-                <a:spcPts val="0"/>
-              </a:spcBef>
-              <a:spcAft>
-                <a:spcPts val="0"/>
-              </a:spcAft>
-              <a:buClr>
-                <a:schemeClr val="dk1"/>
-              </a:buClr>
-              <a:buSzPts val="1200"/>
-              <a:buFont typeface="Arial"/>
-              <a:buChar char="•"/>
-            </a:pPr>
-            <a:r>
-              <a:rPr lang="en-US" sz="1200" b="0" i="0" u="none" strike="noStrike" cap="none">
-                <a:solidFill>
-                  <a:schemeClr val="dk1"/>
-                </a:solidFill>
-                <a:latin typeface="Calibri"/>
-                <a:ea typeface="Calibri"/>
-                <a:cs typeface="Calibri"/>
-                <a:sym typeface="Calibri"/>
-              </a:rPr>
-              <a:t>You must realise that programming is just another skill that you can master with enough practise. </a:t>
-            </a:r>
-            <a:endParaRPr/>
-          </a:p>
-          <a:p>
-            <a:pPr marL="0" marR="0" lvl="0" indent="0" algn="l" rtl="0">
-              <a:spcBef>
-                <a:spcPts val="0"/>
-              </a:spcBef>
-              <a:spcAft>
-                <a:spcPts val="0"/>
-              </a:spcAft>
-              <a:buNone/>
-            </a:pPr>
-            <a:endParaRPr sz="1200" b="0" i="0" u="none" strike="noStrike" cap="none">
-              <a:solidFill>
-                <a:schemeClr val="dk1"/>
-              </a:solidFill>
-              <a:latin typeface="Calibri"/>
-              <a:ea typeface="Calibri"/>
-              <a:cs typeface="Calibri"/>
-              <a:sym typeface="Calibri"/>
-            </a:endParaRPr>
-          </a:p>
-          <a:p>
-            <a:pPr marL="0" marR="0" lvl="0" indent="0" algn="l" rtl="0">
-              <a:spcBef>
-                <a:spcPts val="0"/>
-              </a:spcBef>
-              <a:spcAft>
-                <a:spcPts val="0"/>
-              </a:spcAft>
-              <a:buNone/>
-            </a:pPr>
-            <a:r>
-              <a:rPr lang="en-US" sz="1200" b="1" i="0" u="none" strike="noStrike" cap="none">
-                <a:solidFill>
-                  <a:schemeClr val="dk1"/>
-                </a:solidFill>
-                <a:latin typeface="Calibri"/>
-                <a:ea typeface="Calibri"/>
-                <a:cs typeface="Calibri"/>
-                <a:sym typeface="Calibri"/>
-              </a:rPr>
-              <a:t>Knowing that perseverance pays off</a:t>
-            </a:r>
-            <a:endParaRPr/>
-          </a:p>
-          <a:p>
-            <a:pPr marL="0" marR="0" lvl="0" indent="0" algn="l" rtl="0">
-              <a:spcBef>
-                <a:spcPts val="0"/>
-              </a:spcBef>
-              <a:spcAft>
-                <a:spcPts val="0"/>
-              </a:spcAft>
-              <a:buNone/>
-            </a:pPr>
-            <a:endParaRPr sz="1200" b="1" i="0" u="none" strike="noStrike" cap="none">
-              <a:solidFill>
-                <a:schemeClr val="dk1"/>
-              </a:solidFill>
-              <a:latin typeface="Calibri"/>
-              <a:ea typeface="Calibri"/>
-              <a:cs typeface="Calibri"/>
-              <a:sym typeface="Calibri"/>
-            </a:endParaRPr>
-          </a:p>
-          <a:p>
-            <a:pPr marL="171450" marR="0" lvl="0" indent="-171450" algn="l" rtl="0">
-              <a:spcBef>
-                <a:spcPts val="0"/>
-              </a:spcBef>
-              <a:spcAft>
-                <a:spcPts val="0"/>
-              </a:spcAft>
-              <a:buClr>
-                <a:schemeClr val="dk1"/>
-              </a:buClr>
-              <a:buSzPts val="1200"/>
-              <a:buFont typeface="Arial"/>
-              <a:buChar char="•"/>
-            </a:pPr>
-            <a:r>
-              <a:rPr lang="en-US" sz="1200" b="0" i="0" u="none" strike="noStrike" cap="none">
-                <a:solidFill>
-                  <a:schemeClr val="dk1"/>
-                </a:solidFill>
-                <a:latin typeface="Calibri"/>
-                <a:ea typeface="Calibri"/>
-                <a:cs typeface="Calibri"/>
-                <a:sym typeface="Calibri"/>
-              </a:rPr>
-              <a:t>At one point, someone working on Crash Bandicoot for the PlayStation took SIX WEEKS to find the source of a bug within the game; turns out, the issue wasn’t even in the game, it was in the hardware.</a:t>
-            </a:r>
-            <a:endParaRPr/>
-          </a:p>
-          <a:p>
-            <a:pPr marL="171450" marR="0" lvl="0" indent="-171450" algn="l" rtl="0">
-              <a:spcBef>
-                <a:spcPts val="0"/>
-              </a:spcBef>
-              <a:spcAft>
-                <a:spcPts val="0"/>
-              </a:spcAft>
-              <a:buClr>
-                <a:schemeClr val="dk1"/>
-              </a:buClr>
-              <a:buSzPts val="1200"/>
-              <a:buFont typeface="Arial"/>
-              <a:buChar char="•"/>
-            </a:pPr>
-            <a:r>
-              <a:rPr lang="en-US" sz="1200" b="0" i="0" u="none" strike="noStrike" cap="none">
-                <a:solidFill>
-                  <a:schemeClr val="dk1"/>
-                </a:solidFill>
-                <a:latin typeface="Calibri"/>
-                <a:ea typeface="Calibri"/>
-                <a:cs typeface="Calibri"/>
-                <a:sym typeface="Calibri"/>
-              </a:rPr>
-              <a:t>For me this is the most important, I think even when you are stuck you must realise when it comes to programming if you go in with a mindset that nothing is impossible and even if you feel like you have tried researching for days and days on end. There will someone out there on some forum like stack overflow where you can post your question and get an answer back!</a:t>
-            </a:r>
-            <a:endParaRPr/>
-          </a:p>
-          <a:p>
-            <a:pPr marL="171450" marR="0" lvl="0" indent="-95250" algn="l" rtl="0">
-              <a:spcBef>
-                <a:spcPts val="0"/>
-              </a:spcBef>
-              <a:spcAft>
-                <a:spcPts val="0"/>
-              </a:spcAft>
-              <a:buClr>
-                <a:schemeClr val="dk1"/>
-              </a:buClr>
-              <a:buSzPts val="1200"/>
-              <a:buFont typeface="Arial"/>
-              <a:buNone/>
-            </a:pPr>
-            <a:endParaRPr sz="1200" b="0" i="0" u="none" strike="noStrike" cap="none">
-              <a:solidFill>
-                <a:schemeClr val="dk1"/>
-              </a:solidFill>
-              <a:latin typeface="Calibri"/>
-              <a:ea typeface="Calibri"/>
-              <a:cs typeface="Calibri"/>
-              <a:sym typeface="Calibri"/>
-            </a:endParaRPr>
-          </a:p>
-          <a:p>
-            <a:pPr marL="0" marR="0" lvl="0" indent="0" algn="l" rtl="0">
-              <a:spcBef>
-                <a:spcPts val="0"/>
-              </a:spcBef>
-              <a:spcAft>
-                <a:spcPts val="0"/>
-              </a:spcAft>
-              <a:buNone/>
-            </a:pPr>
-            <a:r>
-              <a:rPr lang="en-US" sz="1200" b="1" i="0" u="none" strike="noStrike" cap="none">
-                <a:solidFill>
-                  <a:schemeClr val="dk1"/>
-                </a:solidFill>
-                <a:latin typeface="Calibri"/>
-                <a:ea typeface="Calibri"/>
-                <a:cs typeface="Calibri"/>
-                <a:sym typeface="Calibri"/>
-              </a:rPr>
-              <a:t>Reading And Understanding Code</a:t>
-            </a:r>
-            <a:endParaRPr/>
-          </a:p>
-          <a:p>
-            <a:pPr marL="0" marR="0" lvl="0" indent="0" algn="l" rtl="0">
-              <a:spcBef>
-                <a:spcPts val="0"/>
-              </a:spcBef>
-              <a:spcAft>
-                <a:spcPts val="0"/>
-              </a:spcAft>
-              <a:buNone/>
-            </a:pPr>
-            <a:endParaRPr sz="1200" b="1" i="0" u="none" strike="noStrike" cap="none">
-              <a:solidFill>
-                <a:schemeClr val="dk1"/>
-              </a:solidFill>
-              <a:latin typeface="Calibri"/>
-              <a:ea typeface="Calibri"/>
-              <a:cs typeface="Calibri"/>
-              <a:sym typeface="Calibri"/>
-            </a:endParaRPr>
-          </a:p>
-          <a:p>
-            <a:pPr marL="171450" marR="0" lvl="0" indent="-171450" algn="l" rtl="0">
-              <a:spcBef>
-                <a:spcPts val="0"/>
-              </a:spcBef>
-              <a:spcAft>
-                <a:spcPts val="0"/>
-              </a:spcAft>
-              <a:buClr>
-                <a:schemeClr val="dk1"/>
-              </a:buClr>
-              <a:buSzPts val="1200"/>
-              <a:buFont typeface="Arial"/>
-              <a:buChar char="•"/>
-            </a:pPr>
-            <a:r>
-              <a:rPr lang="en-US" sz="1200" b="0" i="0" u="none" strike="noStrike" cap="none">
-                <a:solidFill>
-                  <a:schemeClr val="dk1"/>
-                </a:solidFill>
-                <a:latin typeface="Calibri"/>
-                <a:ea typeface="Calibri"/>
-                <a:cs typeface="Calibri"/>
-                <a:sym typeface="Calibri"/>
-              </a:rPr>
-              <a:t>Reading books and understanding it over time is the only way you will stop looking at lots of code as gibberish. Every line does something different, so you can break it down to one line at a time if that makes it easier. </a:t>
-            </a:r>
-            <a:endParaRPr/>
-          </a:p>
-          <a:p>
-            <a:pPr marL="0" marR="0" lvl="0" indent="0" algn="l" rtl="0">
-              <a:spcBef>
-                <a:spcPts val="0"/>
-              </a:spcBef>
-              <a:spcAft>
-                <a:spcPts val="0"/>
-              </a:spcAft>
-              <a:buNone/>
-            </a:pPr>
-            <a:endParaRPr sz="1200" b="1" i="0" u="none" strike="noStrike" cap="none">
-              <a:solidFill>
-                <a:schemeClr val="dk1"/>
-              </a:solidFill>
-              <a:latin typeface="Calibri"/>
-              <a:ea typeface="Calibri"/>
-              <a:cs typeface="Calibri"/>
-              <a:sym typeface="Calibri"/>
-            </a:endParaRPr>
-          </a:p>
-          <a:p>
-            <a:pPr marL="0" marR="0" lvl="0" indent="0" algn="l" rtl="0">
-              <a:spcBef>
-                <a:spcPts val="0"/>
-              </a:spcBef>
-              <a:spcAft>
-                <a:spcPts val="0"/>
-              </a:spcAft>
-              <a:buNone/>
-            </a:pPr>
-            <a:r>
-              <a:rPr lang="en-US" sz="1200" b="1" i="0" u="none" strike="noStrike" cap="none">
-                <a:solidFill>
-                  <a:schemeClr val="dk1"/>
-                </a:solidFill>
-                <a:latin typeface="Calibri"/>
-                <a:ea typeface="Calibri"/>
-                <a:cs typeface="Calibri"/>
-                <a:sym typeface="Calibri"/>
-              </a:rPr>
-              <a:t>Attention To Detail</a:t>
-            </a:r>
-            <a:endParaRPr/>
-          </a:p>
-          <a:p>
-            <a:pPr marL="0" marR="0" lvl="0" indent="0" algn="l" rtl="0">
-              <a:spcBef>
-                <a:spcPts val="0"/>
-              </a:spcBef>
-              <a:spcAft>
-                <a:spcPts val="0"/>
-              </a:spcAft>
-              <a:buNone/>
-            </a:pPr>
-            <a:endParaRPr sz="1200" b="1" i="0" u="none" strike="noStrike" cap="none">
-              <a:solidFill>
-                <a:schemeClr val="dk1"/>
-              </a:solidFill>
-              <a:latin typeface="Calibri"/>
-              <a:ea typeface="Calibri"/>
-              <a:cs typeface="Calibri"/>
-              <a:sym typeface="Calibri"/>
-            </a:endParaRPr>
-          </a:p>
-          <a:p>
-            <a:pPr marL="171450" marR="0" lvl="0" indent="-171450" algn="l" rtl="0">
-              <a:spcBef>
-                <a:spcPts val="0"/>
-              </a:spcBef>
-              <a:spcAft>
-                <a:spcPts val="0"/>
-              </a:spcAft>
-              <a:buClr>
-                <a:schemeClr val="dk1"/>
-              </a:buClr>
-              <a:buSzPts val="1200"/>
-              <a:buFont typeface="Arial"/>
-              <a:buChar char="•"/>
-            </a:pPr>
-            <a:r>
-              <a:rPr lang="en-US" sz="1200" b="0" i="0" u="none" strike="noStrike" cap="none">
-                <a:solidFill>
-                  <a:schemeClr val="dk1"/>
-                </a:solidFill>
-                <a:latin typeface="Calibri"/>
-                <a:ea typeface="Calibri"/>
-                <a:cs typeface="Calibri"/>
-                <a:sym typeface="Calibri"/>
-              </a:rPr>
-              <a:t>Simple minutia mistakes are still mistakes you have to deal with</a:t>
-            </a:r>
-            <a:endParaRPr/>
-          </a:p>
-          <a:p>
-            <a:pPr marL="171450" marR="0" lvl="0" indent="-95250" algn="l" rtl="0">
-              <a:spcBef>
-                <a:spcPts val="0"/>
-              </a:spcBef>
-              <a:spcAft>
-                <a:spcPts val="0"/>
-              </a:spcAft>
-              <a:buClr>
-                <a:schemeClr val="dk1"/>
-              </a:buClr>
-              <a:buSzPts val="1200"/>
-              <a:buFont typeface="Arial"/>
-              <a:buNone/>
-            </a:pPr>
-            <a:endParaRPr sz="1200" b="1" i="0" u="none" strike="noStrike" cap="none">
-              <a:solidFill>
-                <a:schemeClr val="dk1"/>
-              </a:solidFill>
-              <a:latin typeface="Calibri"/>
-              <a:ea typeface="Calibri"/>
-              <a:cs typeface="Calibri"/>
-              <a:sym typeface="Calibri"/>
-            </a:endParaRPr>
-          </a:p>
-          <a:p>
-            <a:pPr marL="0" marR="0" lvl="0" indent="0" algn="l" rtl="0">
-              <a:spcBef>
-                <a:spcPts val="0"/>
-              </a:spcBef>
-              <a:spcAft>
-                <a:spcPts val="0"/>
-              </a:spcAft>
-              <a:buNone/>
-            </a:pPr>
-            <a:r>
-              <a:rPr lang="en-US" sz="1200" b="1" i="0" u="none" strike="noStrike" cap="none">
-                <a:solidFill>
-                  <a:schemeClr val="dk1"/>
-                </a:solidFill>
-                <a:latin typeface="Calibri"/>
-                <a:ea typeface="Calibri"/>
-                <a:cs typeface="Calibri"/>
-                <a:sym typeface="Calibri"/>
-              </a:rPr>
-              <a:t>Problems Solving</a:t>
-            </a:r>
-            <a:endParaRPr/>
-          </a:p>
-          <a:p>
-            <a:pPr marL="0" marR="0" lvl="0" indent="0" algn="l" rtl="0">
-              <a:spcBef>
-                <a:spcPts val="0"/>
-              </a:spcBef>
-              <a:spcAft>
-                <a:spcPts val="0"/>
-              </a:spcAft>
-              <a:buNone/>
-            </a:pPr>
-            <a:endParaRPr sz="1200" b="1" i="0" u="none" strike="noStrike" cap="none">
-              <a:solidFill>
-                <a:schemeClr val="dk1"/>
-              </a:solidFill>
-              <a:latin typeface="Calibri"/>
-              <a:ea typeface="Calibri"/>
-              <a:cs typeface="Calibri"/>
-              <a:sym typeface="Calibri"/>
-            </a:endParaRPr>
-          </a:p>
-          <a:p>
-            <a:pPr marL="171450" marR="0" lvl="0" indent="-171450" algn="l" rtl="0">
-              <a:spcBef>
-                <a:spcPts val="0"/>
-              </a:spcBef>
-              <a:spcAft>
-                <a:spcPts val="0"/>
-              </a:spcAft>
-              <a:buClr>
-                <a:schemeClr val="dk1"/>
-              </a:buClr>
-              <a:buSzPts val="1200"/>
-              <a:buFont typeface="Arial"/>
-              <a:buChar char="•"/>
-            </a:pPr>
-            <a:r>
-              <a:rPr lang="en-US" sz="1200" b="0" i="0" u="none" strike="noStrike" cap="none">
-                <a:solidFill>
-                  <a:schemeClr val="dk1"/>
-                </a:solidFill>
-                <a:latin typeface="Calibri"/>
-                <a:ea typeface="Calibri"/>
-                <a:cs typeface="Calibri"/>
-                <a:sym typeface="Calibri"/>
-              </a:rPr>
-              <a:t>This doesn’t mean you have to be an ace at maths, it is a combination of research and a whole lot of other factors. </a:t>
-            </a:r>
-            <a:endParaRPr/>
-          </a:p>
-          <a:p>
-            <a:pPr marL="171450" marR="0" lvl="0" indent="-95250" algn="l" rtl="0">
-              <a:spcBef>
-                <a:spcPts val="0"/>
-              </a:spcBef>
-              <a:spcAft>
-                <a:spcPts val="0"/>
-              </a:spcAft>
-              <a:buClr>
-                <a:schemeClr val="dk1"/>
-              </a:buClr>
-              <a:buSzPts val="1200"/>
-              <a:buFont typeface="Arial"/>
-              <a:buNone/>
-            </a:pPr>
-            <a:endParaRPr sz="1200" b="1" i="0" u="none" strike="noStrike" cap="none">
-              <a:solidFill>
-                <a:schemeClr val="dk1"/>
-              </a:solidFill>
-              <a:latin typeface="Calibri"/>
-              <a:ea typeface="Calibri"/>
-              <a:cs typeface="Calibri"/>
-              <a:sym typeface="Calibri"/>
-            </a:endParaRPr>
-          </a:p>
-          <a:p>
-            <a:pPr marL="0" marR="0" lvl="0" indent="0" algn="l" rtl="0">
-              <a:spcBef>
-                <a:spcPts val="0"/>
-              </a:spcBef>
-              <a:spcAft>
-                <a:spcPts val="0"/>
-              </a:spcAft>
-              <a:buNone/>
-            </a:pPr>
-            <a:endParaRPr sz="1200" b="0" i="0" u="none" strike="noStrike" cap="none">
+            <a:endParaRPr sz="1200" b="0" i="0" u="none" strike="noStrike" cap="none" dirty="0">
               <a:solidFill>
                 <a:schemeClr val="dk1"/>
               </a:solidFill>
@@ -2764,7 +2939,7 @@
                 <a:cs typeface="Calibri"/>
                 <a:sym typeface="Calibri"/>
               </a:rPr>
-              <a:t>7</a:t>
+              <a:t>4</a:t>
             </a:fld>
             <a:endParaRPr sz="1200" b="0" i="0" u="none" strike="noStrike" cap="none">
               <a:solidFill>
@@ -2779,6 +2954,11 @@
         </p:txBody>
       </p:sp>
     </p:spTree>
+    <p:extLst>
+      <p:ext uri="{BB962C8B-B14F-4D97-AF65-F5344CB8AC3E}">
+        <p14:creationId xmlns:p14="http://schemas.microsoft.com/office/powerpoint/2010/main" val="2080546855"/>
+      </p:ext>
+    </p:extLst>
   </p:cSld>
   <p:clrMapOvr>
     <a:masterClrMapping/>
@@ -3092,340 +3272,7 @@
                 <a:cs typeface="Calibri"/>
                 <a:sym typeface="Calibri"/>
               </a:rPr>
-              <a:t>8</a:t>
-            </a:fld>
-            <a:endParaRPr sz="1200" b="0" i="0" u="none" strike="noStrike" cap="none">
-              <a:solidFill>
-                <a:schemeClr val="dk1"/>
-              </a:solidFill>
-              <a:latin typeface="Calibri"/>
-              <a:ea typeface="Calibri"/>
-              <a:cs typeface="Calibri"/>
-              <a:sym typeface="Calibri"/>
-            </a:endParaRPr>
-          </a:p>
-        </p:txBody>
-      </p:sp>
-    </p:spTree>
-    <p:extLst>
-      <p:ext uri="{BB962C8B-B14F-4D97-AF65-F5344CB8AC3E}">
-        <p14:creationId xmlns:p14="http://schemas.microsoft.com/office/powerpoint/2010/main" val="2080546855"/>
-      </p:ext>
-    </p:extLst>
-  </p:cSld>
-  <p:clrMapOvr>
-    <a:masterClrMapping/>
-  </p:clrMapOvr>
-</p:notes>
-</file>
-
-<file path=ppt/notesSlides/notesSlide6.xml><?xml version="1.0" encoding="utf-8"?>
-<p:notes xmlns:a="http://schemas.openxmlformats.org/drawingml/2006/main" xmlns:r="http://schemas.openxmlformats.org/officeDocument/2006/relationships" xmlns:p="http://schemas.openxmlformats.org/presentationml/2006/main" showMasterSp="0" showMasterPhAnim="0">
-  <p:cSld>
-    <p:spTree>
-      <p:nvGrpSpPr>
-        <p:cNvPr id="1" name="Shape 117"/>
-        <p:cNvGrpSpPr/>
-        <p:nvPr/>
-      </p:nvGrpSpPr>
-      <p:grpSpPr>
-        <a:xfrm>
-          <a:off x="0" y="0"/>
-          <a:ext cx="0" cy="0"/>
-          <a:chOff x="0" y="0"/>
-          <a:chExt cx="0" cy="0"/>
-        </a:xfrm>
-      </p:grpSpPr>
-      <p:sp>
-        <p:nvSpPr>
-          <p:cNvPr id="118" name="Google Shape;118;p3:notes"/>
-          <p:cNvSpPr>
-            <a:spLocks noGrp="1" noRot="1" noChangeAspect="1"/>
-          </p:cNvSpPr>
-          <p:nvPr>
-            <p:ph type="sldImg" idx="2"/>
-          </p:nvPr>
-        </p:nvSpPr>
-        <p:spPr>
-          <a:xfrm>
-            <a:off x="685800" y="1143000"/>
-            <a:ext cx="5486400" cy="3086100"/>
-          </a:xfrm>
-          <a:custGeom>
-            <a:avLst/>
-            <a:gdLst/>
-            <a:ahLst/>
-            <a:cxnLst/>
-            <a:rect l="l" t="t" r="r" b="b"/>
-            <a:pathLst>
-              <a:path w="120000" h="120000" extrusionOk="0">
-                <a:moveTo>
-                  <a:pt x="0" y="0"/>
-                </a:moveTo>
-                <a:lnTo>
-                  <a:pt x="120000" y="0"/>
-                </a:lnTo>
-                <a:lnTo>
-                  <a:pt x="120000" y="120000"/>
-                </a:lnTo>
-                <a:lnTo>
-                  <a:pt x="0" y="120000"/>
-                </a:lnTo>
-                <a:close/>
-              </a:path>
-            </a:pathLst>
-          </a:custGeom>
-          <a:noFill/>
-          <a:ln w="12700" cap="flat" cmpd="sng">
-            <a:solidFill>
-              <a:srgbClr val="000000"/>
-            </a:solidFill>
-            <a:prstDash val="solid"/>
-            <a:round/>
-            <a:headEnd type="none" w="sm" len="sm"/>
-            <a:tailEnd type="none" w="sm" len="sm"/>
-          </a:ln>
-        </p:spPr>
-      </p:sp>
-      <p:sp>
-        <p:nvSpPr>
-          <p:cNvPr id="119" name="Google Shape;119;p3:notes"/>
-          <p:cNvSpPr txBox="1">
-            <a:spLocks noGrp="1"/>
-          </p:cNvSpPr>
-          <p:nvPr>
-            <p:ph type="body" idx="1"/>
-          </p:nvPr>
-        </p:nvSpPr>
-        <p:spPr>
-          <a:xfrm>
-            <a:off x="685800" y="4400550"/>
-            <a:ext cx="5486400" cy="3600450"/>
-          </a:xfrm>
-          <a:prstGeom prst="rect">
-            <a:avLst/>
-          </a:prstGeom>
-          <a:noFill/>
-          <a:ln>
-            <a:noFill/>
-          </a:ln>
-        </p:spPr>
-        <p:txBody>
-          <a:bodyPr spcFirstLastPara="1" wrap="square" lIns="91425" tIns="45700" rIns="91425" bIns="45700" anchor="t" anchorCtr="0">
-            <a:noAutofit/>
-          </a:bodyPr>
-          <a:lstStyle/>
-          <a:p>
-            <a:pPr marL="0" marR="0" lvl="0" indent="0" algn="l" rtl="0">
-              <a:spcBef>
-                <a:spcPts val="0"/>
-              </a:spcBef>
-              <a:spcAft>
-                <a:spcPts val="0"/>
-              </a:spcAft>
-              <a:buNone/>
-            </a:pPr>
-            <a:r>
-              <a:rPr lang="en-US" sz="1200" b="0" i="0" u="none" strike="noStrike" cap="none" dirty="0">
-                <a:solidFill>
-                  <a:schemeClr val="dk1"/>
-                </a:solidFill>
-                <a:latin typeface="Calibri"/>
-                <a:ea typeface="Calibri"/>
-                <a:cs typeface="Calibri"/>
-                <a:sym typeface="Calibri"/>
-              </a:rPr>
-              <a:t>We are following the material from the book “App Development with swift”</a:t>
-            </a:r>
-          </a:p>
-          <a:p>
-            <a:pPr marL="0" marR="0" lvl="0" indent="0" algn="l" rtl="0">
-              <a:spcBef>
-                <a:spcPts val="0"/>
-              </a:spcBef>
-              <a:spcAft>
-                <a:spcPts val="0"/>
-              </a:spcAft>
-              <a:buNone/>
-            </a:pPr>
-            <a:endParaRPr lang="en-US" sz="1200" b="0" i="0" u="none" strike="noStrike" cap="none" dirty="0">
-              <a:solidFill>
-                <a:schemeClr val="dk1"/>
-              </a:solidFill>
-              <a:latin typeface="Calibri"/>
-              <a:ea typeface="Calibri"/>
-              <a:cs typeface="Calibri"/>
-              <a:sym typeface="Calibri"/>
-            </a:endParaRPr>
-          </a:p>
-          <a:p>
-            <a:pPr marL="0" marR="0" lvl="0" indent="0" algn="l" rtl="0">
-              <a:spcBef>
-                <a:spcPts val="0"/>
-              </a:spcBef>
-              <a:spcAft>
-                <a:spcPts val="0"/>
-              </a:spcAft>
-              <a:buNone/>
-            </a:pPr>
-            <a:endParaRPr lang="en-US" sz="1200" b="0" i="0" u="none" strike="noStrike" cap="none" dirty="0">
-              <a:solidFill>
-                <a:schemeClr val="dk1"/>
-              </a:solidFill>
-              <a:latin typeface="Calibri"/>
-              <a:ea typeface="Calibri"/>
-              <a:cs typeface="Calibri"/>
-              <a:sym typeface="Calibri"/>
-            </a:endParaRPr>
-          </a:p>
-          <a:p>
-            <a:pPr marL="0" marR="0" lvl="0" indent="0" algn="l" rtl="0">
-              <a:spcBef>
-                <a:spcPts val="0"/>
-              </a:spcBef>
-              <a:spcAft>
-                <a:spcPts val="0"/>
-              </a:spcAft>
-              <a:buNone/>
-            </a:pPr>
-            <a:r>
-              <a:rPr lang="en-NZ" sz="1200" b="0" i="0" u="none" strike="noStrike" cap="none" dirty="0">
-                <a:solidFill>
-                  <a:schemeClr val="dk1"/>
-                </a:solidFill>
-                <a:latin typeface="Calibri"/>
-                <a:ea typeface="Calibri"/>
-                <a:cs typeface="Calibri"/>
-                <a:sym typeface="Calibri"/>
-              </a:rPr>
-              <a:t>Used some programming before, but we will cover a lot of the basics at the start as a refresher. </a:t>
-            </a:r>
-          </a:p>
-          <a:p>
-            <a:pPr marL="0" marR="0" lvl="0" indent="0" algn="l" rtl="0">
-              <a:spcBef>
-                <a:spcPts val="0"/>
-              </a:spcBef>
-              <a:spcAft>
-                <a:spcPts val="0"/>
-              </a:spcAft>
-              <a:buNone/>
-            </a:pPr>
-            <a:br>
-              <a:rPr lang="en-NZ" sz="1200" b="0" i="0" u="none" strike="noStrike" cap="none" dirty="0">
-                <a:solidFill>
-                  <a:schemeClr val="dk1"/>
-                </a:solidFill>
-                <a:latin typeface="Calibri"/>
-                <a:ea typeface="Calibri"/>
-                <a:cs typeface="Calibri"/>
-                <a:sym typeface="Calibri"/>
-              </a:rPr>
-            </a:br>
-            <a:endParaRPr lang="en-NZ" sz="1200" b="0" i="0" u="none" strike="noStrike" cap="none" dirty="0">
-              <a:solidFill>
-                <a:schemeClr val="dk1"/>
-              </a:solidFill>
-              <a:latin typeface="Calibri"/>
-              <a:ea typeface="Calibri"/>
-              <a:cs typeface="Calibri"/>
-              <a:sym typeface="Calibri"/>
-            </a:endParaRPr>
-          </a:p>
-          <a:p>
-            <a:pPr marL="0" marR="0" lvl="0" indent="0" algn="l" rtl="0">
-              <a:spcBef>
-                <a:spcPts val="0"/>
-              </a:spcBef>
-              <a:spcAft>
-                <a:spcPts val="0"/>
-              </a:spcAft>
-              <a:buNone/>
-            </a:pPr>
-            <a:r>
-              <a:rPr lang="en-NZ" sz="1200" b="0" i="0" u="none" strike="noStrike" cap="none" dirty="0">
-                <a:solidFill>
-                  <a:schemeClr val="dk1"/>
-                </a:solidFill>
-                <a:latin typeface="Calibri"/>
-                <a:ea typeface="Calibri"/>
-                <a:cs typeface="Calibri"/>
-                <a:sym typeface="Calibri"/>
-              </a:rPr>
-              <a:t>Reading the theory from book, we cover it in a more practical sense </a:t>
-            </a:r>
-          </a:p>
-          <a:p>
-            <a:pPr marL="0" marR="0" lvl="0" indent="0" algn="l" rtl="0">
-              <a:spcBef>
-                <a:spcPts val="0"/>
-              </a:spcBef>
-              <a:spcAft>
-                <a:spcPts val="0"/>
-              </a:spcAft>
-              <a:buNone/>
-            </a:pPr>
-            <a:endParaRPr sz="1200" b="0" i="0" u="none" strike="noStrike" cap="none" dirty="0">
-              <a:solidFill>
-                <a:schemeClr val="dk1"/>
-              </a:solidFill>
-              <a:latin typeface="Calibri"/>
-              <a:ea typeface="Calibri"/>
-              <a:cs typeface="Calibri"/>
-              <a:sym typeface="Calibri"/>
-            </a:endParaRPr>
-          </a:p>
-        </p:txBody>
-      </p:sp>
-      <p:sp>
-        <p:nvSpPr>
-          <p:cNvPr id="120" name="Google Shape;120;p3:notes"/>
-          <p:cNvSpPr txBox="1">
-            <a:spLocks noGrp="1"/>
-          </p:cNvSpPr>
-          <p:nvPr>
-            <p:ph type="sldNum" idx="12"/>
-          </p:nvPr>
-        </p:nvSpPr>
-        <p:spPr>
-          <a:xfrm>
-            <a:off x="3884613" y="8685213"/>
-            <a:ext cx="2971800" cy="458787"/>
-          </a:xfrm>
-          <a:prstGeom prst="rect">
-            <a:avLst/>
-          </a:prstGeom>
-          <a:noFill/>
-          <a:ln>
-            <a:noFill/>
-          </a:ln>
-        </p:spPr>
-        <p:txBody>
-          <a:bodyPr spcFirstLastPara="1" wrap="square" lIns="91425" tIns="45700" rIns="91425" bIns="45700" anchor="b" anchorCtr="0">
-            <a:noAutofit/>
-          </a:bodyPr>
-          <a:lstStyle/>
-          <a:p>
-            <a:pPr marL="0" marR="0" lvl="0" indent="0" algn="r" rtl="0">
-              <a:spcBef>
-                <a:spcPts val="0"/>
-              </a:spcBef>
-              <a:spcAft>
-                <a:spcPts val="0"/>
-              </a:spcAft>
-              <a:buNone/>
-            </a:pPr>
-            <a:fld id="{00000000-1234-1234-1234-123412341234}" type="slidenum">
-              <a:rPr lang="en-US" sz="1200" b="0" i="0" u="none" strike="noStrike" cap="none">
-                <a:solidFill>
-                  <a:schemeClr val="dk1"/>
-                </a:solidFill>
-                <a:latin typeface="Calibri"/>
-                <a:ea typeface="Calibri"/>
-                <a:cs typeface="Calibri"/>
-                <a:sym typeface="Calibri"/>
-              </a:rPr>
-              <a:t>9</a:t>
+              <a:t>5</a:t>
             </a:fld>
             <a:endParaRPr sz="1200" b="0" i="0" u="none" strike="noStrike" cap="none">
               <a:solidFill>
@@ -3443,6 +3290,159 @@
     <p:extLst>
       <p:ext uri="{BB962C8B-B14F-4D97-AF65-F5344CB8AC3E}">
         <p14:creationId xmlns:p14="http://schemas.microsoft.com/office/powerpoint/2010/main" val="2813182458"/>
+      </p:ext>
+    </p:extLst>
+  </p:cSld>
+  <p:clrMapOvr>
+    <a:masterClrMapping/>
+  </p:clrMapOvr>
+</p:notes>
+</file>
+
+<file path=ppt/notesSlides/notesSlide6.xml><?xml version="1.0" encoding="utf-8"?>
+<p:notes xmlns:a="http://schemas.openxmlformats.org/drawingml/2006/main" xmlns:r="http://schemas.openxmlformats.org/officeDocument/2006/relationships" xmlns:p="http://schemas.openxmlformats.org/presentationml/2006/main">
+  <p:cSld>
+    <p:spTree>
+      <p:nvGrpSpPr>
+        <p:cNvPr id="1" name=""/>
+        <p:cNvGrpSpPr/>
+        <p:nvPr/>
+      </p:nvGrpSpPr>
+      <p:grpSpPr>
+        <a:xfrm>
+          <a:off x="0" y="0"/>
+          <a:ext cx="0" cy="0"/>
+          <a:chOff x="0" y="0"/>
+          <a:chExt cx="0" cy="0"/>
+        </a:xfrm>
+      </p:grpSpPr>
+      <p:sp>
+        <p:nvSpPr>
+          <p:cNvPr id="2" name="Slide Image Placeholder 1"/>
+          <p:cNvSpPr>
+            <a:spLocks noGrp="1" noRot="1" noChangeAspect="1"/>
+          </p:cNvSpPr>
+          <p:nvPr>
+            <p:ph type="sldImg"/>
+          </p:nvPr>
+        </p:nvSpPr>
+        <p:spPr/>
+      </p:sp>
+      <p:sp>
+        <p:nvSpPr>
+          <p:cNvPr id="3" name="Notes Placeholder 2"/>
+          <p:cNvSpPr>
+            <a:spLocks noGrp="1"/>
+          </p:cNvSpPr>
+          <p:nvPr>
+            <p:ph type="body" idx="1"/>
+          </p:nvPr>
+        </p:nvSpPr>
+        <p:spPr/>
+        <p:txBody>
+          <a:bodyPr/>
+          <a:lstStyle/>
+          <a:p>
+            <a:r>
+              <a:rPr lang="en-US" dirty="0"/>
+              <a:t>https://</a:t>
+            </a:r>
+            <a:r>
+              <a:rPr lang="en-US" dirty="0" err="1"/>
+              <a:t>prezi.com</a:t>
+            </a:r>
+            <a:r>
+              <a:rPr lang="en-US" dirty="0"/>
+              <a:t>/h1jbkhxx8yl2/?</a:t>
+            </a:r>
+            <a:r>
+              <a:rPr lang="en-US" dirty="0" err="1"/>
+              <a:t>utm_campaign</a:t>
+            </a:r>
+            <a:r>
+              <a:rPr lang="en-US" dirty="0"/>
+              <a:t>=</a:t>
+            </a:r>
+            <a:r>
+              <a:rPr lang="en-US" dirty="0" err="1"/>
+              <a:t>share&amp;utm_medium</a:t>
+            </a:r>
+            <a:r>
+              <a:rPr lang="en-US" dirty="0"/>
+              <a:t>=copy</a:t>
+            </a:r>
+            <a:endParaRPr kumimoji="0" lang="en-US" sz="1200" b="0" i="0" u="none" strike="noStrike" kern="0" cap="none" spc="0" normalizeH="0" baseline="0" noProof="0" dirty="0">
+              <a:ln>
+                <a:noFill/>
+              </a:ln>
+              <a:solidFill>
+                <a:srgbClr val="000000"/>
+              </a:solidFill>
+              <a:effectLst/>
+              <a:uLnTx/>
+              <a:uFillTx/>
+              <a:latin typeface="Calibri"/>
+              <a:cs typeface="Calibri"/>
+              <a:sym typeface="Calibri"/>
+            </a:endParaRPr>
+          </a:p>
+          <a:p>
+            <a:endParaRPr lang="en-US" dirty="0"/>
+          </a:p>
+        </p:txBody>
+      </p:sp>
+      <p:sp>
+        <p:nvSpPr>
+          <p:cNvPr id="4" name="Slide Number Placeholder 3"/>
+          <p:cNvSpPr>
+            <a:spLocks noGrp="1"/>
+          </p:cNvSpPr>
+          <p:nvPr>
+            <p:ph type="sldNum" idx="12"/>
+          </p:nvPr>
+        </p:nvSpPr>
+        <p:spPr/>
+        <p:txBody>
+          <a:bodyPr/>
+          <a:lstStyle/>
+          <a:p>
+            <a:pPr marL="0" marR="0" lvl="0" indent="0" algn="r" rtl="0">
+              <a:spcBef>
+                <a:spcPts val="0"/>
+              </a:spcBef>
+              <a:spcAft>
+                <a:spcPts val="0"/>
+              </a:spcAft>
+              <a:buNone/>
+            </a:pPr>
+            <a:fld id="{00000000-1234-1234-1234-123412341234}" type="slidenum">
+              <a:rPr lang="en-US" sz="1200" b="0" i="0" u="none" strike="noStrike" cap="none" smtClean="0">
+                <a:solidFill>
+                  <a:schemeClr val="dk1"/>
+                </a:solidFill>
+                <a:latin typeface="Calibri"/>
+                <a:ea typeface="Calibri"/>
+                <a:cs typeface="Calibri"/>
+                <a:sym typeface="Calibri"/>
+              </a:rPr>
+              <a:t>9</a:t>
+            </a:fld>
+            <a:endParaRPr lang="en-US" sz="1200" b="0" i="0" u="none" strike="noStrike" cap="none">
+              <a:solidFill>
+                <a:schemeClr val="dk1"/>
+              </a:solidFill>
+              <a:latin typeface="Calibri"/>
+              <a:ea typeface="Calibri"/>
+              <a:cs typeface="Calibri"/>
+              <a:sym typeface="Calibri"/>
+            </a:endParaRPr>
+          </a:p>
+        </p:txBody>
+      </p:sp>
+    </p:spTree>
+    <p:extLst>
+      <p:ext uri="{BB962C8B-B14F-4D97-AF65-F5344CB8AC3E}">
+        <p14:creationId xmlns:p14="http://schemas.microsoft.com/office/powerpoint/2010/main" val="3224811629"/>
       </p:ext>
     </p:extLst>
   </p:cSld>
@@ -18844,6 +18844,1516 @@
     <p:bg>
       <p:bgPr>
         <a:solidFill>
+          <a:schemeClr val="dk1"/>
+        </a:solidFill>
+        <a:effectLst/>
+      </p:bgPr>
+    </p:bg>
+    <p:spTree>
+      <p:nvGrpSpPr>
+        <p:cNvPr id="1" name="Shape 115"/>
+        <p:cNvGrpSpPr/>
+        <p:nvPr/>
+      </p:nvGrpSpPr>
+      <p:grpSpPr>
+        <a:xfrm>
+          <a:off x="0" y="0"/>
+          <a:ext cx="0" cy="0"/>
+          <a:chOff x="0" y="0"/>
+          <a:chExt cx="0" cy="0"/>
+        </a:xfrm>
+      </p:grpSpPr>
+      <p:pic>
+        <p:nvPicPr>
+          <p:cNvPr id="116" name="Google Shape;116;p16"/>
+          <p:cNvPicPr preferRelativeResize="0"/>
+          <p:nvPr/>
+        </p:nvPicPr>
+        <p:blipFill rotWithShape="1">
+          <a:blip r:embed="rId3">
+            <a:alphaModFix/>
+          </a:blip>
+          <a:srcRect b="3628"/>
+          <a:stretch/>
+        </p:blipFill>
+        <p:spPr>
+          <a:xfrm>
+            <a:off x="3697817" y="115746"/>
+            <a:ext cx="5027859" cy="6609144"/>
+          </a:xfrm>
+          <a:prstGeom prst="rect">
+            <a:avLst/>
+          </a:prstGeom>
+          <a:noFill/>
+          <a:ln>
+            <a:noFill/>
+          </a:ln>
+        </p:spPr>
+      </p:pic>
+    </p:spTree>
+  </p:cSld>
+  <p:clrMapOvr>
+    <a:masterClrMapping/>
+  </p:clrMapOvr>
+</p:sld>
+</file>
+
+<file path=ppt/slides/slide3.xml><?xml version="1.0" encoding="utf-8"?>
+<p:sld xmlns:a="http://schemas.openxmlformats.org/drawingml/2006/main" xmlns:r="http://schemas.openxmlformats.org/officeDocument/2006/relationships" xmlns:p="http://schemas.openxmlformats.org/presentationml/2006/main">
+  <p:cSld>
+    <p:bg>
+      <p:bgPr>
+        <a:solidFill>
+          <a:schemeClr val="lt1"/>
+        </a:solidFill>
+        <a:effectLst/>
+      </p:bgPr>
+    </p:bg>
+    <p:spTree>
+      <p:nvGrpSpPr>
+        <p:cNvPr id="1" name="Shape 121"/>
+        <p:cNvGrpSpPr/>
+        <p:nvPr/>
+      </p:nvGrpSpPr>
+      <p:grpSpPr>
+        <a:xfrm>
+          <a:off x="0" y="0"/>
+          <a:ext cx="0" cy="0"/>
+          <a:chOff x="0" y="0"/>
+          <a:chExt cx="0" cy="0"/>
+        </a:xfrm>
+      </p:grpSpPr>
+      <p:sp>
+        <p:nvSpPr>
+          <p:cNvPr id="122" name="Google Shape;122;p17"/>
+          <p:cNvSpPr/>
+          <p:nvPr/>
+        </p:nvSpPr>
+        <p:spPr>
+          <a:xfrm>
+            <a:off x="321564" y="320040"/>
+            <a:ext cx="11548800" cy="6217800"/>
+          </a:xfrm>
+          <a:prstGeom prst="rect">
+            <a:avLst/>
+          </a:prstGeom>
+          <a:solidFill>
+            <a:schemeClr val="dk1">
+              <a:alpha val="7840"/>
+            </a:schemeClr>
+          </a:solidFill>
+          <a:ln>
+            <a:noFill/>
+          </a:ln>
+        </p:spPr>
+        <p:txBody>
+          <a:bodyPr spcFirstLastPara="1" wrap="square" lIns="91425" tIns="45700" rIns="91425" bIns="45700" anchor="ctr" anchorCtr="0">
+            <a:noAutofit/>
+          </a:bodyPr>
+          <a:lstStyle/>
+          <a:p>
+            <a:pPr marL="0" marR="0" lvl="0" indent="0" algn="ctr" rtl="0">
+              <a:spcBef>
+                <a:spcPts val="0"/>
+              </a:spcBef>
+              <a:spcAft>
+                <a:spcPts val="0"/>
+              </a:spcAft>
+              <a:buNone/>
+            </a:pPr>
+            <a:endParaRPr sz="1800" b="0" i="0" u="none" strike="noStrike" cap="none">
+              <a:solidFill>
+                <a:schemeClr val="lt1"/>
+              </a:solidFill>
+              <a:latin typeface="Calibri"/>
+              <a:ea typeface="Calibri"/>
+              <a:cs typeface="Calibri"/>
+              <a:sym typeface="Calibri"/>
+            </a:endParaRPr>
+          </a:p>
+        </p:txBody>
+      </p:sp>
+      <p:sp>
+        <p:nvSpPr>
+          <p:cNvPr id="123" name="Google Shape;123;p17"/>
+          <p:cNvSpPr txBox="1"/>
+          <p:nvPr/>
+        </p:nvSpPr>
+        <p:spPr>
+          <a:xfrm>
+            <a:off x="838200" y="963877"/>
+            <a:ext cx="3494362" cy="4930246"/>
+          </a:xfrm>
+          <a:prstGeom prst="rect">
+            <a:avLst/>
+          </a:prstGeom>
+          <a:noFill/>
+          <a:ln>
+            <a:noFill/>
+          </a:ln>
+        </p:spPr>
+        <p:txBody>
+          <a:bodyPr spcFirstLastPara="1" wrap="square" lIns="91425" tIns="45700" rIns="91425" bIns="45700" anchor="ctr" anchorCtr="0">
+            <a:noAutofit/>
+          </a:bodyPr>
+          <a:lstStyle/>
+          <a:p>
+            <a:pPr marL="0" marR="0" lvl="0" indent="0" algn="r" rtl="0">
+              <a:lnSpc>
+                <a:spcPct val="90000"/>
+              </a:lnSpc>
+              <a:spcBef>
+                <a:spcPts val="0"/>
+              </a:spcBef>
+              <a:spcAft>
+                <a:spcPts val="0"/>
+              </a:spcAft>
+              <a:buNone/>
+            </a:pPr>
+            <a:r>
+              <a:rPr lang="en-US" sz="4400" b="0" i="0" u="none" strike="noStrike" cap="none">
+                <a:solidFill>
+                  <a:schemeClr val="accent1"/>
+                </a:solidFill>
+                <a:latin typeface="Calibri"/>
+                <a:ea typeface="Calibri"/>
+                <a:cs typeface="Calibri"/>
+                <a:sym typeface="Calibri"/>
+              </a:rPr>
+              <a:t>Programming Mindset</a:t>
+            </a:r>
+            <a:endParaRPr/>
+          </a:p>
+          <a:p>
+            <a:pPr marL="0" marR="0" lvl="0" indent="0" algn="r" rtl="0">
+              <a:lnSpc>
+                <a:spcPct val="90000"/>
+              </a:lnSpc>
+              <a:spcBef>
+                <a:spcPts val="600"/>
+              </a:spcBef>
+              <a:spcAft>
+                <a:spcPts val="0"/>
+              </a:spcAft>
+              <a:buNone/>
+            </a:pPr>
+            <a:endParaRPr sz="4400" b="0" i="0" u="none" strike="noStrike" cap="none">
+              <a:solidFill>
+                <a:schemeClr val="accent1"/>
+              </a:solidFill>
+              <a:latin typeface="Calibri"/>
+              <a:ea typeface="Calibri"/>
+              <a:cs typeface="Calibri"/>
+              <a:sym typeface="Calibri"/>
+            </a:endParaRPr>
+          </a:p>
+        </p:txBody>
+      </p:sp>
+      <p:cxnSp>
+        <p:nvCxnSpPr>
+          <p:cNvPr id="124" name="Google Shape;124;p17"/>
+          <p:cNvCxnSpPr/>
+          <p:nvPr/>
+        </p:nvCxnSpPr>
+        <p:spPr>
+          <a:xfrm>
+            <a:off x="4654296" y="2057400"/>
+            <a:ext cx="0" cy="2743200"/>
+          </a:xfrm>
+          <a:prstGeom prst="straightConnector1">
+            <a:avLst/>
+          </a:prstGeom>
+          <a:noFill/>
+          <a:ln w="19050" cap="flat" cmpd="sng">
+            <a:solidFill>
+              <a:srgbClr val="262626"/>
+            </a:solidFill>
+            <a:prstDash val="solid"/>
+            <a:miter lim="800000"/>
+            <a:headEnd type="none" w="sm" len="sm"/>
+            <a:tailEnd type="none" w="sm" len="sm"/>
+          </a:ln>
+        </p:spPr>
+      </p:cxnSp>
+      <p:sp>
+        <p:nvSpPr>
+          <p:cNvPr id="125" name="Google Shape;125;p17"/>
+          <p:cNvSpPr txBox="1"/>
+          <p:nvPr/>
+        </p:nvSpPr>
+        <p:spPr>
+          <a:xfrm>
+            <a:off x="4976031" y="963877"/>
+            <a:ext cx="6377769" cy="4930246"/>
+          </a:xfrm>
+          <a:prstGeom prst="rect">
+            <a:avLst/>
+          </a:prstGeom>
+          <a:noFill/>
+          <a:ln>
+            <a:noFill/>
+          </a:ln>
+        </p:spPr>
+        <p:txBody>
+          <a:bodyPr spcFirstLastPara="1" wrap="square" lIns="91425" tIns="45700" rIns="91425" bIns="45700" anchor="ctr" anchorCtr="0">
+            <a:noAutofit/>
+          </a:bodyPr>
+          <a:lstStyle/>
+          <a:p>
+            <a:pPr marL="285750" marR="0" lvl="0" indent="-228600" algn="l" rtl="0">
+              <a:lnSpc>
+                <a:spcPct val="90000"/>
+              </a:lnSpc>
+              <a:spcBef>
+                <a:spcPts val="0"/>
+              </a:spcBef>
+              <a:spcAft>
+                <a:spcPts val="0"/>
+              </a:spcAft>
+              <a:buClr>
+                <a:schemeClr val="dk1"/>
+              </a:buClr>
+              <a:buSzPts val="2400"/>
+              <a:buFont typeface="Arial"/>
+              <a:buChar char="•"/>
+            </a:pPr>
+            <a:r>
+              <a:rPr lang="en-US" sz="2400" b="0" i="0" u="none" strike="noStrike" cap="none" dirty="0">
+                <a:solidFill>
+                  <a:schemeClr val="dk1"/>
+                </a:solidFill>
+                <a:latin typeface="Calibri"/>
+                <a:ea typeface="Calibri"/>
+                <a:cs typeface="Calibri"/>
+                <a:sym typeface="Calibri"/>
+              </a:rPr>
+              <a:t>A willingness to experiment </a:t>
+            </a:r>
+            <a:endParaRPr dirty="0"/>
+          </a:p>
+          <a:p>
+            <a:pPr marL="285750" marR="0" lvl="0" indent="-228600" algn="l" rtl="0">
+              <a:lnSpc>
+                <a:spcPct val="90000"/>
+              </a:lnSpc>
+              <a:spcBef>
+                <a:spcPts val="600"/>
+              </a:spcBef>
+              <a:spcAft>
+                <a:spcPts val="0"/>
+              </a:spcAft>
+              <a:buClr>
+                <a:schemeClr val="dk1"/>
+              </a:buClr>
+              <a:buSzPts val="2400"/>
+              <a:buFont typeface="Arial"/>
+              <a:buChar char="•"/>
+            </a:pPr>
+            <a:r>
+              <a:rPr lang="en-US" sz="2400" b="0" i="0" u="none" strike="noStrike" cap="none" dirty="0">
+                <a:solidFill>
+                  <a:schemeClr val="dk1"/>
+                </a:solidFill>
+                <a:latin typeface="Calibri"/>
+                <a:ea typeface="Calibri"/>
+                <a:cs typeface="Calibri"/>
+                <a:sym typeface="Calibri"/>
+              </a:rPr>
+              <a:t>An acceptance that you will make mistakes </a:t>
+            </a:r>
+            <a:endParaRPr dirty="0"/>
+          </a:p>
+          <a:p>
+            <a:pPr marL="285750" marR="0" lvl="0" indent="-228600" algn="l" rtl="0">
+              <a:lnSpc>
+                <a:spcPct val="90000"/>
+              </a:lnSpc>
+              <a:spcBef>
+                <a:spcPts val="600"/>
+              </a:spcBef>
+              <a:spcAft>
+                <a:spcPts val="0"/>
+              </a:spcAft>
+              <a:buClr>
+                <a:schemeClr val="dk1"/>
+              </a:buClr>
+              <a:buSzPts val="2400"/>
+              <a:buFont typeface="Arial"/>
+              <a:buChar char="•"/>
+            </a:pPr>
+            <a:r>
+              <a:rPr lang="en-US" sz="2400" b="0" i="0" u="none" strike="noStrike" cap="none" dirty="0">
+                <a:solidFill>
+                  <a:schemeClr val="dk1"/>
+                </a:solidFill>
+                <a:latin typeface="Calibri"/>
+                <a:ea typeface="Calibri"/>
+                <a:cs typeface="Calibri"/>
+                <a:sym typeface="Calibri"/>
+              </a:rPr>
+              <a:t>An understanding that your improvement will not be linear </a:t>
+            </a:r>
+            <a:endParaRPr dirty="0"/>
+          </a:p>
+          <a:p>
+            <a:pPr marL="285750" marR="0" lvl="0" indent="-228600" algn="l" rtl="0">
+              <a:lnSpc>
+                <a:spcPct val="90000"/>
+              </a:lnSpc>
+              <a:spcBef>
+                <a:spcPts val="600"/>
+              </a:spcBef>
+              <a:spcAft>
+                <a:spcPts val="0"/>
+              </a:spcAft>
+              <a:buClr>
+                <a:schemeClr val="dk1"/>
+              </a:buClr>
+              <a:buSzPts val="2400"/>
+              <a:buFont typeface="Arial"/>
+              <a:buChar char="•"/>
+            </a:pPr>
+            <a:r>
+              <a:rPr lang="en-US" sz="2400" b="0" i="0" u="none" strike="noStrike" cap="none" dirty="0">
+                <a:solidFill>
+                  <a:schemeClr val="dk1"/>
+                </a:solidFill>
+                <a:latin typeface="Calibri"/>
+                <a:ea typeface="Calibri"/>
+                <a:cs typeface="Calibri"/>
+                <a:sym typeface="Calibri"/>
+              </a:rPr>
+              <a:t>Knowing that perseverance pays off </a:t>
+            </a:r>
+            <a:endParaRPr dirty="0"/>
+          </a:p>
+          <a:p>
+            <a:pPr marL="285750" marR="0" lvl="0" indent="-76200" algn="l" rtl="0">
+              <a:lnSpc>
+                <a:spcPct val="90000"/>
+              </a:lnSpc>
+              <a:spcBef>
+                <a:spcPts val="600"/>
+              </a:spcBef>
+              <a:spcAft>
+                <a:spcPts val="0"/>
+              </a:spcAft>
+              <a:buClr>
+                <a:schemeClr val="dk1"/>
+              </a:buClr>
+              <a:buSzPts val="2400"/>
+              <a:buFont typeface="Arial"/>
+              <a:buNone/>
+            </a:pPr>
+            <a:endParaRPr sz="2400" b="0" i="0" u="none" strike="noStrike" cap="none" dirty="0">
+              <a:solidFill>
+                <a:schemeClr val="dk1"/>
+              </a:solidFill>
+              <a:latin typeface="Calibri"/>
+              <a:ea typeface="Calibri"/>
+              <a:cs typeface="Calibri"/>
+              <a:sym typeface="Calibri"/>
+            </a:endParaRPr>
+          </a:p>
+        </p:txBody>
+      </p:sp>
+    </p:spTree>
+  </p:cSld>
+  <p:clrMapOvr>
+    <a:masterClrMapping/>
+  </p:clrMapOvr>
+</p:sld>
+</file>
+
+<file path=ppt/slides/slide4.xml><?xml version="1.0" encoding="utf-8"?>
+<p:sld xmlns:a="http://schemas.openxmlformats.org/drawingml/2006/main" xmlns:r="http://schemas.openxmlformats.org/officeDocument/2006/relationships" xmlns:p="http://schemas.openxmlformats.org/presentationml/2006/main">
+  <p:cSld>
+    <p:bg>
+      <p:bgPr>
+        <a:solidFill>
+          <a:schemeClr val="lt1"/>
+        </a:solidFill>
+        <a:effectLst/>
+      </p:bgPr>
+    </p:bg>
+    <p:spTree>
+      <p:nvGrpSpPr>
+        <p:cNvPr id="1" name="Shape 121"/>
+        <p:cNvGrpSpPr/>
+        <p:nvPr/>
+      </p:nvGrpSpPr>
+      <p:grpSpPr>
+        <a:xfrm>
+          <a:off x="0" y="0"/>
+          <a:ext cx="0" cy="0"/>
+          <a:chOff x="0" y="0"/>
+          <a:chExt cx="0" cy="0"/>
+        </a:xfrm>
+      </p:grpSpPr>
+      <p:sp>
+        <p:nvSpPr>
+          <p:cNvPr id="122" name="Google Shape;122;p17"/>
+          <p:cNvSpPr/>
+          <p:nvPr/>
+        </p:nvSpPr>
+        <p:spPr>
+          <a:xfrm>
+            <a:off x="321564" y="320040"/>
+            <a:ext cx="11548800" cy="6217800"/>
+          </a:xfrm>
+          <a:prstGeom prst="rect">
+            <a:avLst/>
+          </a:prstGeom>
+          <a:solidFill>
+            <a:schemeClr val="dk1">
+              <a:alpha val="7840"/>
+            </a:schemeClr>
+          </a:solidFill>
+          <a:ln>
+            <a:noFill/>
+          </a:ln>
+        </p:spPr>
+        <p:txBody>
+          <a:bodyPr spcFirstLastPara="1" wrap="square" lIns="91425" tIns="45700" rIns="91425" bIns="45700" anchor="ctr" anchorCtr="0">
+            <a:noAutofit/>
+          </a:bodyPr>
+          <a:lstStyle/>
+          <a:p>
+            <a:pPr marL="0" marR="0" lvl="0" indent="0" algn="ctr" rtl="0">
+              <a:spcBef>
+                <a:spcPts val="0"/>
+              </a:spcBef>
+              <a:spcAft>
+                <a:spcPts val="0"/>
+              </a:spcAft>
+              <a:buNone/>
+            </a:pPr>
+            <a:endParaRPr sz="1800" b="0" i="0" u="none" strike="noStrike" cap="none">
+              <a:solidFill>
+                <a:schemeClr val="lt1"/>
+              </a:solidFill>
+              <a:latin typeface="Calibri"/>
+              <a:ea typeface="Calibri"/>
+              <a:cs typeface="Calibri"/>
+              <a:sym typeface="Calibri"/>
+            </a:endParaRPr>
+          </a:p>
+        </p:txBody>
+      </p:sp>
+      <p:sp>
+        <p:nvSpPr>
+          <p:cNvPr id="123" name="Google Shape;123;p17"/>
+          <p:cNvSpPr txBox="1"/>
+          <p:nvPr/>
+        </p:nvSpPr>
+        <p:spPr>
+          <a:xfrm>
+            <a:off x="838200" y="963877"/>
+            <a:ext cx="3494362" cy="4930246"/>
+          </a:xfrm>
+          <a:prstGeom prst="rect">
+            <a:avLst/>
+          </a:prstGeom>
+          <a:noFill/>
+          <a:ln>
+            <a:noFill/>
+          </a:ln>
+        </p:spPr>
+        <p:txBody>
+          <a:bodyPr spcFirstLastPara="1" wrap="square" lIns="91425" tIns="45700" rIns="91425" bIns="45700" anchor="ctr" anchorCtr="0">
+            <a:noAutofit/>
+          </a:bodyPr>
+          <a:lstStyle/>
+          <a:p>
+            <a:pPr marL="0" marR="0" lvl="0" indent="0" algn="r" rtl="0">
+              <a:lnSpc>
+                <a:spcPct val="90000"/>
+              </a:lnSpc>
+              <a:spcBef>
+                <a:spcPts val="0"/>
+              </a:spcBef>
+              <a:spcAft>
+                <a:spcPts val="0"/>
+              </a:spcAft>
+              <a:buNone/>
+            </a:pPr>
+            <a:r>
+              <a:rPr lang="en-US" sz="4400" b="0" i="0" u="none" strike="noStrike" cap="none" dirty="0">
+                <a:solidFill>
+                  <a:schemeClr val="accent1"/>
+                </a:solidFill>
+                <a:latin typeface="Calibri"/>
+                <a:ea typeface="Calibri"/>
+                <a:cs typeface="Calibri"/>
+                <a:sym typeface="Calibri"/>
+              </a:rPr>
+              <a:t>Lesson 1</a:t>
+            </a:r>
+            <a:endParaRPr sz="4400" b="0" i="0" u="none" strike="noStrike" cap="none" dirty="0">
+              <a:solidFill>
+                <a:schemeClr val="accent1"/>
+              </a:solidFill>
+              <a:latin typeface="Calibri"/>
+              <a:ea typeface="Calibri"/>
+              <a:cs typeface="Calibri"/>
+              <a:sym typeface="Calibri"/>
+            </a:endParaRPr>
+          </a:p>
+        </p:txBody>
+      </p:sp>
+      <p:cxnSp>
+        <p:nvCxnSpPr>
+          <p:cNvPr id="124" name="Google Shape;124;p17"/>
+          <p:cNvCxnSpPr/>
+          <p:nvPr/>
+        </p:nvCxnSpPr>
+        <p:spPr>
+          <a:xfrm>
+            <a:off x="4654296" y="2057400"/>
+            <a:ext cx="0" cy="2743200"/>
+          </a:xfrm>
+          <a:prstGeom prst="straightConnector1">
+            <a:avLst/>
+          </a:prstGeom>
+          <a:noFill/>
+          <a:ln w="19050" cap="flat" cmpd="sng">
+            <a:solidFill>
+              <a:srgbClr val="262626"/>
+            </a:solidFill>
+            <a:prstDash val="solid"/>
+            <a:miter lim="800000"/>
+            <a:headEnd type="none" w="sm" len="sm"/>
+            <a:tailEnd type="none" w="sm" len="sm"/>
+          </a:ln>
+        </p:spPr>
+      </p:cxnSp>
+      <p:sp>
+        <p:nvSpPr>
+          <p:cNvPr id="125" name="Google Shape;125;p17"/>
+          <p:cNvSpPr txBox="1"/>
+          <p:nvPr/>
+        </p:nvSpPr>
+        <p:spPr>
+          <a:xfrm>
+            <a:off x="4976031" y="963877"/>
+            <a:ext cx="6377769" cy="4930246"/>
+          </a:xfrm>
+          <a:prstGeom prst="rect">
+            <a:avLst/>
+          </a:prstGeom>
+          <a:noFill/>
+          <a:ln>
+            <a:noFill/>
+          </a:ln>
+        </p:spPr>
+        <p:txBody>
+          <a:bodyPr spcFirstLastPara="1" wrap="square" lIns="91425" tIns="45700" rIns="91425" bIns="45700" anchor="ctr" anchorCtr="0">
+            <a:noAutofit/>
+          </a:bodyPr>
+          <a:lstStyle/>
+          <a:p>
+            <a:pPr marL="285750" marR="0" lvl="0" indent="-228600" algn="l" rtl="0">
+              <a:lnSpc>
+                <a:spcPct val="90000"/>
+              </a:lnSpc>
+              <a:spcBef>
+                <a:spcPts val="0"/>
+              </a:spcBef>
+              <a:spcAft>
+                <a:spcPts val="0"/>
+              </a:spcAft>
+              <a:buClr>
+                <a:schemeClr val="dk1"/>
+              </a:buClr>
+              <a:buSzPts val="2400"/>
+              <a:buFont typeface="Arial"/>
+              <a:buChar char="•"/>
+            </a:pPr>
+            <a:endParaRPr dirty="0"/>
+          </a:p>
+          <a:p>
+            <a:pPr marL="552450" indent="-342900">
+              <a:lnSpc>
+                <a:spcPct val="90000"/>
+              </a:lnSpc>
+              <a:spcBef>
+                <a:spcPts val="600"/>
+              </a:spcBef>
+              <a:buClr>
+                <a:schemeClr val="dk1"/>
+              </a:buClr>
+              <a:buSzPts val="2400"/>
+              <a:buFont typeface="Arial" panose="020B0604020202020204" pitchFamily="34" charset="0"/>
+              <a:buChar char="•"/>
+            </a:pPr>
+            <a:r>
+              <a:rPr lang="en-NZ" sz="2400" dirty="0">
+                <a:latin typeface="Calibri" panose="020F0502020204030204" pitchFamily="34" charset="0"/>
+                <a:cs typeface="Calibri" panose="020F0502020204030204" pitchFamily="34" charset="0"/>
+              </a:rPr>
+              <a:t>Introduction to Swift and Playgrounds</a:t>
+            </a:r>
+          </a:p>
+          <a:p>
+            <a:pPr marL="552450" indent="-342900">
+              <a:lnSpc>
+                <a:spcPct val="90000"/>
+              </a:lnSpc>
+              <a:spcBef>
+                <a:spcPts val="600"/>
+              </a:spcBef>
+              <a:buClr>
+                <a:schemeClr val="dk1"/>
+              </a:buClr>
+              <a:buSzPts val="2400"/>
+              <a:buFont typeface="Arial" panose="020B0604020202020204" pitchFamily="34" charset="0"/>
+              <a:buChar char="•"/>
+            </a:pPr>
+            <a:r>
+              <a:rPr lang="en-NZ" sz="2400" dirty="0">
+                <a:latin typeface="Calibri" panose="020F0502020204030204" pitchFamily="34" charset="0"/>
+                <a:cs typeface="Calibri" panose="020F0502020204030204" pitchFamily="34" charset="0"/>
+              </a:rPr>
+              <a:t>Constants Variables and Data Types</a:t>
+            </a:r>
+          </a:p>
+          <a:p>
+            <a:pPr marL="552450" indent="-342900">
+              <a:lnSpc>
+                <a:spcPct val="90000"/>
+              </a:lnSpc>
+              <a:spcBef>
+                <a:spcPts val="600"/>
+              </a:spcBef>
+              <a:buClr>
+                <a:schemeClr val="dk1"/>
+              </a:buClr>
+              <a:buSzPts val="2400"/>
+              <a:buFont typeface="Arial" panose="020B0604020202020204" pitchFamily="34" charset="0"/>
+              <a:buChar char="•"/>
+            </a:pPr>
+            <a:r>
+              <a:rPr lang="en-NZ" sz="2400" dirty="0">
+                <a:latin typeface="Calibri" panose="020F0502020204030204" pitchFamily="34" charset="0"/>
+                <a:cs typeface="Calibri" panose="020F0502020204030204" pitchFamily="34" charset="0"/>
+              </a:rPr>
+              <a:t>Operators</a:t>
+            </a:r>
+          </a:p>
+          <a:p>
+            <a:pPr marL="552450" indent="-342900">
+              <a:lnSpc>
+                <a:spcPct val="90000"/>
+              </a:lnSpc>
+              <a:spcBef>
+                <a:spcPts val="600"/>
+              </a:spcBef>
+              <a:buClr>
+                <a:schemeClr val="dk1"/>
+              </a:buClr>
+              <a:buSzPts val="2400"/>
+              <a:buFont typeface="Arial" panose="020B0604020202020204" pitchFamily="34" charset="0"/>
+              <a:buChar char="•"/>
+            </a:pPr>
+            <a:r>
+              <a:rPr lang="en-NZ" sz="2400" dirty="0">
+                <a:latin typeface="Calibri" panose="020F0502020204030204" pitchFamily="34" charset="0"/>
+                <a:cs typeface="Calibri" panose="020F0502020204030204" pitchFamily="34" charset="0"/>
+              </a:rPr>
+              <a:t>Control Flow</a:t>
+            </a:r>
+          </a:p>
+          <a:p>
+            <a:pPr marL="552450" marR="0" lvl="0" indent="-342900" algn="l" rtl="0">
+              <a:lnSpc>
+                <a:spcPct val="90000"/>
+              </a:lnSpc>
+              <a:spcBef>
+                <a:spcPts val="600"/>
+              </a:spcBef>
+              <a:spcAft>
+                <a:spcPts val="0"/>
+              </a:spcAft>
+              <a:buClr>
+                <a:schemeClr val="dk1"/>
+              </a:buClr>
+              <a:buSzPts val="2400"/>
+              <a:buFont typeface="Arial" panose="020B0604020202020204" pitchFamily="34" charset="0"/>
+              <a:buChar char="•"/>
+            </a:pPr>
+            <a:endParaRPr sz="2400" b="0" i="0" u="none" strike="noStrike" cap="none" dirty="0">
+              <a:solidFill>
+                <a:schemeClr val="dk1"/>
+              </a:solidFill>
+              <a:latin typeface="Calibri"/>
+              <a:ea typeface="Calibri"/>
+              <a:cs typeface="Calibri"/>
+              <a:sym typeface="Calibri"/>
+            </a:endParaRPr>
+          </a:p>
+        </p:txBody>
+      </p:sp>
+    </p:spTree>
+    <p:extLst>
+      <p:ext uri="{BB962C8B-B14F-4D97-AF65-F5344CB8AC3E}">
+        <p14:creationId xmlns:p14="http://schemas.microsoft.com/office/powerpoint/2010/main" val="3116038192"/>
+      </p:ext>
+    </p:extLst>
+  </p:cSld>
+  <p:clrMapOvr>
+    <a:masterClrMapping/>
+  </p:clrMapOvr>
+</p:sld>
+</file>
+
+<file path=ppt/slides/slide5.xml><?xml version="1.0" encoding="utf-8"?>
+<p:sld xmlns:a="http://schemas.openxmlformats.org/drawingml/2006/main" xmlns:r="http://schemas.openxmlformats.org/officeDocument/2006/relationships" xmlns:p="http://schemas.openxmlformats.org/presentationml/2006/main">
+  <p:cSld>
+    <p:bg>
+      <p:bgPr>
+        <a:solidFill>
+          <a:schemeClr val="lt1"/>
+        </a:solidFill>
+        <a:effectLst/>
+      </p:bgPr>
+    </p:bg>
+    <p:spTree>
+      <p:nvGrpSpPr>
+        <p:cNvPr id="1" name="Shape 121"/>
+        <p:cNvGrpSpPr/>
+        <p:nvPr/>
+      </p:nvGrpSpPr>
+      <p:grpSpPr>
+        <a:xfrm>
+          <a:off x="0" y="0"/>
+          <a:ext cx="0" cy="0"/>
+          <a:chOff x="0" y="0"/>
+          <a:chExt cx="0" cy="0"/>
+        </a:xfrm>
+      </p:grpSpPr>
+      <p:sp>
+        <p:nvSpPr>
+          <p:cNvPr id="122" name="Google Shape;122;p17"/>
+          <p:cNvSpPr/>
+          <p:nvPr/>
+        </p:nvSpPr>
+        <p:spPr>
+          <a:xfrm>
+            <a:off x="321564" y="320040"/>
+            <a:ext cx="11548800" cy="6217800"/>
+          </a:xfrm>
+          <a:prstGeom prst="rect">
+            <a:avLst/>
+          </a:prstGeom>
+          <a:solidFill>
+            <a:schemeClr val="dk1">
+              <a:alpha val="7840"/>
+            </a:schemeClr>
+          </a:solidFill>
+          <a:ln>
+            <a:noFill/>
+          </a:ln>
+        </p:spPr>
+        <p:txBody>
+          <a:bodyPr spcFirstLastPara="1" wrap="square" lIns="91425" tIns="45700" rIns="91425" bIns="45700" anchor="ctr" anchorCtr="0">
+            <a:noAutofit/>
+          </a:bodyPr>
+          <a:lstStyle/>
+          <a:p>
+            <a:pPr marL="0" marR="0" lvl="0" indent="0" algn="ctr" rtl="0">
+              <a:spcBef>
+                <a:spcPts val="0"/>
+              </a:spcBef>
+              <a:spcAft>
+                <a:spcPts val="0"/>
+              </a:spcAft>
+              <a:buNone/>
+            </a:pPr>
+            <a:endParaRPr sz="1800" b="0" i="0" u="none" strike="noStrike" cap="none">
+              <a:solidFill>
+                <a:schemeClr val="lt1"/>
+              </a:solidFill>
+              <a:latin typeface="Calibri"/>
+              <a:ea typeface="Calibri"/>
+              <a:cs typeface="Calibri"/>
+              <a:sym typeface="Calibri"/>
+            </a:endParaRPr>
+          </a:p>
+        </p:txBody>
+      </p:sp>
+      <p:sp>
+        <p:nvSpPr>
+          <p:cNvPr id="123" name="Google Shape;123;p17"/>
+          <p:cNvSpPr txBox="1"/>
+          <p:nvPr/>
+        </p:nvSpPr>
+        <p:spPr>
+          <a:xfrm>
+            <a:off x="838200" y="963877"/>
+            <a:ext cx="3494362" cy="4930246"/>
+          </a:xfrm>
+          <a:prstGeom prst="rect">
+            <a:avLst/>
+          </a:prstGeom>
+          <a:noFill/>
+          <a:ln>
+            <a:noFill/>
+          </a:ln>
+        </p:spPr>
+        <p:txBody>
+          <a:bodyPr spcFirstLastPara="1" wrap="square" lIns="91425" tIns="45700" rIns="91425" bIns="45700" anchor="ctr" anchorCtr="0">
+            <a:noAutofit/>
+          </a:bodyPr>
+          <a:lstStyle/>
+          <a:p>
+            <a:pPr marL="0" marR="0" lvl="0" indent="0" algn="r" rtl="0">
+              <a:lnSpc>
+                <a:spcPct val="90000"/>
+              </a:lnSpc>
+              <a:spcBef>
+                <a:spcPts val="0"/>
+              </a:spcBef>
+              <a:spcAft>
+                <a:spcPts val="0"/>
+              </a:spcAft>
+              <a:buNone/>
+            </a:pPr>
+            <a:r>
+              <a:rPr lang="en-US" sz="4400" b="0" i="0" u="none" strike="noStrike" cap="none" dirty="0">
+                <a:solidFill>
+                  <a:schemeClr val="accent1"/>
+                </a:solidFill>
+                <a:latin typeface="Calibri"/>
+                <a:ea typeface="Calibri"/>
+                <a:cs typeface="Calibri"/>
+                <a:sym typeface="Calibri"/>
+              </a:rPr>
+              <a:t>Course Overview</a:t>
+            </a:r>
+            <a:endParaRPr sz="4400" b="0" i="0" u="none" strike="noStrike" cap="none" dirty="0">
+              <a:solidFill>
+                <a:schemeClr val="accent1"/>
+              </a:solidFill>
+              <a:latin typeface="Calibri"/>
+              <a:ea typeface="Calibri"/>
+              <a:cs typeface="Calibri"/>
+              <a:sym typeface="Calibri"/>
+            </a:endParaRPr>
+          </a:p>
+        </p:txBody>
+      </p:sp>
+      <p:cxnSp>
+        <p:nvCxnSpPr>
+          <p:cNvPr id="124" name="Google Shape;124;p17"/>
+          <p:cNvCxnSpPr/>
+          <p:nvPr/>
+        </p:nvCxnSpPr>
+        <p:spPr>
+          <a:xfrm>
+            <a:off x="4654296" y="2057400"/>
+            <a:ext cx="0" cy="2743200"/>
+          </a:xfrm>
+          <a:prstGeom prst="straightConnector1">
+            <a:avLst/>
+          </a:prstGeom>
+          <a:noFill/>
+          <a:ln w="19050" cap="flat" cmpd="sng">
+            <a:solidFill>
+              <a:srgbClr val="262626"/>
+            </a:solidFill>
+            <a:prstDash val="solid"/>
+            <a:miter lim="800000"/>
+            <a:headEnd type="none" w="sm" len="sm"/>
+            <a:tailEnd type="none" w="sm" len="sm"/>
+          </a:ln>
+        </p:spPr>
+      </p:cxnSp>
+      <p:sp>
+        <p:nvSpPr>
+          <p:cNvPr id="125" name="Google Shape;125;p17"/>
+          <p:cNvSpPr txBox="1"/>
+          <p:nvPr/>
+        </p:nvSpPr>
+        <p:spPr>
+          <a:xfrm>
+            <a:off x="4976031" y="1607594"/>
+            <a:ext cx="6377769" cy="4930246"/>
+          </a:xfrm>
+          <a:prstGeom prst="rect">
+            <a:avLst/>
+          </a:prstGeom>
+          <a:noFill/>
+          <a:ln>
+            <a:noFill/>
+          </a:ln>
+        </p:spPr>
+        <p:txBody>
+          <a:bodyPr spcFirstLastPara="1" wrap="square" lIns="91425" tIns="45700" rIns="91425" bIns="45700" anchor="ctr" anchorCtr="0">
+            <a:noAutofit/>
+          </a:bodyPr>
+          <a:lstStyle/>
+          <a:p>
+            <a:pPr marL="285750" marR="0" lvl="0" indent="-228600" algn="l" rtl="0">
+              <a:lnSpc>
+                <a:spcPct val="90000"/>
+              </a:lnSpc>
+              <a:spcBef>
+                <a:spcPts val="0"/>
+              </a:spcBef>
+              <a:spcAft>
+                <a:spcPts val="0"/>
+              </a:spcAft>
+              <a:buClr>
+                <a:schemeClr val="dk1"/>
+              </a:buClr>
+              <a:buSzPts val="2400"/>
+              <a:buFont typeface="Arial"/>
+              <a:buChar char="•"/>
+            </a:pPr>
+            <a:endParaRPr dirty="0"/>
+          </a:p>
+          <a:p>
+            <a:pPr marL="552450" indent="-342900">
+              <a:lnSpc>
+                <a:spcPct val="90000"/>
+              </a:lnSpc>
+              <a:spcBef>
+                <a:spcPts val="600"/>
+              </a:spcBef>
+              <a:buClr>
+                <a:schemeClr val="dk1"/>
+              </a:buClr>
+              <a:buSzPts val="2400"/>
+              <a:buFont typeface="Arial" panose="020B0604020202020204" pitchFamily="34" charset="0"/>
+              <a:buChar char="•"/>
+            </a:pPr>
+            <a:r>
+              <a:rPr lang="en-NZ" sz="2400" dirty="0">
+                <a:latin typeface="Calibri" panose="020F0502020204030204" pitchFamily="34" charset="0"/>
+                <a:cs typeface="Calibri" panose="020F0502020204030204" pitchFamily="34" charset="0"/>
+              </a:rPr>
+              <a:t>XCode, Debugging, Source Control </a:t>
+            </a:r>
+          </a:p>
+          <a:p>
+            <a:pPr marL="552450" indent="-342900">
+              <a:lnSpc>
+                <a:spcPct val="90000"/>
+              </a:lnSpc>
+              <a:spcBef>
+                <a:spcPts val="600"/>
+              </a:spcBef>
+              <a:buClr>
+                <a:schemeClr val="dk1"/>
+              </a:buClr>
+              <a:buSzPts val="2400"/>
+              <a:buFont typeface="Arial" panose="020B0604020202020204" pitchFamily="34" charset="0"/>
+              <a:buChar char="•"/>
+            </a:pPr>
+            <a:r>
+              <a:rPr lang="en-NZ" sz="2400" dirty="0">
+                <a:latin typeface="Calibri" panose="020F0502020204030204" pitchFamily="34" charset="0"/>
+                <a:cs typeface="Calibri" panose="020F0502020204030204" pitchFamily="34" charset="0"/>
+              </a:rPr>
+              <a:t>Classes, Collections, Loops</a:t>
+            </a:r>
+          </a:p>
+          <a:p>
+            <a:pPr marL="552450" marR="0" lvl="0" indent="-342900" algn="l" rtl="0">
+              <a:lnSpc>
+                <a:spcPct val="90000"/>
+              </a:lnSpc>
+              <a:spcBef>
+                <a:spcPts val="600"/>
+              </a:spcBef>
+              <a:spcAft>
+                <a:spcPts val="0"/>
+              </a:spcAft>
+              <a:buClr>
+                <a:schemeClr val="dk1"/>
+              </a:buClr>
+              <a:buSzPts val="2400"/>
+              <a:buFont typeface="Arial" panose="020B0604020202020204" pitchFamily="34" charset="0"/>
+              <a:buChar char="•"/>
+            </a:pPr>
+            <a:r>
+              <a:rPr lang="en-US" sz="2400" b="0" i="0" u="none" strike="noStrike" cap="none" dirty="0">
+                <a:solidFill>
+                  <a:schemeClr val="dk1"/>
+                </a:solidFill>
+                <a:latin typeface="Calibri"/>
+                <a:ea typeface="Calibri"/>
+                <a:cs typeface="Calibri"/>
+                <a:sym typeface="Calibri"/>
+              </a:rPr>
+              <a:t>Displa</a:t>
+            </a:r>
+            <a:r>
+              <a:rPr lang="en-US" sz="2400" dirty="0">
+                <a:solidFill>
+                  <a:schemeClr val="dk1"/>
+                </a:solidFill>
+                <a:latin typeface="Calibri"/>
+                <a:ea typeface="Calibri"/>
+                <a:cs typeface="Calibri"/>
+                <a:sym typeface="Calibri"/>
+              </a:rPr>
+              <a:t>y Data, Auto Layout</a:t>
+            </a:r>
+          </a:p>
+          <a:p>
+            <a:pPr marL="552450" marR="0" lvl="0" indent="-342900" algn="l" rtl="0">
+              <a:lnSpc>
+                <a:spcPct val="90000"/>
+              </a:lnSpc>
+              <a:spcBef>
+                <a:spcPts val="600"/>
+              </a:spcBef>
+              <a:spcAft>
+                <a:spcPts val="0"/>
+              </a:spcAft>
+              <a:buClr>
+                <a:schemeClr val="dk1"/>
+              </a:buClr>
+              <a:buSzPts val="2400"/>
+              <a:buFont typeface="Arial" panose="020B0604020202020204" pitchFamily="34" charset="0"/>
+              <a:buChar char="•"/>
+            </a:pPr>
+            <a:r>
+              <a:rPr lang="en-US" sz="2400" b="0" i="0" u="none" strike="noStrike" cap="none" dirty="0" err="1">
+                <a:solidFill>
+                  <a:schemeClr val="dk1"/>
+                </a:solidFill>
+                <a:latin typeface="Calibri"/>
+                <a:ea typeface="Calibri"/>
+                <a:cs typeface="Calibri"/>
+                <a:sym typeface="Calibri"/>
+              </a:rPr>
+              <a:t>Option</a:t>
+            </a:r>
+            <a:r>
+              <a:rPr lang="en-US" sz="2400" dirty="0" err="1">
+                <a:solidFill>
+                  <a:schemeClr val="dk1"/>
+                </a:solidFill>
+                <a:latin typeface="Calibri"/>
+                <a:ea typeface="Calibri"/>
+                <a:cs typeface="Calibri"/>
+                <a:sym typeface="Calibri"/>
+              </a:rPr>
+              <a:t>als</a:t>
+            </a:r>
+            <a:r>
+              <a:rPr lang="en-US" sz="2400" dirty="0">
+                <a:solidFill>
+                  <a:schemeClr val="dk1"/>
+                </a:solidFill>
+                <a:latin typeface="Calibri"/>
+                <a:ea typeface="Calibri"/>
+                <a:cs typeface="Calibri"/>
+                <a:sym typeface="Calibri"/>
+              </a:rPr>
+              <a:t>, Type casting</a:t>
+            </a:r>
+          </a:p>
+          <a:p>
+            <a:pPr marL="552450" marR="0" lvl="0" indent="-342900" algn="l" rtl="0">
+              <a:lnSpc>
+                <a:spcPct val="90000"/>
+              </a:lnSpc>
+              <a:spcBef>
+                <a:spcPts val="600"/>
+              </a:spcBef>
+              <a:spcAft>
+                <a:spcPts val="0"/>
+              </a:spcAft>
+              <a:buClr>
+                <a:schemeClr val="dk1"/>
+              </a:buClr>
+              <a:buSzPts val="2400"/>
+              <a:buFont typeface="Arial" panose="020B0604020202020204" pitchFamily="34" charset="0"/>
+              <a:buChar char="•"/>
+            </a:pPr>
+            <a:r>
+              <a:rPr lang="en-US" sz="2400" b="0" i="0" u="none" strike="noStrike" cap="none" dirty="0">
+                <a:solidFill>
+                  <a:schemeClr val="dk1"/>
+                </a:solidFill>
+                <a:latin typeface="Calibri"/>
+                <a:ea typeface="Calibri"/>
+                <a:cs typeface="Calibri"/>
+                <a:sym typeface="Calibri"/>
+              </a:rPr>
+              <a:t>Guard</a:t>
+            </a:r>
+            <a:r>
+              <a:rPr lang="en-US" sz="2400" dirty="0">
+                <a:solidFill>
+                  <a:schemeClr val="dk1"/>
+                </a:solidFill>
+                <a:latin typeface="Calibri"/>
+                <a:ea typeface="Calibri"/>
+                <a:cs typeface="Calibri"/>
+                <a:sym typeface="Calibri"/>
+              </a:rPr>
+              <a:t> statements, API structure </a:t>
+            </a:r>
+          </a:p>
+          <a:p>
+            <a:pPr marL="552450" marR="0" lvl="0" indent="-342900" algn="l" rtl="0">
+              <a:lnSpc>
+                <a:spcPct val="90000"/>
+              </a:lnSpc>
+              <a:spcBef>
+                <a:spcPts val="600"/>
+              </a:spcBef>
+              <a:spcAft>
+                <a:spcPts val="0"/>
+              </a:spcAft>
+              <a:buClr>
+                <a:schemeClr val="dk1"/>
+              </a:buClr>
+              <a:buSzPts val="2400"/>
+              <a:buFont typeface="Arial" panose="020B0604020202020204" pitchFamily="34" charset="0"/>
+              <a:buChar char="•"/>
+            </a:pPr>
+            <a:r>
+              <a:rPr lang="en-US" sz="2400" b="0" i="0" u="none" strike="noStrike" cap="none" dirty="0">
+                <a:solidFill>
+                  <a:schemeClr val="dk1"/>
+                </a:solidFill>
+                <a:latin typeface="Calibri"/>
+                <a:ea typeface="Calibri"/>
+                <a:cs typeface="Calibri"/>
+                <a:sym typeface="Calibri"/>
+              </a:rPr>
+              <a:t>Scope</a:t>
+            </a:r>
+            <a:r>
+              <a:rPr lang="en-US" sz="2400" dirty="0">
+                <a:solidFill>
+                  <a:schemeClr val="dk1"/>
+                </a:solidFill>
+                <a:latin typeface="Calibri"/>
+                <a:ea typeface="Calibri"/>
+                <a:cs typeface="Calibri"/>
+                <a:sym typeface="Calibri"/>
+              </a:rPr>
+              <a:t>, Segue </a:t>
+            </a:r>
+            <a:r>
+              <a:rPr lang="en-US" sz="2400" dirty="0" err="1">
+                <a:solidFill>
+                  <a:schemeClr val="dk1"/>
+                </a:solidFill>
+                <a:latin typeface="Calibri"/>
+                <a:ea typeface="Calibri"/>
+                <a:cs typeface="Calibri"/>
+                <a:sym typeface="Calibri"/>
+              </a:rPr>
+              <a:t>Enums</a:t>
+            </a:r>
+            <a:endParaRPr lang="en-US" sz="2400" dirty="0">
+              <a:solidFill>
+                <a:schemeClr val="dk1"/>
+              </a:solidFill>
+              <a:latin typeface="Calibri"/>
+              <a:ea typeface="Calibri"/>
+              <a:cs typeface="Calibri"/>
+              <a:sym typeface="Calibri"/>
+            </a:endParaRPr>
+          </a:p>
+          <a:p>
+            <a:pPr marL="552450" marR="0" lvl="0" indent="-342900" algn="l" rtl="0">
+              <a:lnSpc>
+                <a:spcPct val="90000"/>
+              </a:lnSpc>
+              <a:spcBef>
+                <a:spcPts val="600"/>
+              </a:spcBef>
+              <a:spcAft>
+                <a:spcPts val="0"/>
+              </a:spcAft>
+              <a:buClr>
+                <a:schemeClr val="dk1"/>
+              </a:buClr>
+              <a:buSzPts val="2400"/>
+              <a:buFont typeface="Arial" panose="020B0604020202020204" pitchFamily="34" charset="0"/>
+              <a:buChar char="•"/>
+            </a:pPr>
+            <a:r>
+              <a:rPr lang="en-US" sz="2400" dirty="0">
+                <a:solidFill>
+                  <a:schemeClr val="dk1"/>
+                </a:solidFill>
+                <a:latin typeface="Calibri"/>
+                <a:ea typeface="Calibri"/>
+                <a:cs typeface="Calibri"/>
+                <a:sym typeface="Calibri"/>
+              </a:rPr>
+              <a:t>Tab bar controller, View controller</a:t>
+            </a:r>
+          </a:p>
+          <a:p>
+            <a:pPr marL="552450" marR="0" lvl="0" indent="-342900" algn="l" rtl="0">
+              <a:lnSpc>
+                <a:spcPct val="90000"/>
+              </a:lnSpc>
+              <a:spcBef>
+                <a:spcPts val="600"/>
+              </a:spcBef>
+              <a:spcAft>
+                <a:spcPts val="0"/>
+              </a:spcAft>
+              <a:buClr>
+                <a:schemeClr val="dk1"/>
+              </a:buClr>
+              <a:buSzPts val="2400"/>
+              <a:buFont typeface="Arial" panose="020B0604020202020204" pitchFamily="34" charset="0"/>
+              <a:buChar char="•"/>
+            </a:pPr>
+            <a:r>
+              <a:rPr lang="en-US" sz="2400" dirty="0">
+                <a:solidFill>
+                  <a:schemeClr val="dk1"/>
+                </a:solidFill>
+                <a:latin typeface="Calibri"/>
+                <a:ea typeface="Calibri"/>
+                <a:cs typeface="Calibri"/>
+                <a:sym typeface="Calibri"/>
+              </a:rPr>
+              <a:t>Protocols, App lifecycle</a:t>
+            </a:r>
+          </a:p>
+          <a:p>
+            <a:pPr marL="552450" marR="0" lvl="0" indent="-342900" algn="l" rtl="0">
+              <a:lnSpc>
+                <a:spcPct val="90000"/>
+              </a:lnSpc>
+              <a:spcBef>
+                <a:spcPts val="600"/>
+              </a:spcBef>
+              <a:spcAft>
+                <a:spcPts val="0"/>
+              </a:spcAft>
+              <a:buClr>
+                <a:schemeClr val="dk1"/>
+              </a:buClr>
+              <a:buSzPts val="2400"/>
+              <a:buFont typeface="Arial" panose="020B0604020202020204" pitchFamily="34" charset="0"/>
+              <a:buChar char="•"/>
+            </a:pPr>
+            <a:r>
+              <a:rPr lang="en-US" sz="2400" dirty="0">
+                <a:solidFill>
+                  <a:schemeClr val="dk1"/>
+                </a:solidFill>
+                <a:latin typeface="Calibri"/>
+                <a:ea typeface="Calibri"/>
+                <a:cs typeface="Calibri"/>
+                <a:sym typeface="Calibri"/>
+              </a:rPr>
+              <a:t>Scroll view, Table view</a:t>
+            </a:r>
+          </a:p>
+          <a:p>
+            <a:pPr marL="552450" marR="0" lvl="0" indent="-342900" algn="l" rtl="0">
+              <a:lnSpc>
+                <a:spcPct val="90000"/>
+              </a:lnSpc>
+              <a:spcBef>
+                <a:spcPts val="600"/>
+              </a:spcBef>
+              <a:spcAft>
+                <a:spcPts val="0"/>
+              </a:spcAft>
+              <a:buClr>
+                <a:schemeClr val="dk1"/>
+              </a:buClr>
+              <a:buSzPts val="2400"/>
+              <a:buFont typeface="Arial" panose="020B0604020202020204" pitchFamily="34" charset="0"/>
+              <a:buChar char="•"/>
+            </a:pPr>
+            <a:r>
+              <a:rPr lang="en-US" sz="2400" dirty="0">
+                <a:solidFill>
+                  <a:schemeClr val="dk1"/>
+                </a:solidFill>
+                <a:latin typeface="Calibri"/>
+                <a:ea typeface="Calibri"/>
+                <a:cs typeface="Calibri"/>
+                <a:sym typeface="Calibri"/>
+              </a:rPr>
+              <a:t>System view controller, Web requests</a:t>
+            </a:r>
+          </a:p>
+          <a:p>
+            <a:pPr marL="552450" marR="0" lvl="0" indent="-342900" algn="l" rtl="0">
+              <a:lnSpc>
+                <a:spcPct val="90000"/>
+              </a:lnSpc>
+              <a:spcBef>
+                <a:spcPts val="600"/>
+              </a:spcBef>
+              <a:spcAft>
+                <a:spcPts val="0"/>
+              </a:spcAft>
+              <a:buClr>
+                <a:schemeClr val="dk1"/>
+              </a:buClr>
+              <a:buSzPts val="2400"/>
+              <a:buFont typeface="Arial" panose="020B0604020202020204" pitchFamily="34" charset="0"/>
+              <a:buChar char="•"/>
+            </a:pPr>
+            <a:r>
+              <a:rPr lang="en-US" sz="2400" dirty="0">
+                <a:solidFill>
+                  <a:schemeClr val="dk1"/>
+                </a:solidFill>
+                <a:latin typeface="Calibri"/>
+                <a:ea typeface="Calibri"/>
+                <a:cs typeface="Calibri"/>
+                <a:sym typeface="Calibri"/>
+              </a:rPr>
+              <a:t>Closures, Extensions</a:t>
+            </a:r>
+          </a:p>
+          <a:p>
+            <a:pPr marL="552450" marR="0" lvl="0" indent="-342900" algn="l" rtl="0">
+              <a:lnSpc>
+                <a:spcPct val="90000"/>
+              </a:lnSpc>
+              <a:spcBef>
+                <a:spcPts val="600"/>
+              </a:spcBef>
+              <a:spcAft>
+                <a:spcPts val="0"/>
+              </a:spcAft>
+              <a:buClr>
+                <a:schemeClr val="dk1"/>
+              </a:buClr>
+              <a:buSzPts val="2400"/>
+              <a:buFont typeface="Arial" panose="020B0604020202020204" pitchFamily="34" charset="0"/>
+              <a:buChar char="•"/>
+            </a:pPr>
+            <a:r>
+              <a:rPr lang="en-US" sz="2400" dirty="0">
+                <a:solidFill>
+                  <a:schemeClr val="dk1"/>
+                </a:solidFill>
+                <a:latin typeface="Calibri"/>
+                <a:ea typeface="Calibri"/>
+                <a:cs typeface="Calibri"/>
+                <a:sym typeface="Calibri"/>
+              </a:rPr>
+              <a:t>App deployment, Swift 5</a:t>
+            </a:r>
+          </a:p>
+          <a:p>
+            <a:pPr marL="552450" marR="0" lvl="0" indent="-342900" algn="l" rtl="0">
+              <a:lnSpc>
+                <a:spcPct val="90000"/>
+              </a:lnSpc>
+              <a:spcBef>
+                <a:spcPts val="600"/>
+              </a:spcBef>
+              <a:spcAft>
+                <a:spcPts val="0"/>
+              </a:spcAft>
+              <a:buClr>
+                <a:schemeClr val="dk1"/>
+              </a:buClr>
+              <a:buSzPts val="2400"/>
+              <a:buFont typeface="Arial" panose="020B0604020202020204" pitchFamily="34" charset="0"/>
+              <a:buChar char="•"/>
+            </a:pPr>
+            <a:endParaRPr lang="en-US" sz="2400" dirty="0">
+              <a:solidFill>
+                <a:schemeClr val="dk1"/>
+              </a:solidFill>
+              <a:latin typeface="Calibri"/>
+              <a:ea typeface="Calibri"/>
+              <a:cs typeface="Calibri"/>
+              <a:sym typeface="Calibri"/>
+            </a:endParaRPr>
+          </a:p>
+          <a:p>
+            <a:pPr marL="552450" marR="0" lvl="0" indent="-342900" algn="l" rtl="0">
+              <a:lnSpc>
+                <a:spcPct val="90000"/>
+              </a:lnSpc>
+              <a:spcBef>
+                <a:spcPts val="600"/>
+              </a:spcBef>
+              <a:spcAft>
+                <a:spcPts val="0"/>
+              </a:spcAft>
+              <a:buClr>
+                <a:schemeClr val="dk1"/>
+              </a:buClr>
+              <a:buSzPts val="2400"/>
+              <a:buFont typeface="Arial" panose="020B0604020202020204" pitchFamily="34" charset="0"/>
+              <a:buChar char="•"/>
+            </a:pPr>
+            <a:endParaRPr lang="en-US" sz="2400" dirty="0">
+              <a:solidFill>
+                <a:schemeClr val="dk1"/>
+              </a:solidFill>
+              <a:latin typeface="Calibri"/>
+              <a:ea typeface="Calibri"/>
+              <a:cs typeface="Calibri"/>
+              <a:sym typeface="Calibri"/>
+            </a:endParaRPr>
+          </a:p>
+          <a:p>
+            <a:pPr marL="552450" marR="0" lvl="0" indent="-342900" algn="l" rtl="0">
+              <a:lnSpc>
+                <a:spcPct val="90000"/>
+              </a:lnSpc>
+              <a:spcBef>
+                <a:spcPts val="600"/>
+              </a:spcBef>
+              <a:spcAft>
+                <a:spcPts val="0"/>
+              </a:spcAft>
+              <a:buClr>
+                <a:schemeClr val="dk1"/>
+              </a:buClr>
+              <a:buSzPts val="2400"/>
+              <a:buFont typeface="Arial" panose="020B0604020202020204" pitchFamily="34" charset="0"/>
+              <a:buChar char="•"/>
+            </a:pPr>
+            <a:endParaRPr sz="2400" b="0" i="0" u="none" strike="noStrike" cap="none" dirty="0">
+              <a:solidFill>
+                <a:schemeClr val="dk1"/>
+              </a:solidFill>
+              <a:latin typeface="Calibri"/>
+              <a:ea typeface="Calibri"/>
+              <a:cs typeface="Calibri"/>
+              <a:sym typeface="Calibri"/>
+            </a:endParaRPr>
+          </a:p>
+        </p:txBody>
+      </p:sp>
+    </p:spTree>
+    <p:extLst>
+      <p:ext uri="{BB962C8B-B14F-4D97-AF65-F5344CB8AC3E}">
+        <p14:creationId xmlns:p14="http://schemas.microsoft.com/office/powerpoint/2010/main" val="3510861473"/>
+      </p:ext>
+    </p:extLst>
+  </p:cSld>
+  <p:clrMapOvr>
+    <a:masterClrMapping/>
+  </p:clrMapOvr>
+</p:sld>
+</file>
+
+<file path=ppt/slides/slide6.xml><?xml version="1.0" encoding="utf-8"?>
+<p:sld xmlns:a="http://schemas.openxmlformats.org/drawingml/2006/main" xmlns:r="http://schemas.openxmlformats.org/officeDocument/2006/relationships" xmlns:p="http://schemas.openxmlformats.org/presentationml/2006/main">
+  <p:cSld>
+    <p:bg>
+      <p:bgPr>
+        <a:solidFill>
           <a:schemeClr val="tx1">
             <a:lumMod val="75000"/>
             <a:lumOff val="25000"/>
@@ -19723,7 +21233,7 @@
 </p:sld>
 </file>
 
-<file path=ppt/slides/slide3.xml><?xml version="1.0" encoding="utf-8"?>
+<file path=ppt/slides/slide7.xml><?xml version="1.0" encoding="utf-8"?>
 <p:sld xmlns:a="http://schemas.openxmlformats.org/drawingml/2006/main" xmlns:r="http://schemas.openxmlformats.org/officeDocument/2006/relationships" xmlns:p="http://schemas.openxmlformats.org/presentationml/2006/main">
   <p:cSld>
     <p:bg>
@@ -20152,7 +21662,7 @@
 </p:sld>
 </file>
 
-<file path=ppt/slides/slide4.xml><?xml version="1.0" encoding="utf-8"?>
+<file path=ppt/slides/slide8.xml><?xml version="1.0" encoding="utf-8"?>
 <p:sld xmlns:a="http://schemas.openxmlformats.org/drawingml/2006/main" xmlns:r="http://schemas.openxmlformats.org/officeDocument/2006/relationships" xmlns:p="http://schemas.openxmlformats.org/presentationml/2006/main">
   <p:cSld>
     <p:bg>
@@ -20437,7 +21947,7 @@
 </p:sld>
 </file>
 
-<file path=ppt/slides/slide5.xml><?xml version="1.0" encoding="utf-8"?>
+<file path=ppt/slides/slide9.xml><?xml version="1.0" encoding="utf-8"?>
 <p:sld xmlns:a="http://schemas.openxmlformats.org/drawingml/2006/main" xmlns:r="http://schemas.openxmlformats.org/officeDocument/2006/relationships" xmlns:p="http://schemas.openxmlformats.org/presentationml/2006/main">
   <p:cSld>
     <p:bg>
@@ -20640,1516 +22150,6 @@
       </p:par>
     </p:tnLst>
   </p:timing>
-</p:sld>
-</file>
-
-<file path=ppt/slides/slide6.xml><?xml version="1.0" encoding="utf-8"?>
-<p:sld xmlns:a="http://schemas.openxmlformats.org/drawingml/2006/main" xmlns:r="http://schemas.openxmlformats.org/officeDocument/2006/relationships" xmlns:p="http://schemas.openxmlformats.org/presentationml/2006/main">
-  <p:cSld>
-    <p:bg>
-      <p:bgPr>
-        <a:solidFill>
-          <a:schemeClr val="dk1"/>
-        </a:solidFill>
-        <a:effectLst/>
-      </p:bgPr>
-    </p:bg>
-    <p:spTree>
-      <p:nvGrpSpPr>
-        <p:cNvPr id="1" name="Shape 115"/>
-        <p:cNvGrpSpPr/>
-        <p:nvPr/>
-      </p:nvGrpSpPr>
-      <p:grpSpPr>
-        <a:xfrm>
-          <a:off x="0" y="0"/>
-          <a:ext cx="0" cy="0"/>
-          <a:chOff x="0" y="0"/>
-          <a:chExt cx="0" cy="0"/>
-        </a:xfrm>
-      </p:grpSpPr>
-      <p:pic>
-        <p:nvPicPr>
-          <p:cNvPr id="116" name="Google Shape;116;p16"/>
-          <p:cNvPicPr preferRelativeResize="0"/>
-          <p:nvPr/>
-        </p:nvPicPr>
-        <p:blipFill rotWithShape="1">
-          <a:blip r:embed="rId3">
-            <a:alphaModFix/>
-          </a:blip>
-          <a:srcRect b="3628"/>
-          <a:stretch/>
-        </p:blipFill>
-        <p:spPr>
-          <a:xfrm>
-            <a:off x="3697817" y="115746"/>
-            <a:ext cx="5027859" cy="6609144"/>
-          </a:xfrm>
-          <a:prstGeom prst="rect">
-            <a:avLst/>
-          </a:prstGeom>
-          <a:noFill/>
-          <a:ln>
-            <a:noFill/>
-          </a:ln>
-        </p:spPr>
-      </p:pic>
-    </p:spTree>
-  </p:cSld>
-  <p:clrMapOvr>
-    <a:masterClrMapping/>
-  </p:clrMapOvr>
-</p:sld>
-</file>
-
-<file path=ppt/slides/slide7.xml><?xml version="1.0" encoding="utf-8"?>
-<p:sld xmlns:a="http://schemas.openxmlformats.org/drawingml/2006/main" xmlns:r="http://schemas.openxmlformats.org/officeDocument/2006/relationships" xmlns:p="http://schemas.openxmlformats.org/presentationml/2006/main">
-  <p:cSld>
-    <p:bg>
-      <p:bgPr>
-        <a:solidFill>
-          <a:schemeClr val="lt1"/>
-        </a:solidFill>
-        <a:effectLst/>
-      </p:bgPr>
-    </p:bg>
-    <p:spTree>
-      <p:nvGrpSpPr>
-        <p:cNvPr id="1" name="Shape 121"/>
-        <p:cNvGrpSpPr/>
-        <p:nvPr/>
-      </p:nvGrpSpPr>
-      <p:grpSpPr>
-        <a:xfrm>
-          <a:off x="0" y="0"/>
-          <a:ext cx="0" cy="0"/>
-          <a:chOff x="0" y="0"/>
-          <a:chExt cx="0" cy="0"/>
-        </a:xfrm>
-      </p:grpSpPr>
-      <p:sp>
-        <p:nvSpPr>
-          <p:cNvPr id="122" name="Google Shape;122;p17"/>
-          <p:cNvSpPr/>
-          <p:nvPr/>
-        </p:nvSpPr>
-        <p:spPr>
-          <a:xfrm>
-            <a:off x="321564" y="320040"/>
-            <a:ext cx="11548800" cy="6217800"/>
-          </a:xfrm>
-          <a:prstGeom prst="rect">
-            <a:avLst/>
-          </a:prstGeom>
-          <a:solidFill>
-            <a:schemeClr val="dk1">
-              <a:alpha val="7840"/>
-            </a:schemeClr>
-          </a:solidFill>
-          <a:ln>
-            <a:noFill/>
-          </a:ln>
-        </p:spPr>
-        <p:txBody>
-          <a:bodyPr spcFirstLastPara="1" wrap="square" lIns="91425" tIns="45700" rIns="91425" bIns="45700" anchor="ctr" anchorCtr="0">
-            <a:noAutofit/>
-          </a:bodyPr>
-          <a:lstStyle/>
-          <a:p>
-            <a:pPr marL="0" marR="0" lvl="0" indent="0" algn="ctr" rtl="0">
-              <a:spcBef>
-                <a:spcPts val="0"/>
-              </a:spcBef>
-              <a:spcAft>
-                <a:spcPts val="0"/>
-              </a:spcAft>
-              <a:buNone/>
-            </a:pPr>
-            <a:endParaRPr sz="1800" b="0" i="0" u="none" strike="noStrike" cap="none">
-              <a:solidFill>
-                <a:schemeClr val="lt1"/>
-              </a:solidFill>
-              <a:latin typeface="Calibri"/>
-              <a:ea typeface="Calibri"/>
-              <a:cs typeface="Calibri"/>
-              <a:sym typeface="Calibri"/>
-            </a:endParaRPr>
-          </a:p>
-        </p:txBody>
-      </p:sp>
-      <p:sp>
-        <p:nvSpPr>
-          <p:cNvPr id="123" name="Google Shape;123;p17"/>
-          <p:cNvSpPr txBox="1"/>
-          <p:nvPr/>
-        </p:nvSpPr>
-        <p:spPr>
-          <a:xfrm>
-            <a:off x="838200" y="963877"/>
-            <a:ext cx="3494362" cy="4930246"/>
-          </a:xfrm>
-          <a:prstGeom prst="rect">
-            <a:avLst/>
-          </a:prstGeom>
-          <a:noFill/>
-          <a:ln>
-            <a:noFill/>
-          </a:ln>
-        </p:spPr>
-        <p:txBody>
-          <a:bodyPr spcFirstLastPara="1" wrap="square" lIns="91425" tIns="45700" rIns="91425" bIns="45700" anchor="ctr" anchorCtr="0">
-            <a:noAutofit/>
-          </a:bodyPr>
-          <a:lstStyle/>
-          <a:p>
-            <a:pPr marL="0" marR="0" lvl="0" indent="0" algn="r" rtl="0">
-              <a:lnSpc>
-                <a:spcPct val="90000"/>
-              </a:lnSpc>
-              <a:spcBef>
-                <a:spcPts val="0"/>
-              </a:spcBef>
-              <a:spcAft>
-                <a:spcPts val="0"/>
-              </a:spcAft>
-              <a:buNone/>
-            </a:pPr>
-            <a:r>
-              <a:rPr lang="en-US" sz="4400" b="0" i="0" u="none" strike="noStrike" cap="none">
-                <a:solidFill>
-                  <a:schemeClr val="accent1"/>
-                </a:solidFill>
-                <a:latin typeface="Calibri"/>
-                <a:ea typeface="Calibri"/>
-                <a:cs typeface="Calibri"/>
-                <a:sym typeface="Calibri"/>
-              </a:rPr>
-              <a:t>Programming Mindset</a:t>
-            </a:r>
-            <a:endParaRPr/>
-          </a:p>
-          <a:p>
-            <a:pPr marL="0" marR="0" lvl="0" indent="0" algn="r" rtl="0">
-              <a:lnSpc>
-                <a:spcPct val="90000"/>
-              </a:lnSpc>
-              <a:spcBef>
-                <a:spcPts val="600"/>
-              </a:spcBef>
-              <a:spcAft>
-                <a:spcPts val="0"/>
-              </a:spcAft>
-              <a:buNone/>
-            </a:pPr>
-            <a:endParaRPr sz="4400" b="0" i="0" u="none" strike="noStrike" cap="none">
-              <a:solidFill>
-                <a:schemeClr val="accent1"/>
-              </a:solidFill>
-              <a:latin typeface="Calibri"/>
-              <a:ea typeface="Calibri"/>
-              <a:cs typeface="Calibri"/>
-              <a:sym typeface="Calibri"/>
-            </a:endParaRPr>
-          </a:p>
-        </p:txBody>
-      </p:sp>
-      <p:cxnSp>
-        <p:nvCxnSpPr>
-          <p:cNvPr id="124" name="Google Shape;124;p17"/>
-          <p:cNvCxnSpPr/>
-          <p:nvPr/>
-        </p:nvCxnSpPr>
-        <p:spPr>
-          <a:xfrm>
-            <a:off x="4654296" y="2057400"/>
-            <a:ext cx="0" cy="2743200"/>
-          </a:xfrm>
-          <a:prstGeom prst="straightConnector1">
-            <a:avLst/>
-          </a:prstGeom>
-          <a:noFill/>
-          <a:ln w="19050" cap="flat" cmpd="sng">
-            <a:solidFill>
-              <a:srgbClr val="262626"/>
-            </a:solidFill>
-            <a:prstDash val="solid"/>
-            <a:miter lim="800000"/>
-            <a:headEnd type="none" w="sm" len="sm"/>
-            <a:tailEnd type="none" w="sm" len="sm"/>
-          </a:ln>
-        </p:spPr>
-      </p:cxnSp>
-      <p:sp>
-        <p:nvSpPr>
-          <p:cNvPr id="125" name="Google Shape;125;p17"/>
-          <p:cNvSpPr txBox="1"/>
-          <p:nvPr/>
-        </p:nvSpPr>
-        <p:spPr>
-          <a:xfrm>
-            <a:off x="4976031" y="963877"/>
-            <a:ext cx="6377769" cy="4930246"/>
-          </a:xfrm>
-          <a:prstGeom prst="rect">
-            <a:avLst/>
-          </a:prstGeom>
-          <a:noFill/>
-          <a:ln>
-            <a:noFill/>
-          </a:ln>
-        </p:spPr>
-        <p:txBody>
-          <a:bodyPr spcFirstLastPara="1" wrap="square" lIns="91425" tIns="45700" rIns="91425" bIns="45700" anchor="ctr" anchorCtr="0">
-            <a:noAutofit/>
-          </a:bodyPr>
-          <a:lstStyle/>
-          <a:p>
-            <a:pPr marL="285750" marR="0" lvl="0" indent="-228600" algn="l" rtl="0">
-              <a:lnSpc>
-                <a:spcPct val="90000"/>
-              </a:lnSpc>
-              <a:spcBef>
-                <a:spcPts val="0"/>
-              </a:spcBef>
-              <a:spcAft>
-                <a:spcPts val="0"/>
-              </a:spcAft>
-              <a:buClr>
-                <a:schemeClr val="dk1"/>
-              </a:buClr>
-              <a:buSzPts val="2400"/>
-              <a:buFont typeface="Arial"/>
-              <a:buChar char="•"/>
-            </a:pPr>
-            <a:r>
-              <a:rPr lang="en-US" sz="2400" b="0" i="0" u="none" strike="noStrike" cap="none" dirty="0">
-                <a:solidFill>
-                  <a:schemeClr val="dk1"/>
-                </a:solidFill>
-                <a:latin typeface="Calibri"/>
-                <a:ea typeface="Calibri"/>
-                <a:cs typeface="Calibri"/>
-                <a:sym typeface="Calibri"/>
-              </a:rPr>
-              <a:t>A willingness to experiment </a:t>
-            </a:r>
-            <a:endParaRPr dirty="0"/>
-          </a:p>
-          <a:p>
-            <a:pPr marL="285750" marR="0" lvl="0" indent="-228600" algn="l" rtl="0">
-              <a:lnSpc>
-                <a:spcPct val="90000"/>
-              </a:lnSpc>
-              <a:spcBef>
-                <a:spcPts val="600"/>
-              </a:spcBef>
-              <a:spcAft>
-                <a:spcPts val="0"/>
-              </a:spcAft>
-              <a:buClr>
-                <a:schemeClr val="dk1"/>
-              </a:buClr>
-              <a:buSzPts val="2400"/>
-              <a:buFont typeface="Arial"/>
-              <a:buChar char="•"/>
-            </a:pPr>
-            <a:r>
-              <a:rPr lang="en-US" sz="2400" b="0" i="0" u="none" strike="noStrike" cap="none" dirty="0">
-                <a:solidFill>
-                  <a:schemeClr val="dk1"/>
-                </a:solidFill>
-                <a:latin typeface="Calibri"/>
-                <a:ea typeface="Calibri"/>
-                <a:cs typeface="Calibri"/>
-                <a:sym typeface="Calibri"/>
-              </a:rPr>
-              <a:t>An acceptance that you will make mistakes </a:t>
-            </a:r>
-            <a:endParaRPr dirty="0"/>
-          </a:p>
-          <a:p>
-            <a:pPr marL="285750" marR="0" lvl="0" indent="-228600" algn="l" rtl="0">
-              <a:lnSpc>
-                <a:spcPct val="90000"/>
-              </a:lnSpc>
-              <a:spcBef>
-                <a:spcPts val="600"/>
-              </a:spcBef>
-              <a:spcAft>
-                <a:spcPts val="0"/>
-              </a:spcAft>
-              <a:buClr>
-                <a:schemeClr val="dk1"/>
-              </a:buClr>
-              <a:buSzPts val="2400"/>
-              <a:buFont typeface="Arial"/>
-              <a:buChar char="•"/>
-            </a:pPr>
-            <a:r>
-              <a:rPr lang="en-US" sz="2400" b="0" i="0" u="none" strike="noStrike" cap="none" dirty="0">
-                <a:solidFill>
-                  <a:schemeClr val="dk1"/>
-                </a:solidFill>
-                <a:latin typeface="Calibri"/>
-                <a:ea typeface="Calibri"/>
-                <a:cs typeface="Calibri"/>
-                <a:sym typeface="Calibri"/>
-              </a:rPr>
-              <a:t>An understanding that your improvement will not be linear </a:t>
-            </a:r>
-            <a:endParaRPr dirty="0"/>
-          </a:p>
-          <a:p>
-            <a:pPr marL="285750" marR="0" lvl="0" indent="-228600" algn="l" rtl="0">
-              <a:lnSpc>
-                <a:spcPct val="90000"/>
-              </a:lnSpc>
-              <a:spcBef>
-                <a:spcPts val="600"/>
-              </a:spcBef>
-              <a:spcAft>
-                <a:spcPts val="0"/>
-              </a:spcAft>
-              <a:buClr>
-                <a:schemeClr val="dk1"/>
-              </a:buClr>
-              <a:buSzPts val="2400"/>
-              <a:buFont typeface="Arial"/>
-              <a:buChar char="•"/>
-            </a:pPr>
-            <a:r>
-              <a:rPr lang="en-US" sz="2400" b="0" i="0" u="none" strike="noStrike" cap="none" dirty="0">
-                <a:solidFill>
-                  <a:schemeClr val="dk1"/>
-                </a:solidFill>
-                <a:latin typeface="Calibri"/>
-                <a:ea typeface="Calibri"/>
-                <a:cs typeface="Calibri"/>
-                <a:sym typeface="Calibri"/>
-              </a:rPr>
-              <a:t>Knowing that perseverance pays off </a:t>
-            </a:r>
-            <a:endParaRPr dirty="0"/>
-          </a:p>
-          <a:p>
-            <a:pPr marL="285750" marR="0" lvl="0" indent="-76200" algn="l" rtl="0">
-              <a:lnSpc>
-                <a:spcPct val="90000"/>
-              </a:lnSpc>
-              <a:spcBef>
-                <a:spcPts val="600"/>
-              </a:spcBef>
-              <a:spcAft>
-                <a:spcPts val="0"/>
-              </a:spcAft>
-              <a:buClr>
-                <a:schemeClr val="dk1"/>
-              </a:buClr>
-              <a:buSzPts val="2400"/>
-              <a:buFont typeface="Arial"/>
-              <a:buNone/>
-            </a:pPr>
-            <a:endParaRPr sz="2400" b="0" i="0" u="none" strike="noStrike" cap="none" dirty="0">
-              <a:solidFill>
-                <a:schemeClr val="dk1"/>
-              </a:solidFill>
-              <a:latin typeface="Calibri"/>
-              <a:ea typeface="Calibri"/>
-              <a:cs typeface="Calibri"/>
-              <a:sym typeface="Calibri"/>
-            </a:endParaRPr>
-          </a:p>
-        </p:txBody>
-      </p:sp>
-    </p:spTree>
-  </p:cSld>
-  <p:clrMapOvr>
-    <a:masterClrMapping/>
-  </p:clrMapOvr>
-</p:sld>
-</file>
-
-<file path=ppt/slides/slide8.xml><?xml version="1.0" encoding="utf-8"?>
-<p:sld xmlns:a="http://schemas.openxmlformats.org/drawingml/2006/main" xmlns:r="http://schemas.openxmlformats.org/officeDocument/2006/relationships" xmlns:p="http://schemas.openxmlformats.org/presentationml/2006/main">
-  <p:cSld>
-    <p:bg>
-      <p:bgPr>
-        <a:solidFill>
-          <a:schemeClr val="lt1"/>
-        </a:solidFill>
-        <a:effectLst/>
-      </p:bgPr>
-    </p:bg>
-    <p:spTree>
-      <p:nvGrpSpPr>
-        <p:cNvPr id="1" name="Shape 121"/>
-        <p:cNvGrpSpPr/>
-        <p:nvPr/>
-      </p:nvGrpSpPr>
-      <p:grpSpPr>
-        <a:xfrm>
-          <a:off x="0" y="0"/>
-          <a:ext cx="0" cy="0"/>
-          <a:chOff x="0" y="0"/>
-          <a:chExt cx="0" cy="0"/>
-        </a:xfrm>
-      </p:grpSpPr>
-      <p:sp>
-        <p:nvSpPr>
-          <p:cNvPr id="122" name="Google Shape;122;p17"/>
-          <p:cNvSpPr/>
-          <p:nvPr/>
-        </p:nvSpPr>
-        <p:spPr>
-          <a:xfrm>
-            <a:off x="321564" y="320040"/>
-            <a:ext cx="11548800" cy="6217800"/>
-          </a:xfrm>
-          <a:prstGeom prst="rect">
-            <a:avLst/>
-          </a:prstGeom>
-          <a:solidFill>
-            <a:schemeClr val="dk1">
-              <a:alpha val="7840"/>
-            </a:schemeClr>
-          </a:solidFill>
-          <a:ln>
-            <a:noFill/>
-          </a:ln>
-        </p:spPr>
-        <p:txBody>
-          <a:bodyPr spcFirstLastPara="1" wrap="square" lIns="91425" tIns="45700" rIns="91425" bIns="45700" anchor="ctr" anchorCtr="0">
-            <a:noAutofit/>
-          </a:bodyPr>
-          <a:lstStyle/>
-          <a:p>
-            <a:pPr marL="0" marR="0" lvl="0" indent="0" algn="ctr" rtl="0">
-              <a:spcBef>
-                <a:spcPts val="0"/>
-              </a:spcBef>
-              <a:spcAft>
-                <a:spcPts val="0"/>
-              </a:spcAft>
-              <a:buNone/>
-            </a:pPr>
-            <a:endParaRPr sz="1800" b="0" i="0" u="none" strike="noStrike" cap="none">
-              <a:solidFill>
-                <a:schemeClr val="lt1"/>
-              </a:solidFill>
-              <a:latin typeface="Calibri"/>
-              <a:ea typeface="Calibri"/>
-              <a:cs typeface="Calibri"/>
-              <a:sym typeface="Calibri"/>
-            </a:endParaRPr>
-          </a:p>
-        </p:txBody>
-      </p:sp>
-      <p:sp>
-        <p:nvSpPr>
-          <p:cNvPr id="123" name="Google Shape;123;p17"/>
-          <p:cNvSpPr txBox="1"/>
-          <p:nvPr/>
-        </p:nvSpPr>
-        <p:spPr>
-          <a:xfrm>
-            <a:off x="838200" y="963877"/>
-            <a:ext cx="3494362" cy="4930246"/>
-          </a:xfrm>
-          <a:prstGeom prst="rect">
-            <a:avLst/>
-          </a:prstGeom>
-          <a:noFill/>
-          <a:ln>
-            <a:noFill/>
-          </a:ln>
-        </p:spPr>
-        <p:txBody>
-          <a:bodyPr spcFirstLastPara="1" wrap="square" lIns="91425" tIns="45700" rIns="91425" bIns="45700" anchor="ctr" anchorCtr="0">
-            <a:noAutofit/>
-          </a:bodyPr>
-          <a:lstStyle/>
-          <a:p>
-            <a:pPr marL="0" marR="0" lvl="0" indent="0" algn="r" rtl="0">
-              <a:lnSpc>
-                <a:spcPct val="90000"/>
-              </a:lnSpc>
-              <a:spcBef>
-                <a:spcPts val="0"/>
-              </a:spcBef>
-              <a:spcAft>
-                <a:spcPts val="0"/>
-              </a:spcAft>
-              <a:buNone/>
-            </a:pPr>
-            <a:r>
-              <a:rPr lang="en-US" sz="4400" b="0" i="0" u="none" strike="noStrike" cap="none" dirty="0">
-                <a:solidFill>
-                  <a:schemeClr val="accent1"/>
-                </a:solidFill>
-                <a:latin typeface="Calibri"/>
-                <a:ea typeface="Calibri"/>
-                <a:cs typeface="Calibri"/>
-                <a:sym typeface="Calibri"/>
-              </a:rPr>
-              <a:t>Lesson 1</a:t>
-            </a:r>
-            <a:endParaRPr sz="4400" b="0" i="0" u="none" strike="noStrike" cap="none" dirty="0">
-              <a:solidFill>
-                <a:schemeClr val="accent1"/>
-              </a:solidFill>
-              <a:latin typeface="Calibri"/>
-              <a:ea typeface="Calibri"/>
-              <a:cs typeface="Calibri"/>
-              <a:sym typeface="Calibri"/>
-            </a:endParaRPr>
-          </a:p>
-        </p:txBody>
-      </p:sp>
-      <p:cxnSp>
-        <p:nvCxnSpPr>
-          <p:cNvPr id="124" name="Google Shape;124;p17"/>
-          <p:cNvCxnSpPr/>
-          <p:nvPr/>
-        </p:nvCxnSpPr>
-        <p:spPr>
-          <a:xfrm>
-            <a:off x="4654296" y="2057400"/>
-            <a:ext cx="0" cy="2743200"/>
-          </a:xfrm>
-          <a:prstGeom prst="straightConnector1">
-            <a:avLst/>
-          </a:prstGeom>
-          <a:noFill/>
-          <a:ln w="19050" cap="flat" cmpd="sng">
-            <a:solidFill>
-              <a:srgbClr val="262626"/>
-            </a:solidFill>
-            <a:prstDash val="solid"/>
-            <a:miter lim="800000"/>
-            <a:headEnd type="none" w="sm" len="sm"/>
-            <a:tailEnd type="none" w="sm" len="sm"/>
-          </a:ln>
-        </p:spPr>
-      </p:cxnSp>
-      <p:sp>
-        <p:nvSpPr>
-          <p:cNvPr id="125" name="Google Shape;125;p17"/>
-          <p:cNvSpPr txBox="1"/>
-          <p:nvPr/>
-        </p:nvSpPr>
-        <p:spPr>
-          <a:xfrm>
-            <a:off x="4976031" y="963877"/>
-            <a:ext cx="6377769" cy="4930246"/>
-          </a:xfrm>
-          <a:prstGeom prst="rect">
-            <a:avLst/>
-          </a:prstGeom>
-          <a:noFill/>
-          <a:ln>
-            <a:noFill/>
-          </a:ln>
-        </p:spPr>
-        <p:txBody>
-          <a:bodyPr spcFirstLastPara="1" wrap="square" lIns="91425" tIns="45700" rIns="91425" bIns="45700" anchor="ctr" anchorCtr="0">
-            <a:noAutofit/>
-          </a:bodyPr>
-          <a:lstStyle/>
-          <a:p>
-            <a:pPr marL="285750" marR="0" lvl="0" indent="-228600" algn="l" rtl="0">
-              <a:lnSpc>
-                <a:spcPct val="90000"/>
-              </a:lnSpc>
-              <a:spcBef>
-                <a:spcPts val="0"/>
-              </a:spcBef>
-              <a:spcAft>
-                <a:spcPts val="0"/>
-              </a:spcAft>
-              <a:buClr>
-                <a:schemeClr val="dk1"/>
-              </a:buClr>
-              <a:buSzPts val="2400"/>
-              <a:buFont typeface="Arial"/>
-              <a:buChar char="•"/>
-            </a:pPr>
-            <a:endParaRPr dirty="0"/>
-          </a:p>
-          <a:p>
-            <a:pPr marL="552450" indent="-342900">
-              <a:lnSpc>
-                <a:spcPct val="90000"/>
-              </a:lnSpc>
-              <a:spcBef>
-                <a:spcPts val="600"/>
-              </a:spcBef>
-              <a:buClr>
-                <a:schemeClr val="dk1"/>
-              </a:buClr>
-              <a:buSzPts val="2400"/>
-              <a:buFont typeface="Arial" panose="020B0604020202020204" pitchFamily="34" charset="0"/>
-              <a:buChar char="•"/>
-            </a:pPr>
-            <a:r>
-              <a:rPr lang="en-NZ" sz="2400" dirty="0">
-                <a:latin typeface="Calibri" panose="020F0502020204030204" pitchFamily="34" charset="0"/>
-                <a:cs typeface="Calibri" panose="020F0502020204030204" pitchFamily="34" charset="0"/>
-              </a:rPr>
-              <a:t>Introduction to Swift and Playgrounds</a:t>
-            </a:r>
-          </a:p>
-          <a:p>
-            <a:pPr marL="552450" indent="-342900">
-              <a:lnSpc>
-                <a:spcPct val="90000"/>
-              </a:lnSpc>
-              <a:spcBef>
-                <a:spcPts val="600"/>
-              </a:spcBef>
-              <a:buClr>
-                <a:schemeClr val="dk1"/>
-              </a:buClr>
-              <a:buSzPts val="2400"/>
-              <a:buFont typeface="Arial" panose="020B0604020202020204" pitchFamily="34" charset="0"/>
-              <a:buChar char="•"/>
-            </a:pPr>
-            <a:r>
-              <a:rPr lang="en-NZ" sz="2400" dirty="0">
-                <a:latin typeface="Calibri" panose="020F0502020204030204" pitchFamily="34" charset="0"/>
-                <a:cs typeface="Calibri" panose="020F0502020204030204" pitchFamily="34" charset="0"/>
-              </a:rPr>
-              <a:t>Constants Variables and Data Types</a:t>
-            </a:r>
-          </a:p>
-          <a:p>
-            <a:pPr marL="552450" indent="-342900">
-              <a:lnSpc>
-                <a:spcPct val="90000"/>
-              </a:lnSpc>
-              <a:spcBef>
-                <a:spcPts val="600"/>
-              </a:spcBef>
-              <a:buClr>
-                <a:schemeClr val="dk1"/>
-              </a:buClr>
-              <a:buSzPts val="2400"/>
-              <a:buFont typeface="Arial" panose="020B0604020202020204" pitchFamily="34" charset="0"/>
-              <a:buChar char="•"/>
-            </a:pPr>
-            <a:r>
-              <a:rPr lang="en-NZ" sz="2400" dirty="0">
-                <a:latin typeface="Calibri" panose="020F0502020204030204" pitchFamily="34" charset="0"/>
-                <a:cs typeface="Calibri" panose="020F0502020204030204" pitchFamily="34" charset="0"/>
-              </a:rPr>
-              <a:t>Operators</a:t>
-            </a:r>
-          </a:p>
-          <a:p>
-            <a:pPr marL="552450" indent="-342900">
-              <a:lnSpc>
-                <a:spcPct val="90000"/>
-              </a:lnSpc>
-              <a:spcBef>
-                <a:spcPts val="600"/>
-              </a:spcBef>
-              <a:buClr>
-                <a:schemeClr val="dk1"/>
-              </a:buClr>
-              <a:buSzPts val="2400"/>
-              <a:buFont typeface="Arial" panose="020B0604020202020204" pitchFamily="34" charset="0"/>
-              <a:buChar char="•"/>
-            </a:pPr>
-            <a:r>
-              <a:rPr lang="en-NZ" sz="2400" dirty="0">
-                <a:latin typeface="Calibri" panose="020F0502020204030204" pitchFamily="34" charset="0"/>
-                <a:cs typeface="Calibri" panose="020F0502020204030204" pitchFamily="34" charset="0"/>
-              </a:rPr>
-              <a:t>Control Flow</a:t>
-            </a:r>
-          </a:p>
-          <a:p>
-            <a:pPr marL="552450" marR="0" lvl="0" indent="-342900" algn="l" rtl="0">
-              <a:lnSpc>
-                <a:spcPct val="90000"/>
-              </a:lnSpc>
-              <a:spcBef>
-                <a:spcPts val="600"/>
-              </a:spcBef>
-              <a:spcAft>
-                <a:spcPts val="0"/>
-              </a:spcAft>
-              <a:buClr>
-                <a:schemeClr val="dk1"/>
-              </a:buClr>
-              <a:buSzPts val="2400"/>
-              <a:buFont typeface="Arial" panose="020B0604020202020204" pitchFamily="34" charset="0"/>
-              <a:buChar char="•"/>
-            </a:pPr>
-            <a:endParaRPr sz="2400" b="0" i="0" u="none" strike="noStrike" cap="none" dirty="0">
-              <a:solidFill>
-                <a:schemeClr val="dk1"/>
-              </a:solidFill>
-              <a:latin typeface="Calibri"/>
-              <a:ea typeface="Calibri"/>
-              <a:cs typeface="Calibri"/>
-              <a:sym typeface="Calibri"/>
-            </a:endParaRPr>
-          </a:p>
-        </p:txBody>
-      </p:sp>
-    </p:spTree>
-    <p:extLst>
-      <p:ext uri="{BB962C8B-B14F-4D97-AF65-F5344CB8AC3E}">
-        <p14:creationId xmlns:p14="http://schemas.microsoft.com/office/powerpoint/2010/main" val="3116038192"/>
-      </p:ext>
-    </p:extLst>
-  </p:cSld>
-  <p:clrMapOvr>
-    <a:masterClrMapping/>
-  </p:clrMapOvr>
-</p:sld>
-</file>
-
-<file path=ppt/slides/slide9.xml><?xml version="1.0" encoding="utf-8"?>
-<p:sld xmlns:a="http://schemas.openxmlformats.org/drawingml/2006/main" xmlns:r="http://schemas.openxmlformats.org/officeDocument/2006/relationships" xmlns:p="http://schemas.openxmlformats.org/presentationml/2006/main">
-  <p:cSld>
-    <p:bg>
-      <p:bgPr>
-        <a:solidFill>
-          <a:schemeClr val="lt1"/>
-        </a:solidFill>
-        <a:effectLst/>
-      </p:bgPr>
-    </p:bg>
-    <p:spTree>
-      <p:nvGrpSpPr>
-        <p:cNvPr id="1" name="Shape 121"/>
-        <p:cNvGrpSpPr/>
-        <p:nvPr/>
-      </p:nvGrpSpPr>
-      <p:grpSpPr>
-        <a:xfrm>
-          <a:off x="0" y="0"/>
-          <a:ext cx="0" cy="0"/>
-          <a:chOff x="0" y="0"/>
-          <a:chExt cx="0" cy="0"/>
-        </a:xfrm>
-      </p:grpSpPr>
-      <p:sp>
-        <p:nvSpPr>
-          <p:cNvPr id="122" name="Google Shape;122;p17"/>
-          <p:cNvSpPr/>
-          <p:nvPr/>
-        </p:nvSpPr>
-        <p:spPr>
-          <a:xfrm>
-            <a:off x="321564" y="320040"/>
-            <a:ext cx="11548800" cy="6217800"/>
-          </a:xfrm>
-          <a:prstGeom prst="rect">
-            <a:avLst/>
-          </a:prstGeom>
-          <a:solidFill>
-            <a:schemeClr val="dk1">
-              <a:alpha val="7840"/>
-            </a:schemeClr>
-          </a:solidFill>
-          <a:ln>
-            <a:noFill/>
-          </a:ln>
-        </p:spPr>
-        <p:txBody>
-          <a:bodyPr spcFirstLastPara="1" wrap="square" lIns="91425" tIns="45700" rIns="91425" bIns="45700" anchor="ctr" anchorCtr="0">
-            <a:noAutofit/>
-          </a:bodyPr>
-          <a:lstStyle/>
-          <a:p>
-            <a:pPr marL="0" marR="0" lvl="0" indent="0" algn="ctr" rtl="0">
-              <a:spcBef>
-                <a:spcPts val="0"/>
-              </a:spcBef>
-              <a:spcAft>
-                <a:spcPts val="0"/>
-              </a:spcAft>
-              <a:buNone/>
-            </a:pPr>
-            <a:endParaRPr sz="1800" b="0" i="0" u="none" strike="noStrike" cap="none">
-              <a:solidFill>
-                <a:schemeClr val="lt1"/>
-              </a:solidFill>
-              <a:latin typeface="Calibri"/>
-              <a:ea typeface="Calibri"/>
-              <a:cs typeface="Calibri"/>
-              <a:sym typeface="Calibri"/>
-            </a:endParaRPr>
-          </a:p>
-        </p:txBody>
-      </p:sp>
-      <p:sp>
-        <p:nvSpPr>
-          <p:cNvPr id="123" name="Google Shape;123;p17"/>
-          <p:cNvSpPr txBox="1"/>
-          <p:nvPr/>
-        </p:nvSpPr>
-        <p:spPr>
-          <a:xfrm>
-            <a:off x="838200" y="963877"/>
-            <a:ext cx="3494362" cy="4930246"/>
-          </a:xfrm>
-          <a:prstGeom prst="rect">
-            <a:avLst/>
-          </a:prstGeom>
-          <a:noFill/>
-          <a:ln>
-            <a:noFill/>
-          </a:ln>
-        </p:spPr>
-        <p:txBody>
-          <a:bodyPr spcFirstLastPara="1" wrap="square" lIns="91425" tIns="45700" rIns="91425" bIns="45700" anchor="ctr" anchorCtr="0">
-            <a:noAutofit/>
-          </a:bodyPr>
-          <a:lstStyle/>
-          <a:p>
-            <a:pPr marL="0" marR="0" lvl="0" indent="0" algn="r" rtl="0">
-              <a:lnSpc>
-                <a:spcPct val="90000"/>
-              </a:lnSpc>
-              <a:spcBef>
-                <a:spcPts val="0"/>
-              </a:spcBef>
-              <a:spcAft>
-                <a:spcPts val="0"/>
-              </a:spcAft>
-              <a:buNone/>
-            </a:pPr>
-            <a:r>
-              <a:rPr lang="en-US" sz="4400" b="0" i="0" u="none" strike="noStrike" cap="none" dirty="0">
-                <a:solidFill>
-                  <a:schemeClr val="accent1"/>
-                </a:solidFill>
-                <a:latin typeface="Calibri"/>
-                <a:ea typeface="Calibri"/>
-                <a:cs typeface="Calibri"/>
-                <a:sym typeface="Calibri"/>
-              </a:rPr>
-              <a:t>Course Overview</a:t>
-            </a:r>
-            <a:endParaRPr sz="4400" b="0" i="0" u="none" strike="noStrike" cap="none" dirty="0">
-              <a:solidFill>
-                <a:schemeClr val="accent1"/>
-              </a:solidFill>
-              <a:latin typeface="Calibri"/>
-              <a:ea typeface="Calibri"/>
-              <a:cs typeface="Calibri"/>
-              <a:sym typeface="Calibri"/>
-            </a:endParaRPr>
-          </a:p>
-        </p:txBody>
-      </p:sp>
-      <p:cxnSp>
-        <p:nvCxnSpPr>
-          <p:cNvPr id="124" name="Google Shape;124;p17"/>
-          <p:cNvCxnSpPr/>
-          <p:nvPr/>
-        </p:nvCxnSpPr>
-        <p:spPr>
-          <a:xfrm>
-            <a:off x="4654296" y="2057400"/>
-            <a:ext cx="0" cy="2743200"/>
-          </a:xfrm>
-          <a:prstGeom prst="straightConnector1">
-            <a:avLst/>
-          </a:prstGeom>
-          <a:noFill/>
-          <a:ln w="19050" cap="flat" cmpd="sng">
-            <a:solidFill>
-              <a:srgbClr val="262626"/>
-            </a:solidFill>
-            <a:prstDash val="solid"/>
-            <a:miter lim="800000"/>
-            <a:headEnd type="none" w="sm" len="sm"/>
-            <a:tailEnd type="none" w="sm" len="sm"/>
-          </a:ln>
-        </p:spPr>
-      </p:cxnSp>
-      <p:sp>
-        <p:nvSpPr>
-          <p:cNvPr id="125" name="Google Shape;125;p17"/>
-          <p:cNvSpPr txBox="1"/>
-          <p:nvPr/>
-        </p:nvSpPr>
-        <p:spPr>
-          <a:xfrm>
-            <a:off x="4976031" y="1607594"/>
-            <a:ext cx="6377769" cy="4930246"/>
-          </a:xfrm>
-          <a:prstGeom prst="rect">
-            <a:avLst/>
-          </a:prstGeom>
-          <a:noFill/>
-          <a:ln>
-            <a:noFill/>
-          </a:ln>
-        </p:spPr>
-        <p:txBody>
-          <a:bodyPr spcFirstLastPara="1" wrap="square" lIns="91425" tIns="45700" rIns="91425" bIns="45700" anchor="ctr" anchorCtr="0">
-            <a:noAutofit/>
-          </a:bodyPr>
-          <a:lstStyle/>
-          <a:p>
-            <a:pPr marL="285750" marR="0" lvl="0" indent="-228600" algn="l" rtl="0">
-              <a:lnSpc>
-                <a:spcPct val="90000"/>
-              </a:lnSpc>
-              <a:spcBef>
-                <a:spcPts val="0"/>
-              </a:spcBef>
-              <a:spcAft>
-                <a:spcPts val="0"/>
-              </a:spcAft>
-              <a:buClr>
-                <a:schemeClr val="dk1"/>
-              </a:buClr>
-              <a:buSzPts val="2400"/>
-              <a:buFont typeface="Arial"/>
-              <a:buChar char="•"/>
-            </a:pPr>
-            <a:endParaRPr dirty="0"/>
-          </a:p>
-          <a:p>
-            <a:pPr marL="552450" indent="-342900">
-              <a:lnSpc>
-                <a:spcPct val="90000"/>
-              </a:lnSpc>
-              <a:spcBef>
-                <a:spcPts val="600"/>
-              </a:spcBef>
-              <a:buClr>
-                <a:schemeClr val="dk1"/>
-              </a:buClr>
-              <a:buSzPts val="2400"/>
-              <a:buFont typeface="Arial" panose="020B0604020202020204" pitchFamily="34" charset="0"/>
-              <a:buChar char="•"/>
-            </a:pPr>
-            <a:r>
-              <a:rPr lang="en-NZ" sz="2400" dirty="0">
-                <a:latin typeface="Calibri" panose="020F0502020204030204" pitchFamily="34" charset="0"/>
-                <a:cs typeface="Calibri" panose="020F0502020204030204" pitchFamily="34" charset="0"/>
-              </a:rPr>
-              <a:t>XCode, Debugging, Source Control </a:t>
-            </a:r>
-          </a:p>
-          <a:p>
-            <a:pPr marL="552450" indent="-342900">
-              <a:lnSpc>
-                <a:spcPct val="90000"/>
-              </a:lnSpc>
-              <a:spcBef>
-                <a:spcPts val="600"/>
-              </a:spcBef>
-              <a:buClr>
-                <a:schemeClr val="dk1"/>
-              </a:buClr>
-              <a:buSzPts val="2400"/>
-              <a:buFont typeface="Arial" panose="020B0604020202020204" pitchFamily="34" charset="0"/>
-              <a:buChar char="•"/>
-            </a:pPr>
-            <a:r>
-              <a:rPr lang="en-NZ" sz="2400" dirty="0">
-                <a:latin typeface="Calibri" panose="020F0502020204030204" pitchFamily="34" charset="0"/>
-                <a:cs typeface="Calibri" panose="020F0502020204030204" pitchFamily="34" charset="0"/>
-              </a:rPr>
-              <a:t>Classes, Collections, Loops</a:t>
-            </a:r>
-          </a:p>
-          <a:p>
-            <a:pPr marL="552450" marR="0" lvl="0" indent="-342900" algn="l" rtl="0">
-              <a:lnSpc>
-                <a:spcPct val="90000"/>
-              </a:lnSpc>
-              <a:spcBef>
-                <a:spcPts val="600"/>
-              </a:spcBef>
-              <a:spcAft>
-                <a:spcPts val="0"/>
-              </a:spcAft>
-              <a:buClr>
-                <a:schemeClr val="dk1"/>
-              </a:buClr>
-              <a:buSzPts val="2400"/>
-              <a:buFont typeface="Arial" panose="020B0604020202020204" pitchFamily="34" charset="0"/>
-              <a:buChar char="•"/>
-            </a:pPr>
-            <a:r>
-              <a:rPr lang="en-US" sz="2400" b="0" i="0" u="none" strike="noStrike" cap="none" dirty="0">
-                <a:solidFill>
-                  <a:schemeClr val="dk1"/>
-                </a:solidFill>
-                <a:latin typeface="Calibri"/>
-                <a:ea typeface="Calibri"/>
-                <a:cs typeface="Calibri"/>
-                <a:sym typeface="Calibri"/>
-              </a:rPr>
-              <a:t>Displa</a:t>
-            </a:r>
-            <a:r>
-              <a:rPr lang="en-US" sz="2400" dirty="0">
-                <a:solidFill>
-                  <a:schemeClr val="dk1"/>
-                </a:solidFill>
-                <a:latin typeface="Calibri"/>
-                <a:ea typeface="Calibri"/>
-                <a:cs typeface="Calibri"/>
-                <a:sym typeface="Calibri"/>
-              </a:rPr>
-              <a:t>y Data, Auto Layout</a:t>
-            </a:r>
-          </a:p>
-          <a:p>
-            <a:pPr marL="552450" marR="0" lvl="0" indent="-342900" algn="l" rtl="0">
-              <a:lnSpc>
-                <a:spcPct val="90000"/>
-              </a:lnSpc>
-              <a:spcBef>
-                <a:spcPts val="600"/>
-              </a:spcBef>
-              <a:spcAft>
-                <a:spcPts val="0"/>
-              </a:spcAft>
-              <a:buClr>
-                <a:schemeClr val="dk1"/>
-              </a:buClr>
-              <a:buSzPts val="2400"/>
-              <a:buFont typeface="Arial" panose="020B0604020202020204" pitchFamily="34" charset="0"/>
-              <a:buChar char="•"/>
-            </a:pPr>
-            <a:r>
-              <a:rPr lang="en-US" sz="2400" b="0" i="0" u="none" strike="noStrike" cap="none" dirty="0" err="1">
-                <a:solidFill>
-                  <a:schemeClr val="dk1"/>
-                </a:solidFill>
-                <a:latin typeface="Calibri"/>
-                <a:ea typeface="Calibri"/>
-                <a:cs typeface="Calibri"/>
-                <a:sym typeface="Calibri"/>
-              </a:rPr>
-              <a:t>Option</a:t>
-            </a:r>
-            <a:r>
-              <a:rPr lang="en-US" sz="2400" dirty="0" err="1">
-                <a:solidFill>
-                  <a:schemeClr val="dk1"/>
-                </a:solidFill>
-                <a:latin typeface="Calibri"/>
-                <a:ea typeface="Calibri"/>
-                <a:cs typeface="Calibri"/>
-                <a:sym typeface="Calibri"/>
-              </a:rPr>
-              <a:t>als</a:t>
-            </a:r>
-            <a:r>
-              <a:rPr lang="en-US" sz="2400" dirty="0">
-                <a:solidFill>
-                  <a:schemeClr val="dk1"/>
-                </a:solidFill>
-                <a:latin typeface="Calibri"/>
-                <a:ea typeface="Calibri"/>
-                <a:cs typeface="Calibri"/>
-                <a:sym typeface="Calibri"/>
-              </a:rPr>
-              <a:t>, Type casting</a:t>
-            </a:r>
-          </a:p>
-          <a:p>
-            <a:pPr marL="552450" marR="0" lvl="0" indent="-342900" algn="l" rtl="0">
-              <a:lnSpc>
-                <a:spcPct val="90000"/>
-              </a:lnSpc>
-              <a:spcBef>
-                <a:spcPts val="600"/>
-              </a:spcBef>
-              <a:spcAft>
-                <a:spcPts val="0"/>
-              </a:spcAft>
-              <a:buClr>
-                <a:schemeClr val="dk1"/>
-              </a:buClr>
-              <a:buSzPts val="2400"/>
-              <a:buFont typeface="Arial" panose="020B0604020202020204" pitchFamily="34" charset="0"/>
-              <a:buChar char="•"/>
-            </a:pPr>
-            <a:r>
-              <a:rPr lang="en-US" sz="2400" b="0" i="0" u="none" strike="noStrike" cap="none" dirty="0">
-                <a:solidFill>
-                  <a:schemeClr val="dk1"/>
-                </a:solidFill>
-                <a:latin typeface="Calibri"/>
-                <a:ea typeface="Calibri"/>
-                <a:cs typeface="Calibri"/>
-                <a:sym typeface="Calibri"/>
-              </a:rPr>
-              <a:t>Guard</a:t>
-            </a:r>
-            <a:r>
-              <a:rPr lang="en-US" sz="2400" dirty="0">
-                <a:solidFill>
-                  <a:schemeClr val="dk1"/>
-                </a:solidFill>
-                <a:latin typeface="Calibri"/>
-                <a:ea typeface="Calibri"/>
-                <a:cs typeface="Calibri"/>
-                <a:sym typeface="Calibri"/>
-              </a:rPr>
-              <a:t> statements, API structure </a:t>
-            </a:r>
-          </a:p>
-          <a:p>
-            <a:pPr marL="552450" marR="0" lvl="0" indent="-342900" algn="l" rtl="0">
-              <a:lnSpc>
-                <a:spcPct val="90000"/>
-              </a:lnSpc>
-              <a:spcBef>
-                <a:spcPts val="600"/>
-              </a:spcBef>
-              <a:spcAft>
-                <a:spcPts val="0"/>
-              </a:spcAft>
-              <a:buClr>
-                <a:schemeClr val="dk1"/>
-              </a:buClr>
-              <a:buSzPts val="2400"/>
-              <a:buFont typeface="Arial" panose="020B0604020202020204" pitchFamily="34" charset="0"/>
-              <a:buChar char="•"/>
-            </a:pPr>
-            <a:r>
-              <a:rPr lang="en-US" sz="2400" b="0" i="0" u="none" strike="noStrike" cap="none" dirty="0">
-                <a:solidFill>
-                  <a:schemeClr val="dk1"/>
-                </a:solidFill>
-                <a:latin typeface="Calibri"/>
-                <a:ea typeface="Calibri"/>
-                <a:cs typeface="Calibri"/>
-                <a:sym typeface="Calibri"/>
-              </a:rPr>
-              <a:t>Scope</a:t>
-            </a:r>
-            <a:r>
-              <a:rPr lang="en-US" sz="2400" dirty="0">
-                <a:solidFill>
-                  <a:schemeClr val="dk1"/>
-                </a:solidFill>
-                <a:latin typeface="Calibri"/>
-                <a:ea typeface="Calibri"/>
-                <a:cs typeface="Calibri"/>
-                <a:sym typeface="Calibri"/>
-              </a:rPr>
-              <a:t>, Segue </a:t>
-            </a:r>
-            <a:r>
-              <a:rPr lang="en-US" sz="2400" dirty="0" err="1">
-                <a:solidFill>
-                  <a:schemeClr val="dk1"/>
-                </a:solidFill>
-                <a:latin typeface="Calibri"/>
-                <a:ea typeface="Calibri"/>
-                <a:cs typeface="Calibri"/>
-                <a:sym typeface="Calibri"/>
-              </a:rPr>
-              <a:t>Enums</a:t>
-            </a:r>
-            <a:endParaRPr lang="en-US" sz="2400" dirty="0">
-              <a:solidFill>
-                <a:schemeClr val="dk1"/>
-              </a:solidFill>
-              <a:latin typeface="Calibri"/>
-              <a:ea typeface="Calibri"/>
-              <a:cs typeface="Calibri"/>
-              <a:sym typeface="Calibri"/>
-            </a:endParaRPr>
-          </a:p>
-          <a:p>
-            <a:pPr marL="552450" marR="0" lvl="0" indent="-342900" algn="l" rtl="0">
-              <a:lnSpc>
-                <a:spcPct val="90000"/>
-              </a:lnSpc>
-              <a:spcBef>
-                <a:spcPts val="600"/>
-              </a:spcBef>
-              <a:spcAft>
-                <a:spcPts val="0"/>
-              </a:spcAft>
-              <a:buClr>
-                <a:schemeClr val="dk1"/>
-              </a:buClr>
-              <a:buSzPts val="2400"/>
-              <a:buFont typeface="Arial" panose="020B0604020202020204" pitchFamily="34" charset="0"/>
-              <a:buChar char="•"/>
-            </a:pPr>
-            <a:r>
-              <a:rPr lang="en-US" sz="2400" dirty="0">
-                <a:solidFill>
-                  <a:schemeClr val="dk1"/>
-                </a:solidFill>
-                <a:latin typeface="Calibri"/>
-                <a:ea typeface="Calibri"/>
-                <a:cs typeface="Calibri"/>
-                <a:sym typeface="Calibri"/>
-              </a:rPr>
-              <a:t>Tab bar controller, View controller</a:t>
-            </a:r>
-          </a:p>
-          <a:p>
-            <a:pPr marL="552450" marR="0" lvl="0" indent="-342900" algn="l" rtl="0">
-              <a:lnSpc>
-                <a:spcPct val="90000"/>
-              </a:lnSpc>
-              <a:spcBef>
-                <a:spcPts val="600"/>
-              </a:spcBef>
-              <a:spcAft>
-                <a:spcPts val="0"/>
-              </a:spcAft>
-              <a:buClr>
-                <a:schemeClr val="dk1"/>
-              </a:buClr>
-              <a:buSzPts val="2400"/>
-              <a:buFont typeface="Arial" panose="020B0604020202020204" pitchFamily="34" charset="0"/>
-              <a:buChar char="•"/>
-            </a:pPr>
-            <a:r>
-              <a:rPr lang="en-US" sz="2400" dirty="0">
-                <a:solidFill>
-                  <a:schemeClr val="dk1"/>
-                </a:solidFill>
-                <a:latin typeface="Calibri"/>
-                <a:ea typeface="Calibri"/>
-                <a:cs typeface="Calibri"/>
-                <a:sym typeface="Calibri"/>
-              </a:rPr>
-              <a:t>Protocols, App lifecycle</a:t>
-            </a:r>
-          </a:p>
-          <a:p>
-            <a:pPr marL="552450" marR="0" lvl="0" indent="-342900" algn="l" rtl="0">
-              <a:lnSpc>
-                <a:spcPct val="90000"/>
-              </a:lnSpc>
-              <a:spcBef>
-                <a:spcPts val="600"/>
-              </a:spcBef>
-              <a:spcAft>
-                <a:spcPts val="0"/>
-              </a:spcAft>
-              <a:buClr>
-                <a:schemeClr val="dk1"/>
-              </a:buClr>
-              <a:buSzPts val="2400"/>
-              <a:buFont typeface="Arial" panose="020B0604020202020204" pitchFamily="34" charset="0"/>
-              <a:buChar char="•"/>
-            </a:pPr>
-            <a:r>
-              <a:rPr lang="en-US" sz="2400" dirty="0">
-                <a:solidFill>
-                  <a:schemeClr val="dk1"/>
-                </a:solidFill>
-                <a:latin typeface="Calibri"/>
-                <a:ea typeface="Calibri"/>
-                <a:cs typeface="Calibri"/>
-                <a:sym typeface="Calibri"/>
-              </a:rPr>
-              <a:t>Scroll view, Table view</a:t>
-            </a:r>
-          </a:p>
-          <a:p>
-            <a:pPr marL="552450" marR="0" lvl="0" indent="-342900" algn="l" rtl="0">
-              <a:lnSpc>
-                <a:spcPct val="90000"/>
-              </a:lnSpc>
-              <a:spcBef>
-                <a:spcPts val="600"/>
-              </a:spcBef>
-              <a:spcAft>
-                <a:spcPts val="0"/>
-              </a:spcAft>
-              <a:buClr>
-                <a:schemeClr val="dk1"/>
-              </a:buClr>
-              <a:buSzPts val="2400"/>
-              <a:buFont typeface="Arial" panose="020B0604020202020204" pitchFamily="34" charset="0"/>
-              <a:buChar char="•"/>
-            </a:pPr>
-            <a:r>
-              <a:rPr lang="en-US" sz="2400" dirty="0">
-                <a:solidFill>
-                  <a:schemeClr val="dk1"/>
-                </a:solidFill>
-                <a:latin typeface="Calibri"/>
-                <a:ea typeface="Calibri"/>
-                <a:cs typeface="Calibri"/>
-                <a:sym typeface="Calibri"/>
-              </a:rPr>
-              <a:t>System view controller, Web requests</a:t>
-            </a:r>
-          </a:p>
-          <a:p>
-            <a:pPr marL="552450" marR="0" lvl="0" indent="-342900" algn="l" rtl="0">
-              <a:lnSpc>
-                <a:spcPct val="90000"/>
-              </a:lnSpc>
-              <a:spcBef>
-                <a:spcPts val="600"/>
-              </a:spcBef>
-              <a:spcAft>
-                <a:spcPts val="0"/>
-              </a:spcAft>
-              <a:buClr>
-                <a:schemeClr val="dk1"/>
-              </a:buClr>
-              <a:buSzPts val="2400"/>
-              <a:buFont typeface="Arial" panose="020B0604020202020204" pitchFamily="34" charset="0"/>
-              <a:buChar char="•"/>
-            </a:pPr>
-            <a:r>
-              <a:rPr lang="en-US" sz="2400" dirty="0">
-                <a:solidFill>
-                  <a:schemeClr val="dk1"/>
-                </a:solidFill>
-                <a:latin typeface="Calibri"/>
-                <a:ea typeface="Calibri"/>
-                <a:cs typeface="Calibri"/>
-                <a:sym typeface="Calibri"/>
-              </a:rPr>
-              <a:t>Closures, Extensions</a:t>
-            </a:r>
-          </a:p>
-          <a:p>
-            <a:pPr marL="552450" marR="0" lvl="0" indent="-342900" algn="l" rtl="0">
-              <a:lnSpc>
-                <a:spcPct val="90000"/>
-              </a:lnSpc>
-              <a:spcBef>
-                <a:spcPts val="600"/>
-              </a:spcBef>
-              <a:spcAft>
-                <a:spcPts val="0"/>
-              </a:spcAft>
-              <a:buClr>
-                <a:schemeClr val="dk1"/>
-              </a:buClr>
-              <a:buSzPts val="2400"/>
-              <a:buFont typeface="Arial" panose="020B0604020202020204" pitchFamily="34" charset="0"/>
-              <a:buChar char="•"/>
-            </a:pPr>
-            <a:r>
-              <a:rPr lang="en-US" sz="2400" dirty="0">
-                <a:solidFill>
-                  <a:schemeClr val="dk1"/>
-                </a:solidFill>
-                <a:latin typeface="Calibri"/>
-                <a:ea typeface="Calibri"/>
-                <a:cs typeface="Calibri"/>
-                <a:sym typeface="Calibri"/>
-              </a:rPr>
-              <a:t>App deployment, Swift 5</a:t>
-            </a:r>
-          </a:p>
-          <a:p>
-            <a:pPr marL="552450" marR="0" lvl="0" indent="-342900" algn="l" rtl="0">
-              <a:lnSpc>
-                <a:spcPct val="90000"/>
-              </a:lnSpc>
-              <a:spcBef>
-                <a:spcPts val="600"/>
-              </a:spcBef>
-              <a:spcAft>
-                <a:spcPts val="0"/>
-              </a:spcAft>
-              <a:buClr>
-                <a:schemeClr val="dk1"/>
-              </a:buClr>
-              <a:buSzPts val="2400"/>
-              <a:buFont typeface="Arial" panose="020B0604020202020204" pitchFamily="34" charset="0"/>
-              <a:buChar char="•"/>
-            </a:pPr>
-            <a:endParaRPr lang="en-US" sz="2400" dirty="0">
-              <a:solidFill>
-                <a:schemeClr val="dk1"/>
-              </a:solidFill>
-              <a:latin typeface="Calibri"/>
-              <a:ea typeface="Calibri"/>
-              <a:cs typeface="Calibri"/>
-              <a:sym typeface="Calibri"/>
-            </a:endParaRPr>
-          </a:p>
-          <a:p>
-            <a:pPr marL="552450" marR="0" lvl="0" indent="-342900" algn="l" rtl="0">
-              <a:lnSpc>
-                <a:spcPct val="90000"/>
-              </a:lnSpc>
-              <a:spcBef>
-                <a:spcPts val="600"/>
-              </a:spcBef>
-              <a:spcAft>
-                <a:spcPts val="0"/>
-              </a:spcAft>
-              <a:buClr>
-                <a:schemeClr val="dk1"/>
-              </a:buClr>
-              <a:buSzPts val="2400"/>
-              <a:buFont typeface="Arial" panose="020B0604020202020204" pitchFamily="34" charset="0"/>
-              <a:buChar char="•"/>
-            </a:pPr>
-            <a:endParaRPr lang="en-US" sz="2400" dirty="0">
-              <a:solidFill>
-                <a:schemeClr val="dk1"/>
-              </a:solidFill>
-              <a:latin typeface="Calibri"/>
-              <a:ea typeface="Calibri"/>
-              <a:cs typeface="Calibri"/>
-              <a:sym typeface="Calibri"/>
-            </a:endParaRPr>
-          </a:p>
-          <a:p>
-            <a:pPr marL="552450" marR="0" lvl="0" indent="-342900" algn="l" rtl="0">
-              <a:lnSpc>
-                <a:spcPct val="90000"/>
-              </a:lnSpc>
-              <a:spcBef>
-                <a:spcPts val="600"/>
-              </a:spcBef>
-              <a:spcAft>
-                <a:spcPts val="0"/>
-              </a:spcAft>
-              <a:buClr>
-                <a:schemeClr val="dk1"/>
-              </a:buClr>
-              <a:buSzPts val="2400"/>
-              <a:buFont typeface="Arial" panose="020B0604020202020204" pitchFamily="34" charset="0"/>
-              <a:buChar char="•"/>
-            </a:pPr>
-            <a:endParaRPr sz="2400" b="0" i="0" u="none" strike="noStrike" cap="none" dirty="0">
-              <a:solidFill>
-                <a:schemeClr val="dk1"/>
-              </a:solidFill>
-              <a:latin typeface="Calibri"/>
-              <a:ea typeface="Calibri"/>
-              <a:cs typeface="Calibri"/>
-              <a:sym typeface="Calibri"/>
-            </a:endParaRPr>
-          </a:p>
-        </p:txBody>
-      </p:sp>
-    </p:spTree>
-    <p:extLst>
-      <p:ext uri="{BB962C8B-B14F-4D97-AF65-F5344CB8AC3E}">
-        <p14:creationId xmlns:p14="http://schemas.microsoft.com/office/powerpoint/2010/main" val="3510861473"/>
-      </p:ext>
-    </p:extLst>
-  </p:cSld>
-  <p:clrMapOvr>
-    <a:masterClrMapping/>
-  </p:clrMapOvr>
 </p:sld>
 </file>
 
